--- a/man/figures/logo.pptx
+++ b/man/figures/logo.pptx
@@ -5,9 +5,13 @@
     <p:sldMasterId id="2147483648" r:id="rId1"/>
   </p:sldMasterIdLst>
   <p:sldIdLst>
-    <p:sldId id="256" r:id="rId2"/>
-    <p:sldId id="258" r:id="rId3"/>
-    <p:sldId id="257" r:id="rId4"/>
+    <p:sldId id="257" r:id="rId2"/>
+    <p:sldId id="256" r:id="rId3"/>
+    <p:sldId id="258" r:id="rId4"/>
+    <p:sldId id="260" r:id="rId5"/>
+    <p:sldId id="259" r:id="rId6"/>
+    <p:sldId id="261" r:id="rId7"/>
+    <p:sldId id="262" r:id="rId8"/>
   </p:sldIdLst>
   <p:sldSz cx="12192000" cy="6858000"/>
   <p:notesSz cx="6858000" cy="9144000"/>
@@ -108,7 +112,18 @@
   </p:defaultTextStyle>
   <p:extLst>
     <p:ext uri="{EFAFB233-063F-42B5-8137-9DF3F51BA10A}">
-      <p15:sldGuideLst xmlns:p15="http://schemas.microsoft.com/office/powerpoint/2012/main"/>
+      <p15:sldGuideLst xmlns:p15="http://schemas.microsoft.com/office/powerpoint/2012/main">
+        <p15:guide id="1" orient="horz" pos="2160" userDrawn="1">
+          <p15:clr>
+            <a:srgbClr val="A4A3A4"/>
+          </p15:clr>
+        </p15:guide>
+        <p15:guide id="2" pos="3840" userDrawn="1">
+          <p15:clr>
+            <a:srgbClr val="A4A3A4"/>
+          </p15:clr>
+        </p15:guide>
+      </p15:sldGuideLst>
     </p:ext>
   </p:extLst>
 </p:presentation>
@@ -261,7 +276,7 @@
           <a:p>
             <a:fld id="{E83CB364-2EEF-194A-840B-CEE7F5B69797}" type="datetimeFigureOut">
               <a:rPr lang="en-US" smtClean="0"/>
-              <a:t>8/19/20</a:t>
+              <a:t>8/20/20</a:t>
             </a:fld>
             <a:endParaRPr lang="en-US"/>
           </a:p>
@@ -459,7 +474,7 @@
           <a:p>
             <a:fld id="{E83CB364-2EEF-194A-840B-CEE7F5B69797}" type="datetimeFigureOut">
               <a:rPr lang="en-US" smtClean="0"/>
-              <a:t>8/19/20</a:t>
+              <a:t>8/20/20</a:t>
             </a:fld>
             <a:endParaRPr lang="en-US"/>
           </a:p>
@@ -667,7 +682,7 @@
           <a:p>
             <a:fld id="{E83CB364-2EEF-194A-840B-CEE7F5B69797}" type="datetimeFigureOut">
               <a:rPr lang="en-US" smtClean="0"/>
-              <a:t>8/19/20</a:t>
+              <a:t>8/20/20</a:t>
             </a:fld>
             <a:endParaRPr lang="en-US"/>
           </a:p>
@@ -865,7 +880,7 @@
           <a:p>
             <a:fld id="{E83CB364-2EEF-194A-840B-CEE7F5B69797}" type="datetimeFigureOut">
               <a:rPr lang="en-US" smtClean="0"/>
-              <a:t>8/19/20</a:t>
+              <a:t>8/20/20</a:t>
             </a:fld>
             <a:endParaRPr lang="en-US"/>
           </a:p>
@@ -1140,7 +1155,7 @@
           <a:p>
             <a:fld id="{E83CB364-2EEF-194A-840B-CEE7F5B69797}" type="datetimeFigureOut">
               <a:rPr lang="en-US" smtClean="0"/>
-              <a:t>8/19/20</a:t>
+              <a:t>8/20/20</a:t>
             </a:fld>
             <a:endParaRPr lang="en-US"/>
           </a:p>
@@ -1405,7 +1420,7 @@
           <a:p>
             <a:fld id="{E83CB364-2EEF-194A-840B-CEE7F5B69797}" type="datetimeFigureOut">
               <a:rPr lang="en-US" smtClean="0"/>
-              <a:t>8/19/20</a:t>
+              <a:t>8/20/20</a:t>
             </a:fld>
             <a:endParaRPr lang="en-US"/>
           </a:p>
@@ -1817,7 +1832,7 @@
           <a:p>
             <a:fld id="{E83CB364-2EEF-194A-840B-CEE7F5B69797}" type="datetimeFigureOut">
               <a:rPr lang="en-US" smtClean="0"/>
-              <a:t>8/19/20</a:t>
+              <a:t>8/20/20</a:t>
             </a:fld>
             <a:endParaRPr lang="en-US"/>
           </a:p>
@@ -1958,7 +1973,7 @@
           <a:p>
             <a:fld id="{E83CB364-2EEF-194A-840B-CEE7F5B69797}" type="datetimeFigureOut">
               <a:rPr lang="en-US" smtClean="0"/>
-              <a:t>8/19/20</a:t>
+              <a:t>8/20/20</a:t>
             </a:fld>
             <a:endParaRPr lang="en-US"/>
           </a:p>
@@ -2071,7 +2086,7 @@
           <a:p>
             <a:fld id="{E83CB364-2EEF-194A-840B-CEE7F5B69797}" type="datetimeFigureOut">
               <a:rPr lang="en-US" smtClean="0"/>
-              <a:t>8/19/20</a:t>
+              <a:t>8/20/20</a:t>
             </a:fld>
             <a:endParaRPr lang="en-US"/>
           </a:p>
@@ -2382,7 +2397,7 @@
           <a:p>
             <a:fld id="{E83CB364-2EEF-194A-840B-CEE7F5B69797}" type="datetimeFigureOut">
               <a:rPr lang="en-US" smtClean="0"/>
-              <a:t>8/19/20</a:t>
+              <a:t>8/20/20</a:t>
             </a:fld>
             <a:endParaRPr lang="en-US"/>
           </a:p>
@@ -2670,7 +2685,7 @@
           <a:p>
             <a:fld id="{E83CB364-2EEF-194A-840B-CEE7F5B69797}" type="datetimeFigureOut">
               <a:rPr lang="en-US" smtClean="0"/>
-              <a:t>8/19/20</a:t>
+              <a:t>8/20/20</a:t>
             </a:fld>
             <a:endParaRPr lang="en-US"/>
           </a:p>
@@ -2911,7 +2926,7 @@
           <a:p>
             <a:fld id="{E83CB364-2EEF-194A-840B-CEE7F5B69797}" type="datetimeFigureOut">
               <a:rPr lang="en-US" smtClean="0"/>
-              <a:t>8/19/20</a:t>
+              <a:t>8/20/20</a:t>
             </a:fld>
             <a:endParaRPr lang="en-US"/>
           </a:p>
@@ -3312,6 +3327,698 @@
 </file>
 
 <file path=ppt/slides/slide1.xml><?xml version="1.0" encoding="utf-8"?>
+<p:sld xmlns:a="http://schemas.openxmlformats.org/drawingml/2006/main" xmlns:r="http://schemas.openxmlformats.org/officeDocument/2006/relationships" xmlns:p="http://schemas.openxmlformats.org/presentationml/2006/main">
+  <p:cSld>
+    <p:spTree>
+      <p:nvGrpSpPr>
+        <p:cNvPr id="1" name=""/>
+        <p:cNvGrpSpPr/>
+        <p:nvPr/>
+      </p:nvGrpSpPr>
+      <p:grpSpPr>
+        <a:xfrm>
+          <a:off x="0" y="0"/>
+          <a:ext cx="0" cy="0"/>
+          <a:chOff x="0" y="0"/>
+          <a:chExt cx="0" cy="0"/>
+        </a:xfrm>
+      </p:grpSpPr>
+      <p:grpSp>
+        <p:nvGrpSpPr>
+          <p:cNvPr id="7" name="Group 6">
+            <a:extLst>
+              <a:ext uri="{FF2B5EF4-FFF2-40B4-BE49-F238E27FC236}">
+                <a16:creationId xmlns:a16="http://schemas.microsoft.com/office/drawing/2014/main" id="{036B573C-B3F1-4E40-ACAA-699663D04D70}"/>
+              </a:ext>
+            </a:extLst>
+          </p:cNvPr>
+          <p:cNvGrpSpPr/>
+          <p:nvPr/>
+        </p:nvGrpSpPr>
+        <p:grpSpPr>
+          <a:xfrm>
+            <a:off x="3692928" y="1530400"/>
+            <a:ext cx="4806145" cy="3797200"/>
+            <a:chOff x="3692928" y="1530400"/>
+            <a:chExt cx="4806145" cy="3797200"/>
+          </a:xfrm>
+        </p:grpSpPr>
+        <p:sp>
+          <p:nvSpPr>
+            <p:cNvPr id="5" name="TextBox 4">
+              <a:extLst>
+                <a:ext uri="{FF2B5EF4-FFF2-40B4-BE49-F238E27FC236}">
+                  <a16:creationId xmlns:a16="http://schemas.microsoft.com/office/drawing/2014/main" id="{5E817C07-12AA-8247-BB6A-D7528DCED639}"/>
+                </a:ext>
+              </a:extLst>
+            </p:cNvPr>
+            <p:cNvSpPr txBox="1"/>
+            <p:nvPr/>
+          </p:nvSpPr>
+          <p:spPr>
+            <a:xfrm>
+              <a:off x="3692928" y="1530400"/>
+              <a:ext cx="651139" cy="457200"/>
+            </a:xfrm>
+            <a:prstGeom prst="rect">
+              <a:avLst/>
+            </a:prstGeom>
+            <a:noFill/>
+            <a:ln w="25400">
+              <a:solidFill>
+                <a:srgbClr val="FF0000"/>
+              </a:solidFill>
+              <a:prstDash val="sysDot"/>
+            </a:ln>
+          </p:spPr>
+          <p:txBody>
+            <a:bodyPr wrap="none" rtlCol="0" anchor="ctr" anchorCtr="0">
+              <a:spAutoFit/>
+            </a:bodyPr>
+            <a:lstStyle/>
+            <a:p>
+              <a:pPr algn="ctr"/>
+              <a:r>
+                <a:rPr lang="en-US" sz="2200" dirty="0">
+                  <a:latin typeface="Consolas" panose="020B0609020204030204" pitchFamily="49" charset="0"/>
+                  <a:cs typeface="Consolas" panose="020B0609020204030204" pitchFamily="49" charset="0"/>
+                </a:rPr>
+                <a:t>USA</a:t>
+              </a:r>
+            </a:p>
+          </p:txBody>
+        </p:sp>
+        <p:sp>
+          <p:nvSpPr>
+            <p:cNvPr id="8" name="Rectangle 7">
+              <a:extLst>
+                <a:ext uri="{FF2B5EF4-FFF2-40B4-BE49-F238E27FC236}">
+                  <a16:creationId xmlns:a16="http://schemas.microsoft.com/office/drawing/2014/main" id="{8A214D94-F154-434C-B76E-EF5C8F1DFF28}"/>
+                </a:ext>
+              </a:extLst>
+            </p:cNvPr>
+            <p:cNvSpPr/>
+            <p:nvPr/>
+          </p:nvSpPr>
+          <p:spPr>
+            <a:xfrm>
+              <a:off x="4344067" y="1530400"/>
+              <a:ext cx="228600" cy="457200"/>
+            </a:xfrm>
+            <a:prstGeom prst="rect">
+              <a:avLst/>
+            </a:prstGeom>
+          </p:spPr>
+          <p:txBody>
+            <a:bodyPr wrap="square" lIns="0" anchor="ctr" anchorCtr="0">
+              <a:spAutoFit/>
+            </a:bodyPr>
+            <a:lstStyle/>
+            <a:p>
+              <a:r>
+                <a:rPr lang="en-US" sz="2200" dirty="0">
+                  <a:latin typeface="Consolas" panose="020B0609020204030204" pitchFamily="49" charset="0"/>
+                  <a:cs typeface="Consolas" panose="020B0609020204030204" pitchFamily="49" charset="0"/>
+                </a:rPr>
+                <a:t>: </a:t>
+              </a:r>
+              <a:endParaRPr lang="en-US" sz="2200" dirty="0"/>
+            </a:p>
+          </p:txBody>
+        </p:sp>
+        <p:sp>
+          <p:nvSpPr>
+            <p:cNvPr id="9" name="Rectangle 8">
+              <a:extLst>
+                <a:ext uri="{FF2B5EF4-FFF2-40B4-BE49-F238E27FC236}">
+                  <a16:creationId xmlns:a16="http://schemas.microsoft.com/office/drawing/2014/main" id="{E8CCE93F-F91A-8E45-8FCA-24F459E6123D}"/>
+                </a:ext>
+              </a:extLst>
+            </p:cNvPr>
+            <p:cNvSpPr/>
+            <p:nvPr/>
+          </p:nvSpPr>
+          <p:spPr>
+            <a:xfrm>
+              <a:off x="4572666" y="1543557"/>
+              <a:ext cx="2269211" cy="430887"/>
+            </a:xfrm>
+            <a:prstGeom prst="rect">
+              <a:avLst/>
+            </a:prstGeom>
+            <a:ln w="25400">
+              <a:solidFill>
+                <a:srgbClr val="FF0000"/>
+              </a:solidFill>
+              <a:prstDash val="sysDot"/>
+            </a:ln>
+          </p:spPr>
+          <p:txBody>
+            <a:bodyPr wrap="none" rIns="0" anchor="ctr" anchorCtr="0">
+              <a:spAutoFit/>
+            </a:bodyPr>
+            <a:lstStyle/>
+            <a:p>
+              <a:r>
+                <a:rPr lang="en-US" sz="2200" dirty="0">
+                  <a:latin typeface="Consolas" panose="020B0609020204030204" pitchFamily="49" charset="0"/>
+                  <a:cs typeface="Consolas" panose="020B0609020204030204" pitchFamily="49" charset="0"/>
+                </a:rPr>
+                <a:t>Fairfax County</a:t>
+              </a:r>
+              <a:endParaRPr lang="en-US" sz="2200" dirty="0"/>
+            </a:p>
+          </p:txBody>
+        </p:sp>
+        <p:sp>
+          <p:nvSpPr>
+            <p:cNvPr id="10" name="Rectangle 9">
+              <a:extLst>
+                <a:ext uri="{FF2B5EF4-FFF2-40B4-BE49-F238E27FC236}">
+                  <a16:creationId xmlns:a16="http://schemas.microsoft.com/office/drawing/2014/main" id="{4EABADCB-AF5C-C242-AEA1-255F8DFC8421}"/>
+                </a:ext>
+              </a:extLst>
+            </p:cNvPr>
+            <p:cNvSpPr/>
+            <p:nvPr/>
+          </p:nvSpPr>
+          <p:spPr>
+            <a:xfrm>
+              <a:off x="7070477" y="1530400"/>
+              <a:ext cx="1428596" cy="457200"/>
+            </a:xfrm>
+            <a:prstGeom prst="rect">
+              <a:avLst/>
+            </a:prstGeom>
+            <a:ln w="25400">
+              <a:solidFill>
+                <a:srgbClr val="FF0000"/>
+              </a:solidFill>
+              <a:prstDash val="sysDot"/>
+            </a:ln>
+          </p:spPr>
+          <p:txBody>
+            <a:bodyPr wrap="none" anchor="ctr" anchorCtr="0">
+              <a:spAutoFit/>
+            </a:bodyPr>
+            <a:lstStyle/>
+            <a:p>
+              <a:r>
+                <a:rPr lang="en-US" sz="2200" dirty="0">
+                  <a:latin typeface="Consolas" panose="020B0609020204030204" pitchFamily="49" charset="0"/>
+                  <a:cs typeface="Consolas" panose="020B0609020204030204" pitchFamily="49" charset="0"/>
+                </a:rPr>
+                <a:t>Virginia</a:t>
+              </a:r>
+            </a:p>
+          </p:txBody>
+        </p:sp>
+        <p:sp>
+          <p:nvSpPr>
+            <p:cNvPr id="11" name="Rectangle 10">
+              <a:extLst>
+                <a:ext uri="{FF2B5EF4-FFF2-40B4-BE49-F238E27FC236}">
+                  <a16:creationId xmlns:a16="http://schemas.microsoft.com/office/drawing/2014/main" id="{F7DE1992-CDE8-224F-92CD-A80F35E26570}"/>
+                </a:ext>
+              </a:extLst>
+            </p:cNvPr>
+            <p:cNvSpPr/>
+            <p:nvPr/>
+          </p:nvSpPr>
+          <p:spPr>
+            <a:xfrm>
+              <a:off x="6841877" y="1530400"/>
+              <a:ext cx="228600" cy="457200"/>
+            </a:xfrm>
+            <a:prstGeom prst="rect">
+              <a:avLst/>
+            </a:prstGeom>
+          </p:spPr>
+          <p:txBody>
+            <a:bodyPr wrap="square" lIns="0" anchor="ctr" anchorCtr="0">
+              <a:spAutoFit/>
+            </a:bodyPr>
+            <a:lstStyle/>
+            <a:p>
+              <a:r>
+                <a:rPr lang="en-US" sz="2200" dirty="0">
+                  <a:latin typeface="Consolas" panose="020B0609020204030204" pitchFamily="49" charset="0"/>
+                  <a:cs typeface="Consolas" panose="020B0609020204030204" pitchFamily="49" charset="0"/>
+                </a:rPr>
+                <a:t>, </a:t>
+              </a:r>
+              <a:endParaRPr lang="en-US" sz="2200" dirty="0"/>
+            </a:p>
+          </p:txBody>
+        </p:sp>
+        <p:cxnSp>
+          <p:nvCxnSpPr>
+            <p:cNvPr id="13" name="Straight Arrow Connector 12">
+              <a:extLst>
+                <a:ext uri="{FF2B5EF4-FFF2-40B4-BE49-F238E27FC236}">
+                  <a16:creationId xmlns:a16="http://schemas.microsoft.com/office/drawing/2014/main" id="{D20553D3-86F2-734E-A11E-12884EC6FA96}"/>
+                </a:ext>
+              </a:extLst>
+            </p:cNvPr>
+            <p:cNvCxnSpPr>
+              <a:cxnSpLocks/>
+            </p:cNvCxnSpPr>
+            <p:nvPr/>
+          </p:nvCxnSpPr>
+          <p:spPr>
+            <a:xfrm>
+              <a:off x="4018497" y="2057400"/>
+              <a:ext cx="0" cy="914400"/>
+            </a:xfrm>
+            <a:prstGeom prst="straightConnector1">
+              <a:avLst/>
+            </a:prstGeom>
+            <a:ln w="50800">
+              <a:tailEnd type="triangle"/>
+            </a:ln>
+          </p:spPr>
+          <p:style>
+            <a:lnRef idx="1">
+              <a:schemeClr val="accent1"/>
+            </a:lnRef>
+            <a:fillRef idx="0">
+              <a:schemeClr val="accent1"/>
+            </a:fillRef>
+            <a:effectRef idx="0">
+              <a:schemeClr val="accent1"/>
+            </a:effectRef>
+            <a:fontRef idx="minor">
+              <a:schemeClr val="tx1"/>
+            </a:fontRef>
+          </p:style>
+        </p:cxnSp>
+        <p:sp>
+          <p:nvSpPr>
+            <p:cNvPr id="14" name="TextBox 13">
+              <a:extLst>
+                <a:ext uri="{FF2B5EF4-FFF2-40B4-BE49-F238E27FC236}">
+                  <a16:creationId xmlns:a16="http://schemas.microsoft.com/office/drawing/2014/main" id="{B30F8F02-4242-F24E-BCAA-786A6E821321}"/>
+                </a:ext>
+              </a:extLst>
+            </p:cNvPr>
+            <p:cNvSpPr txBox="1"/>
+            <p:nvPr/>
+          </p:nvSpPr>
+          <p:spPr>
+            <a:xfrm>
+              <a:off x="3770672" y="3054756"/>
+              <a:ext cx="495649" cy="430887"/>
+            </a:xfrm>
+            <a:prstGeom prst="rect">
+              <a:avLst/>
+            </a:prstGeom>
+            <a:noFill/>
+            <a:ln w="25400">
+              <a:solidFill>
+                <a:srgbClr val="00B050"/>
+              </a:solidFill>
+              <a:prstDash val="sysDot"/>
+            </a:ln>
+          </p:spPr>
+          <p:txBody>
+            <a:bodyPr wrap="none" rtlCol="0" anchor="ctr" anchorCtr="0">
+              <a:spAutoFit/>
+            </a:bodyPr>
+            <a:lstStyle/>
+            <a:p>
+              <a:pPr algn="ctr"/>
+              <a:r>
+                <a:rPr lang="en-US" sz="2200" dirty="0">
+                  <a:latin typeface="Consolas" panose="020B0609020204030204" pitchFamily="49" charset="0"/>
+                  <a:cs typeface="Consolas" panose="020B0609020204030204" pitchFamily="49" charset="0"/>
+                </a:rPr>
+                <a:t>US</a:t>
+              </a:r>
+            </a:p>
+          </p:txBody>
+        </p:sp>
+        <p:cxnSp>
+          <p:nvCxnSpPr>
+            <p:cNvPr id="15" name="Straight Arrow Connector 14">
+              <a:extLst>
+                <a:ext uri="{FF2B5EF4-FFF2-40B4-BE49-F238E27FC236}">
+                  <a16:creationId xmlns:a16="http://schemas.microsoft.com/office/drawing/2014/main" id="{BB123F16-34F3-274E-905E-179B6C127BB2}"/>
+                </a:ext>
+              </a:extLst>
+            </p:cNvPr>
+            <p:cNvCxnSpPr>
+              <a:cxnSpLocks/>
+            </p:cNvCxnSpPr>
+            <p:nvPr/>
+          </p:nvCxnSpPr>
+          <p:spPr>
+            <a:xfrm>
+              <a:off x="7784775" y="2057400"/>
+              <a:ext cx="0" cy="1828800"/>
+            </a:xfrm>
+            <a:prstGeom prst="straightConnector1">
+              <a:avLst/>
+            </a:prstGeom>
+            <a:ln w="50800">
+              <a:tailEnd type="triangle"/>
+            </a:ln>
+          </p:spPr>
+          <p:style>
+            <a:lnRef idx="1">
+              <a:schemeClr val="accent1"/>
+            </a:lnRef>
+            <a:fillRef idx="0">
+              <a:schemeClr val="accent1"/>
+            </a:fillRef>
+            <a:effectRef idx="0">
+              <a:schemeClr val="accent1"/>
+            </a:effectRef>
+            <a:fontRef idx="minor">
+              <a:schemeClr val="tx1"/>
+            </a:fontRef>
+          </p:style>
+        </p:cxnSp>
+        <p:sp>
+          <p:nvSpPr>
+            <p:cNvPr id="16" name="TextBox 15">
+              <a:extLst>
+                <a:ext uri="{FF2B5EF4-FFF2-40B4-BE49-F238E27FC236}">
+                  <a16:creationId xmlns:a16="http://schemas.microsoft.com/office/drawing/2014/main" id="{8EA5B355-8264-C343-B995-3FF838066D4F}"/>
+                </a:ext>
+              </a:extLst>
+            </p:cNvPr>
+            <p:cNvSpPr txBox="1"/>
+            <p:nvPr/>
+          </p:nvSpPr>
+          <p:spPr>
+            <a:xfrm>
+              <a:off x="7522524" y="3955744"/>
+              <a:ext cx="524503" cy="457200"/>
+            </a:xfrm>
+            <a:prstGeom prst="rect">
+              <a:avLst/>
+            </a:prstGeom>
+            <a:noFill/>
+            <a:ln w="25400">
+              <a:solidFill>
+                <a:srgbClr val="00B050"/>
+              </a:solidFill>
+              <a:prstDash val="sysDot"/>
+            </a:ln>
+          </p:spPr>
+          <p:txBody>
+            <a:bodyPr wrap="square" rtlCol="0" anchor="ctr" anchorCtr="0">
+              <a:spAutoFit/>
+            </a:bodyPr>
+            <a:lstStyle/>
+            <a:p>
+              <a:pPr algn="ctr"/>
+              <a:r>
+                <a:rPr lang="en-US" sz="2200" dirty="0">
+                  <a:latin typeface="Consolas" panose="020B0609020204030204" pitchFamily="49" charset="0"/>
+                  <a:cs typeface="Consolas" panose="020B0609020204030204" pitchFamily="49" charset="0"/>
+                </a:rPr>
+                <a:t>VA</a:t>
+              </a:r>
+            </a:p>
+          </p:txBody>
+        </p:sp>
+        <p:cxnSp>
+          <p:nvCxnSpPr>
+            <p:cNvPr id="17" name="Straight Arrow Connector 16">
+              <a:extLst>
+                <a:ext uri="{FF2B5EF4-FFF2-40B4-BE49-F238E27FC236}">
+                  <a16:creationId xmlns:a16="http://schemas.microsoft.com/office/drawing/2014/main" id="{AD0653E6-BEA7-CD44-8AB9-188D4DD80170}"/>
+                </a:ext>
+              </a:extLst>
+            </p:cNvPr>
+            <p:cNvCxnSpPr>
+              <a:cxnSpLocks/>
+            </p:cNvCxnSpPr>
+            <p:nvPr/>
+          </p:nvCxnSpPr>
+          <p:spPr>
+            <a:xfrm>
+              <a:off x="5707271" y="2057400"/>
+              <a:ext cx="0" cy="2743200"/>
+            </a:xfrm>
+            <a:prstGeom prst="straightConnector1">
+              <a:avLst/>
+            </a:prstGeom>
+            <a:ln w="50800">
+              <a:tailEnd type="triangle"/>
+            </a:ln>
+          </p:spPr>
+          <p:style>
+            <a:lnRef idx="1">
+              <a:schemeClr val="accent1"/>
+            </a:lnRef>
+            <a:fillRef idx="0">
+              <a:schemeClr val="accent1"/>
+            </a:fillRef>
+            <a:effectRef idx="0">
+              <a:schemeClr val="accent1"/>
+            </a:effectRef>
+            <a:fontRef idx="minor">
+              <a:schemeClr val="tx1"/>
+            </a:fontRef>
+          </p:style>
+        </p:cxnSp>
+        <p:sp>
+          <p:nvSpPr>
+            <p:cNvPr id="18" name="TextBox 17">
+              <a:extLst>
+                <a:ext uri="{FF2B5EF4-FFF2-40B4-BE49-F238E27FC236}">
+                  <a16:creationId xmlns:a16="http://schemas.microsoft.com/office/drawing/2014/main" id="{6A923496-98A6-404F-9E31-DB9B1A1B190F}"/>
+                </a:ext>
+              </a:extLst>
+            </p:cNvPr>
+            <p:cNvSpPr txBox="1"/>
+            <p:nvPr/>
+          </p:nvSpPr>
+          <p:spPr>
+            <a:xfrm>
+              <a:off x="5381702" y="4870400"/>
+              <a:ext cx="651139" cy="457200"/>
+            </a:xfrm>
+            <a:prstGeom prst="rect">
+              <a:avLst/>
+            </a:prstGeom>
+            <a:noFill/>
+            <a:ln w="25400">
+              <a:solidFill>
+                <a:srgbClr val="00B050"/>
+              </a:solidFill>
+              <a:prstDash val="sysDot"/>
+            </a:ln>
+          </p:spPr>
+          <p:txBody>
+            <a:bodyPr wrap="none" rtlCol="0" anchor="ctr" anchorCtr="0">
+              <a:spAutoFit/>
+            </a:bodyPr>
+            <a:lstStyle/>
+            <a:p>
+              <a:pPr algn="ctr"/>
+              <a:r>
+                <a:rPr lang="en-US" sz="2200" dirty="0">
+                  <a:latin typeface="Consolas" panose="020B0609020204030204" pitchFamily="49" charset="0"/>
+                  <a:cs typeface="Consolas" panose="020B0609020204030204" pitchFamily="49" charset="0"/>
+                </a:rPr>
+                <a:t>059</a:t>
+              </a:r>
+            </a:p>
+          </p:txBody>
+        </p:sp>
+        <p:cxnSp>
+          <p:nvCxnSpPr>
+            <p:cNvPr id="26" name="Straight Arrow Connector 25">
+              <a:extLst>
+                <a:ext uri="{FF2B5EF4-FFF2-40B4-BE49-F238E27FC236}">
+                  <a16:creationId xmlns:a16="http://schemas.microsoft.com/office/drawing/2014/main" id="{05AB109E-6CA2-B248-99A7-D65335724862}"/>
+                </a:ext>
+              </a:extLst>
+            </p:cNvPr>
+            <p:cNvCxnSpPr>
+              <a:cxnSpLocks/>
+            </p:cNvCxnSpPr>
+            <p:nvPr/>
+          </p:nvCxnSpPr>
+          <p:spPr>
+            <a:xfrm>
+              <a:off x="4348701" y="3270200"/>
+              <a:ext cx="1245387" cy="0"/>
+            </a:xfrm>
+            <a:prstGeom prst="straightConnector1">
+              <a:avLst/>
+            </a:prstGeom>
+            <a:ln w="50800">
+              <a:tailEnd type="oval" w="sm" len="sm"/>
+            </a:ln>
+          </p:spPr>
+          <p:style>
+            <a:lnRef idx="1">
+              <a:schemeClr val="accent1"/>
+            </a:lnRef>
+            <a:fillRef idx="0">
+              <a:schemeClr val="accent1"/>
+            </a:fillRef>
+            <a:effectRef idx="0">
+              <a:schemeClr val="accent1"/>
+            </a:effectRef>
+            <a:fontRef idx="minor">
+              <a:schemeClr val="tx1"/>
+            </a:fontRef>
+          </p:style>
+        </p:cxnSp>
+        <p:sp>
+          <p:nvSpPr>
+            <p:cNvPr id="27" name="Arc 26">
+              <a:extLst>
+                <a:ext uri="{FF2B5EF4-FFF2-40B4-BE49-F238E27FC236}">
+                  <a16:creationId xmlns:a16="http://schemas.microsoft.com/office/drawing/2014/main" id="{40DC3D99-EE73-C746-97DE-93F946D2911F}"/>
+                </a:ext>
+              </a:extLst>
+            </p:cNvPr>
+            <p:cNvSpPr>
+              <a:spLocks noChangeAspect="1"/>
+            </p:cNvSpPr>
+            <p:nvPr/>
+          </p:nvSpPr>
+          <p:spPr>
+            <a:xfrm>
+              <a:off x="5594088" y="3157017"/>
+              <a:ext cx="226367" cy="226367"/>
+            </a:xfrm>
+            <a:prstGeom prst="arc">
+              <a:avLst>
+                <a:gd name="adj1" fmla="val 10796076"/>
+                <a:gd name="adj2" fmla="val 17701"/>
+              </a:avLst>
+            </a:prstGeom>
+            <a:ln w="50800"/>
+          </p:spPr>
+          <p:style>
+            <a:lnRef idx="1">
+              <a:schemeClr val="accent1"/>
+            </a:lnRef>
+            <a:fillRef idx="0">
+              <a:schemeClr val="accent1"/>
+            </a:fillRef>
+            <a:effectRef idx="0">
+              <a:schemeClr val="accent1"/>
+            </a:effectRef>
+            <a:fontRef idx="minor">
+              <a:schemeClr val="tx1"/>
+            </a:fontRef>
+          </p:style>
+          <p:txBody>
+            <a:bodyPr rtlCol="0" anchor="ctr"/>
+            <a:lstStyle/>
+            <a:p>
+              <a:pPr algn="ctr"/>
+              <a:endParaRPr lang="en-US" sz="2200"/>
+            </a:p>
+          </p:txBody>
+        </p:sp>
+        <p:cxnSp>
+          <p:nvCxnSpPr>
+            <p:cNvPr id="34" name="Straight Arrow Connector 33">
+              <a:extLst>
+                <a:ext uri="{FF2B5EF4-FFF2-40B4-BE49-F238E27FC236}">
+                  <a16:creationId xmlns:a16="http://schemas.microsoft.com/office/drawing/2014/main" id="{37C72E42-1316-9440-A71F-A9AEC1F57B31}"/>
+                </a:ext>
+              </a:extLst>
+            </p:cNvPr>
+            <p:cNvCxnSpPr>
+              <a:cxnSpLocks/>
+            </p:cNvCxnSpPr>
+            <p:nvPr/>
+          </p:nvCxnSpPr>
+          <p:spPr>
+            <a:xfrm>
+              <a:off x="5820455" y="3270200"/>
+              <a:ext cx="1964320" cy="0"/>
+            </a:xfrm>
+            <a:prstGeom prst="straightConnector1">
+              <a:avLst/>
+            </a:prstGeom>
+            <a:ln w="50800">
+              <a:headEnd type="oval" w="sm" len="sm"/>
+              <a:tailEnd type="oval" w="med" len="med"/>
+            </a:ln>
+          </p:spPr>
+          <p:style>
+            <a:lnRef idx="1">
+              <a:schemeClr val="accent1"/>
+            </a:lnRef>
+            <a:fillRef idx="0">
+              <a:schemeClr val="accent1"/>
+            </a:fillRef>
+            <a:effectRef idx="0">
+              <a:schemeClr val="accent1"/>
+            </a:effectRef>
+            <a:fontRef idx="minor">
+              <a:schemeClr val="tx1"/>
+            </a:fontRef>
+          </p:style>
+        </p:cxnSp>
+        <p:cxnSp>
+          <p:nvCxnSpPr>
+            <p:cNvPr id="38" name="Straight Arrow Connector 37">
+              <a:extLst>
+                <a:ext uri="{FF2B5EF4-FFF2-40B4-BE49-F238E27FC236}">
+                  <a16:creationId xmlns:a16="http://schemas.microsoft.com/office/drawing/2014/main" id="{CC289A0C-C4AC-154F-B068-12D1CC7F4E0A}"/>
+                </a:ext>
+              </a:extLst>
+            </p:cNvPr>
+            <p:cNvCxnSpPr>
+              <a:cxnSpLocks/>
+            </p:cNvCxnSpPr>
+            <p:nvPr/>
+          </p:nvCxnSpPr>
+          <p:spPr>
+            <a:xfrm flipH="1">
+              <a:off x="5707271" y="4184344"/>
+              <a:ext cx="1732874" cy="0"/>
+            </a:xfrm>
+            <a:prstGeom prst="straightConnector1">
+              <a:avLst/>
+            </a:prstGeom>
+            <a:ln w="50800">
+              <a:headEnd type="none" w="med" len="med"/>
+              <a:tailEnd type="oval" w="med" len="med"/>
+            </a:ln>
+          </p:spPr>
+          <p:style>
+            <a:lnRef idx="1">
+              <a:schemeClr val="accent1"/>
+            </a:lnRef>
+            <a:fillRef idx="0">
+              <a:schemeClr val="accent1"/>
+            </a:fillRef>
+            <a:effectRef idx="0">
+              <a:schemeClr val="accent1"/>
+            </a:effectRef>
+            <a:fontRef idx="minor">
+              <a:schemeClr val="tx1"/>
+            </a:fontRef>
+          </p:style>
+        </p:cxnSp>
+      </p:grpSp>
+    </p:spTree>
+    <p:extLst>
+      <p:ext uri="{BB962C8B-B14F-4D97-AF65-F5344CB8AC3E}">
+        <p14:creationId xmlns:p14="http://schemas.microsoft.com/office/powerpoint/2010/main" val="1910694264"/>
+      </p:ext>
+    </p:extLst>
+  </p:cSld>
+  <p:clrMapOvr>
+    <a:masterClrMapping/>
+  </p:clrMapOvr>
+</p:sld>
+</file>
+
+<file path=ppt/slides/slide2.xml><?xml version="1.0" encoding="utf-8"?>
 <p:sld xmlns:a="http://schemas.openxmlformats.org/drawingml/2006/main" xmlns:r="http://schemas.openxmlformats.org/officeDocument/2006/relationships" xmlns:p="http://schemas.openxmlformats.org/presentationml/2006/main">
   <p:cSld>
     <p:spTree>
@@ -4304,7 +5011,7 @@
 </p:sld>
 </file>
 
-<file path=ppt/slides/slide2.xml><?xml version="1.0" encoding="utf-8"?>
+<file path=ppt/slides/slide3.xml><?xml version="1.0" encoding="utf-8"?>
 <p:sld xmlns:a="http://schemas.openxmlformats.org/drawingml/2006/main" xmlns:r="http://schemas.openxmlformats.org/officeDocument/2006/relationships" xmlns:p="http://schemas.openxmlformats.org/presentationml/2006/main">
   <p:cSld>
     <p:spTree>
@@ -4364,7 +5071,7 @@
 </p:sld>
 </file>
 
-<file path=ppt/slides/slide3.xml><?xml version="1.0" encoding="utf-8"?>
+<file path=ppt/slides/slide4.xml><?xml version="1.0" encoding="utf-8"?>
 <p:sld xmlns:a="http://schemas.openxmlformats.org/drawingml/2006/main" xmlns:r="http://schemas.openxmlformats.org/officeDocument/2006/relationships" xmlns:p="http://schemas.openxmlformats.org/presentationml/2006/main">
   <p:cSld>
     <p:spTree>
@@ -4383,10 +5090,10 @@
       </p:grpSpPr>
       <p:grpSp>
         <p:nvGrpSpPr>
-          <p:cNvPr id="7" name="Group 6">
+          <p:cNvPr id="12" name="Group 11">
             <a:extLst>
               <a:ext uri="{FF2B5EF4-FFF2-40B4-BE49-F238E27FC236}">
-                <a16:creationId xmlns:a16="http://schemas.microsoft.com/office/drawing/2014/main" id="{036B573C-B3F1-4E40-ACAA-699663D04D70}"/>
+                <a16:creationId xmlns:a16="http://schemas.microsoft.com/office/drawing/2014/main" id="{D4B169F1-E169-D04B-8CEB-912A5FC01522}"/>
               </a:ext>
             </a:extLst>
           </p:cNvPr>
@@ -4395,54 +5102,61 @@
         </p:nvGrpSpPr>
         <p:grpSpPr>
           <a:xfrm>
-            <a:off x="3692928" y="1530400"/>
-            <a:ext cx="4806145" cy="3797200"/>
-            <a:chOff x="3692928" y="1530400"/>
-            <a:chExt cx="4806145" cy="3797200"/>
+            <a:off x="4871587" y="2547085"/>
+            <a:ext cx="2448826" cy="1763829"/>
+            <a:chOff x="2816192" y="4456498"/>
+            <a:chExt cx="2448826" cy="1763829"/>
           </a:xfrm>
         </p:grpSpPr>
         <p:sp>
           <p:nvSpPr>
-            <p:cNvPr id="5" name="TextBox 4">
+            <p:cNvPr id="7" name="Rounded Rectangle 6">
               <a:extLst>
                 <a:ext uri="{FF2B5EF4-FFF2-40B4-BE49-F238E27FC236}">
-                  <a16:creationId xmlns:a16="http://schemas.microsoft.com/office/drawing/2014/main" id="{5E817C07-12AA-8247-BB6A-D7528DCED639}"/>
+                  <a16:creationId xmlns:a16="http://schemas.microsoft.com/office/drawing/2014/main" id="{74AA7288-80D7-794E-9286-4E340A0C8F52}"/>
                 </a:ext>
               </a:extLst>
             </p:cNvPr>
-            <p:cNvSpPr txBox="1"/>
+            <p:cNvSpPr/>
             <p:nvPr/>
           </p:nvSpPr>
           <p:spPr>
             <a:xfrm>
-              <a:off x="3692928" y="1530400"/>
-              <a:ext cx="651139" cy="457200"/>
+              <a:off x="2816192" y="4456498"/>
+              <a:ext cx="2448826" cy="1763829"/>
             </a:xfrm>
-            <a:prstGeom prst="rect">
+            <a:prstGeom prst="roundRect">
               <a:avLst/>
             </a:prstGeom>
-            <a:noFill/>
-            <a:ln w="25400">
-              <a:solidFill>
-                <a:srgbClr val="FF0000"/>
-              </a:solidFill>
-              <a:prstDash val="sysDot"/>
+            <a:solidFill>
+              <a:srgbClr val="FF0000"/>
+            </a:solidFill>
+            <a:ln>
+              <a:noFill/>
             </a:ln>
           </p:spPr>
+          <p:style>
+            <a:lnRef idx="2">
+              <a:schemeClr val="accent1">
+                <a:shade val="50000"/>
+              </a:schemeClr>
+            </a:lnRef>
+            <a:fillRef idx="1">
+              <a:schemeClr val="accent1"/>
+            </a:fillRef>
+            <a:effectRef idx="0">
+              <a:schemeClr val="accent1"/>
+            </a:effectRef>
+            <a:fontRef idx="minor">
+              <a:schemeClr val="lt1"/>
+            </a:fontRef>
+          </p:style>
           <p:txBody>
-            <a:bodyPr wrap="none" rtlCol="0" anchor="ctr" anchorCtr="0">
-              <a:spAutoFit/>
-            </a:bodyPr>
+            <a:bodyPr rtlCol="0" anchor="ctr"/>
             <a:lstStyle/>
             <a:p>
               <a:pPr algn="ctr"/>
-              <a:r>
-                <a:rPr lang="en-US" sz="2200" dirty="0">
-                  <a:latin typeface="Consolas" panose="020B0609020204030204" pitchFamily="49" charset="0"/>
-                  <a:cs typeface="Consolas" panose="020B0609020204030204" pitchFamily="49" charset="0"/>
-                </a:rPr>
-                <a:t>USA</a:t>
-              </a:r>
+              <a:endParaRPr lang="en-US" i="1" dirty="0"/>
             </a:p>
           </p:txBody>
         </p:sp>
@@ -4451,7 +5165,7 @@
             <p:cNvPr id="8" name="Rectangle 7">
               <a:extLst>
                 <a:ext uri="{FF2B5EF4-FFF2-40B4-BE49-F238E27FC236}">
-                  <a16:creationId xmlns:a16="http://schemas.microsoft.com/office/drawing/2014/main" id="{8A214D94-F154-434C-B76E-EF5C8F1DFF28}"/>
+                  <a16:creationId xmlns:a16="http://schemas.microsoft.com/office/drawing/2014/main" id="{65A09D7F-CFCC-604B-B5D0-70A72A794A51}"/>
                 </a:ext>
               </a:extLst>
             </p:cNvPr>
@@ -4460,36 +5174,214 @@
           </p:nvSpPr>
           <p:spPr>
             <a:xfrm>
-              <a:off x="4344067" y="1530400"/>
-              <a:ext cx="228600" cy="457200"/>
+              <a:off x="2816192" y="5226520"/>
+              <a:ext cx="2448825" cy="822960"/>
             </a:xfrm>
             <a:prstGeom prst="rect">
               <a:avLst/>
             </a:prstGeom>
+            <a:solidFill>
+              <a:schemeClr val="bg1"/>
+            </a:solidFill>
+            <a:ln>
+              <a:noFill/>
+            </a:ln>
           </p:spPr>
+          <p:style>
+            <a:lnRef idx="2">
+              <a:schemeClr val="accent1">
+                <a:shade val="50000"/>
+              </a:schemeClr>
+            </a:lnRef>
+            <a:fillRef idx="1">
+              <a:schemeClr val="accent1"/>
+            </a:fillRef>
+            <a:effectRef idx="0">
+              <a:schemeClr val="accent1"/>
+            </a:effectRef>
+            <a:fontRef idx="minor">
+              <a:schemeClr val="lt1"/>
+            </a:fontRef>
+          </p:style>
           <p:txBody>
-            <a:bodyPr wrap="square" lIns="0" anchor="ctr" anchorCtr="0">
-              <a:spAutoFit/>
-            </a:bodyPr>
+            <a:bodyPr rtlCol="0" anchor="ctr"/>
             <a:lstStyle/>
             <a:p>
+              <a:pPr algn="ctr"/>
               <a:r>
-                <a:rPr lang="en-US" sz="2200" dirty="0">
-                  <a:latin typeface="Consolas" panose="020B0609020204030204" pitchFamily="49" charset="0"/>
-                  <a:cs typeface="Consolas" panose="020B0609020204030204" pitchFamily="49" charset="0"/>
+                <a:rPr lang="en-US" sz="2400" b="1" dirty="0">
+                  <a:solidFill>
+                    <a:schemeClr val="tx1"/>
+                  </a:solidFill>
+                  <a:latin typeface="Courier" pitchFamily="2" charset="0"/>
                 </a:rPr>
-                <a:t>: </a:t>
+                <a:t>US.VA.059</a:t>
               </a:r>
-              <a:endParaRPr lang="en-US" sz="2200" dirty="0"/>
             </a:p>
           </p:txBody>
         </p:sp>
+        <p:grpSp>
+          <p:nvGrpSpPr>
+            <p:cNvPr id="11" name="Group 10">
+              <a:extLst>
+                <a:ext uri="{FF2B5EF4-FFF2-40B4-BE49-F238E27FC236}">
+                  <a16:creationId xmlns:a16="http://schemas.microsoft.com/office/drawing/2014/main" id="{930386A0-25C1-BE4E-9D57-6DD6B2C03AD9}"/>
+                </a:ext>
+              </a:extLst>
+            </p:cNvPr>
+            <p:cNvGrpSpPr/>
+            <p:nvPr/>
+          </p:nvGrpSpPr>
+          <p:grpSpPr>
+            <a:xfrm>
+              <a:off x="3253529" y="4471635"/>
+              <a:ext cx="1574149" cy="739749"/>
+              <a:chOff x="7921782" y="1677239"/>
+              <a:chExt cx="1574149" cy="739749"/>
+            </a:xfrm>
+          </p:grpSpPr>
+          <p:sp>
+            <p:nvSpPr>
+              <p:cNvPr id="10" name="Rectangle 9">
+                <a:extLst>
+                  <a:ext uri="{FF2B5EF4-FFF2-40B4-BE49-F238E27FC236}">
+                    <a16:creationId xmlns:a16="http://schemas.microsoft.com/office/drawing/2014/main" id="{557C1040-6D00-2145-8310-733F0EAA84EC}"/>
+                  </a:ext>
+                </a:extLst>
+              </p:cNvPr>
+              <p:cNvSpPr/>
+              <p:nvPr/>
+            </p:nvSpPr>
+            <p:spPr>
+              <a:xfrm>
+                <a:off x="7921782" y="2109211"/>
+                <a:ext cx="1574149" cy="307777"/>
+              </a:xfrm>
+              <a:prstGeom prst="rect">
+                <a:avLst/>
+              </a:prstGeom>
+              <a:solidFill>
+                <a:srgbClr val="FF0000"/>
+              </a:solidFill>
+            </p:spPr>
+            <p:txBody>
+              <a:bodyPr wrap="square" lIns="0" tIns="0" rIns="0" bIns="0">
+                <a:spAutoFit/>
+              </a:bodyPr>
+              <a:lstStyle/>
+              <a:p>
+                <a:pPr lvl="0" algn="ctr"/>
+                <a:r>
+                  <a:rPr lang="en-US" sz="2000" dirty="0">
+                    <a:solidFill>
+                      <a:prstClr val="white"/>
+                    </a:solidFill>
+                    <a:latin typeface="Arial" panose="020B0604020202020204" pitchFamily="34" charset="0"/>
+                    <a:cs typeface="Arial" panose="020B0604020202020204" pitchFamily="34" charset="0"/>
+                  </a:rPr>
+                  <a:t>my name is</a:t>
+                </a:r>
+              </a:p>
+            </p:txBody>
+          </p:sp>
+          <p:sp>
+            <p:nvSpPr>
+              <p:cNvPr id="9" name="Rectangle 8">
+                <a:extLst>
+                  <a:ext uri="{FF2B5EF4-FFF2-40B4-BE49-F238E27FC236}">
+                    <a16:creationId xmlns:a16="http://schemas.microsoft.com/office/drawing/2014/main" id="{DD24EE1B-BF59-5040-90AB-F37BFA5368DE}"/>
+                  </a:ext>
+                </a:extLst>
+              </p:cNvPr>
+              <p:cNvSpPr/>
+              <p:nvPr/>
+            </p:nvSpPr>
+            <p:spPr>
+              <a:xfrm>
+                <a:off x="7921782" y="1677239"/>
+                <a:ext cx="1574149" cy="500514"/>
+              </a:xfrm>
+              <a:prstGeom prst="rect">
+                <a:avLst/>
+              </a:prstGeom>
+              <a:solidFill>
+                <a:srgbClr val="FF0000"/>
+              </a:solidFill>
+              <a:ln>
+                <a:noFill/>
+              </a:ln>
+            </p:spPr>
+            <p:style>
+              <a:lnRef idx="2">
+                <a:schemeClr val="accent1">
+                  <a:shade val="50000"/>
+                </a:schemeClr>
+              </a:lnRef>
+              <a:fillRef idx="1">
+                <a:schemeClr val="accent1"/>
+              </a:fillRef>
+              <a:effectRef idx="0">
+                <a:schemeClr val="accent1"/>
+              </a:effectRef>
+              <a:fontRef idx="minor">
+                <a:schemeClr val="lt1"/>
+              </a:fontRef>
+            </p:style>
+            <p:txBody>
+              <a:bodyPr tIns="0" bIns="0" rtlCol="0" anchor="ctr"/>
+              <a:lstStyle/>
+              <a:p>
+                <a:pPr algn="ctr"/>
+                <a:r>
+                  <a:rPr lang="en-US" sz="3600" b="1" dirty="0">
+                    <a:solidFill>
+                      <a:schemeClr val="bg1"/>
+                    </a:solidFill>
+                    <a:latin typeface="Arial" panose="020B0604020202020204" pitchFamily="34" charset="0"/>
+                    <a:cs typeface="Arial" panose="020B0604020202020204" pitchFamily="34" charset="0"/>
+                  </a:rPr>
+                  <a:t>Hello</a:t>
+                </a:r>
+                <a:endParaRPr lang="en-US" sz="4000" b="1" dirty="0">
+                  <a:solidFill>
+                    <a:schemeClr val="bg1"/>
+                  </a:solidFill>
+                  <a:latin typeface="Arial" panose="020B0604020202020204" pitchFamily="34" charset="0"/>
+                  <a:cs typeface="Arial" panose="020B0604020202020204" pitchFamily="34" charset="0"/>
+                </a:endParaRPr>
+              </a:p>
+            </p:txBody>
+          </p:sp>
+        </p:grpSp>
+      </p:grpSp>
+      <p:grpSp>
+        <p:nvGrpSpPr>
+          <p:cNvPr id="13" name="Group 12">
+            <a:extLst>
+              <a:ext uri="{FF2B5EF4-FFF2-40B4-BE49-F238E27FC236}">
+                <a16:creationId xmlns:a16="http://schemas.microsoft.com/office/drawing/2014/main" id="{12F13069-3F49-014F-B982-963D9DF3D578}"/>
+              </a:ext>
+            </a:extLst>
+          </p:cNvPr>
+          <p:cNvGrpSpPr>
+            <a:grpSpLocks noChangeAspect="1"/>
+          </p:cNvGrpSpPr>
+          <p:nvPr/>
+        </p:nvGrpSpPr>
+        <p:grpSpPr>
+          <a:xfrm>
+            <a:off x="9552939" y="1222435"/>
+            <a:ext cx="731520" cy="552249"/>
+            <a:chOff x="10131393" y="2237873"/>
+            <a:chExt cx="731520" cy="552249"/>
+          </a:xfrm>
+        </p:grpSpPr>
         <p:sp>
           <p:nvSpPr>
-            <p:cNvPr id="9" name="Rectangle 8">
+            <p:cNvPr id="14" name="Rounded Rectangle 13">
               <a:extLst>
                 <a:ext uri="{FF2B5EF4-FFF2-40B4-BE49-F238E27FC236}">
-                  <a16:creationId xmlns:a16="http://schemas.microsoft.com/office/drawing/2014/main" id="{E8CCE93F-F91A-8E45-8FCA-24F459E6123D}"/>
+                  <a16:creationId xmlns:a16="http://schemas.microsoft.com/office/drawing/2014/main" id="{AE6F9EC8-27C3-5D49-89E2-E575707B1234}"/>
                 </a:ext>
               </a:extLst>
             </p:cNvPr>
@@ -4498,42 +5390,50 @@
           </p:nvSpPr>
           <p:spPr>
             <a:xfrm>
-              <a:off x="4572666" y="1543557"/>
-              <a:ext cx="2269211" cy="430887"/>
+              <a:off x="10131393" y="2237873"/>
+              <a:ext cx="731520" cy="552249"/>
             </a:xfrm>
-            <a:prstGeom prst="rect">
+            <a:prstGeom prst="roundRect">
               <a:avLst/>
             </a:prstGeom>
-            <a:ln w="25400">
-              <a:solidFill>
-                <a:srgbClr val="FF0000"/>
-              </a:solidFill>
-              <a:prstDash val="sysDot"/>
+            <a:solidFill>
+              <a:srgbClr val="FF0000"/>
+            </a:solidFill>
+            <a:ln>
+              <a:noFill/>
             </a:ln>
           </p:spPr>
+          <p:style>
+            <a:lnRef idx="2">
+              <a:schemeClr val="accent1">
+                <a:shade val="50000"/>
+              </a:schemeClr>
+            </a:lnRef>
+            <a:fillRef idx="1">
+              <a:schemeClr val="accent1"/>
+            </a:fillRef>
+            <a:effectRef idx="0">
+              <a:schemeClr val="accent1"/>
+            </a:effectRef>
+            <a:fontRef idx="minor">
+              <a:schemeClr val="lt1"/>
+            </a:fontRef>
+          </p:style>
           <p:txBody>
-            <a:bodyPr wrap="none" rIns="0" anchor="ctr" anchorCtr="0">
-              <a:spAutoFit/>
-            </a:bodyPr>
+            <a:bodyPr rtlCol="0" anchor="ctr"/>
             <a:lstStyle/>
             <a:p>
-              <a:r>
-                <a:rPr lang="en-US" sz="2200" dirty="0">
-                  <a:latin typeface="Consolas" panose="020B0609020204030204" pitchFamily="49" charset="0"/>
-                  <a:cs typeface="Consolas" panose="020B0609020204030204" pitchFamily="49" charset="0"/>
-                </a:rPr>
-                <a:t>Fairfax County</a:t>
-              </a:r>
-              <a:endParaRPr lang="en-US" sz="2200" dirty="0"/>
+              <a:pPr algn="ctr"/>
+              <a:endParaRPr lang="en-US" i="1" dirty="0"/>
             </a:p>
           </p:txBody>
         </p:sp>
         <p:sp>
           <p:nvSpPr>
-            <p:cNvPr id="10" name="Rectangle 9">
+            <p:cNvPr id="15" name="Rectangle 14">
               <a:extLst>
                 <a:ext uri="{FF2B5EF4-FFF2-40B4-BE49-F238E27FC236}">
-                  <a16:creationId xmlns:a16="http://schemas.microsoft.com/office/drawing/2014/main" id="{4EABADCB-AF5C-C242-AEA1-255F8DFC8421}"/>
+                  <a16:creationId xmlns:a16="http://schemas.microsoft.com/office/drawing/2014/main" id="{19C9794A-D3CD-DF4D-98E4-7180718AA6B8}"/>
                 </a:ext>
               </a:extLst>
             </p:cNvPr>
@@ -4542,378 +5442,578 @@
           </p:nvSpPr>
           <p:spPr>
             <a:xfrm>
-              <a:off x="7070477" y="1530400"/>
-              <a:ext cx="1428596" cy="457200"/>
+              <a:off x="10131393" y="2432113"/>
+              <a:ext cx="731520" cy="286423"/>
             </a:xfrm>
             <a:prstGeom prst="rect">
               <a:avLst/>
             </a:prstGeom>
-            <a:ln w="25400">
-              <a:solidFill>
-                <a:srgbClr val="FF0000"/>
-              </a:solidFill>
-              <a:prstDash val="sysDot"/>
-            </a:ln>
-          </p:spPr>
-          <p:txBody>
-            <a:bodyPr wrap="none" anchor="ctr" anchorCtr="0">
-              <a:spAutoFit/>
-            </a:bodyPr>
-            <a:lstStyle/>
-            <a:p>
-              <a:r>
-                <a:rPr lang="en-US" sz="2200" dirty="0">
-                  <a:latin typeface="Consolas" panose="020B0609020204030204" pitchFamily="49" charset="0"/>
-                  <a:cs typeface="Consolas" panose="020B0609020204030204" pitchFamily="49" charset="0"/>
-                </a:rPr>
-                <a:t>Virginia</a:t>
-              </a:r>
-            </a:p>
-          </p:txBody>
-        </p:sp>
-        <p:sp>
-          <p:nvSpPr>
-            <p:cNvPr id="11" name="Rectangle 10">
-              <a:extLst>
-                <a:ext uri="{FF2B5EF4-FFF2-40B4-BE49-F238E27FC236}">
-                  <a16:creationId xmlns:a16="http://schemas.microsoft.com/office/drawing/2014/main" id="{F7DE1992-CDE8-224F-92CD-A80F35E26570}"/>
-                </a:ext>
-              </a:extLst>
-            </p:cNvPr>
-            <p:cNvSpPr/>
-            <p:nvPr/>
-          </p:nvSpPr>
-          <p:spPr>
-            <a:xfrm>
-              <a:off x="6841877" y="1530400"/>
-              <a:ext cx="228600" cy="457200"/>
-            </a:xfrm>
-            <a:prstGeom prst="rect">
-              <a:avLst/>
-            </a:prstGeom>
-          </p:spPr>
-          <p:txBody>
-            <a:bodyPr wrap="square" lIns="0" anchor="ctr" anchorCtr="0">
-              <a:spAutoFit/>
-            </a:bodyPr>
-            <a:lstStyle/>
-            <a:p>
-              <a:r>
-                <a:rPr lang="en-US" sz="2200" dirty="0">
-                  <a:latin typeface="Consolas" panose="020B0609020204030204" pitchFamily="49" charset="0"/>
-                  <a:cs typeface="Consolas" panose="020B0609020204030204" pitchFamily="49" charset="0"/>
-                </a:rPr>
-                <a:t>, </a:t>
-              </a:r>
-              <a:endParaRPr lang="en-US" sz="2200" dirty="0"/>
-            </a:p>
-          </p:txBody>
-        </p:sp>
-        <p:cxnSp>
-          <p:nvCxnSpPr>
-            <p:cNvPr id="13" name="Straight Arrow Connector 12">
-              <a:extLst>
-                <a:ext uri="{FF2B5EF4-FFF2-40B4-BE49-F238E27FC236}">
-                  <a16:creationId xmlns:a16="http://schemas.microsoft.com/office/drawing/2014/main" id="{D20553D3-86F2-734E-A11E-12884EC6FA96}"/>
-                </a:ext>
-              </a:extLst>
-            </p:cNvPr>
-            <p:cNvCxnSpPr>
-              <a:cxnSpLocks/>
-            </p:cNvCxnSpPr>
-            <p:nvPr/>
-          </p:nvCxnSpPr>
-          <p:spPr>
-            <a:xfrm>
-              <a:off x="4018497" y="2057400"/>
-              <a:ext cx="0" cy="914400"/>
-            </a:xfrm>
-            <a:prstGeom prst="straightConnector1">
-              <a:avLst/>
-            </a:prstGeom>
-            <a:ln w="50800">
-              <a:tailEnd type="triangle"/>
+            <a:solidFill>
+              <a:schemeClr val="bg1"/>
+            </a:solidFill>
+            <a:ln>
+              <a:noFill/>
             </a:ln>
           </p:spPr>
           <p:style>
-            <a:lnRef idx="1">
-              <a:schemeClr val="accent1"/>
+            <a:lnRef idx="2">
+              <a:schemeClr val="accent1">
+                <a:shade val="50000"/>
+              </a:schemeClr>
             </a:lnRef>
-            <a:fillRef idx="0">
+            <a:fillRef idx="1">
               <a:schemeClr val="accent1"/>
             </a:fillRef>
             <a:effectRef idx="0">
               <a:schemeClr val="accent1"/>
             </a:effectRef>
             <a:fontRef idx="minor">
-              <a:schemeClr val="tx1"/>
+              <a:schemeClr val="lt1"/>
             </a:fontRef>
           </p:style>
-        </p:cxnSp>
-        <p:sp>
-          <p:nvSpPr>
-            <p:cNvPr id="14" name="TextBox 13">
+          <p:txBody>
+            <a:bodyPr rtlCol="0" anchor="ctr"/>
+            <a:lstStyle/>
+            <a:p>
+              <a:pPr algn="ctr"/>
+              <a:r>
+                <a:rPr lang="en-US" sz="800" b="1" dirty="0">
+                  <a:solidFill>
+                    <a:schemeClr val="tx1"/>
+                  </a:solidFill>
+                  <a:latin typeface="Courier" pitchFamily="2" charset="0"/>
+                </a:rPr>
+                <a:t>US.VA.059</a:t>
+              </a:r>
+            </a:p>
+          </p:txBody>
+        </p:sp>
+        <p:grpSp>
+          <p:nvGrpSpPr>
+            <p:cNvPr id="16" name="Group 15">
               <a:extLst>
                 <a:ext uri="{FF2B5EF4-FFF2-40B4-BE49-F238E27FC236}">
-                  <a16:creationId xmlns:a16="http://schemas.microsoft.com/office/drawing/2014/main" id="{B30F8F02-4242-F24E-BCAA-786A6E821321}"/>
+                  <a16:creationId xmlns:a16="http://schemas.microsoft.com/office/drawing/2014/main" id="{06F10133-3E1E-1F48-A173-F3371DBDD71A}"/>
                 </a:ext>
               </a:extLst>
             </p:cNvPr>
-            <p:cNvSpPr txBox="1"/>
+            <p:cNvGrpSpPr/>
             <p:nvPr/>
-          </p:nvSpPr>
+          </p:nvGrpSpPr>
+          <p:grpSpPr>
+            <a:xfrm>
+              <a:off x="10254826" y="2250330"/>
+              <a:ext cx="484654" cy="169326"/>
+              <a:chOff x="10201578" y="2247398"/>
+              <a:chExt cx="614526" cy="169326"/>
+            </a:xfrm>
+          </p:grpSpPr>
+          <p:sp>
+            <p:nvSpPr>
+              <p:cNvPr id="17" name="Rectangle 16">
+                <a:extLst>
+                  <a:ext uri="{FF2B5EF4-FFF2-40B4-BE49-F238E27FC236}">
+                    <a16:creationId xmlns:a16="http://schemas.microsoft.com/office/drawing/2014/main" id="{6F7AB4AA-1A76-E14F-BE4A-FEA893BA506A}"/>
+                  </a:ext>
+                </a:extLst>
+              </p:cNvPr>
+              <p:cNvSpPr/>
+              <p:nvPr/>
+            </p:nvSpPr>
+            <p:spPr>
+              <a:xfrm>
+                <a:off x="10201578" y="2339780"/>
+                <a:ext cx="614526" cy="76944"/>
+              </a:xfrm>
+              <a:prstGeom prst="rect">
+                <a:avLst/>
+              </a:prstGeom>
+              <a:solidFill>
+                <a:srgbClr val="FF0000"/>
+              </a:solidFill>
+            </p:spPr>
+            <p:txBody>
+              <a:bodyPr wrap="square" lIns="0" tIns="0" rIns="0" bIns="0">
+                <a:spAutoFit/>
+              </a:bodyPr>
+              <a:lstStyle/>
+              <a:p>
+                <a:pPr lvl="0" algn="ctr"/>
+                <a:r>
+                  <a:rPr lang="en-US" sz="500" dirty="0">
+                    <a:solidFill>
+                      <a:prstClr val="white"/>
+                    </a:solidFill>
+                    <a:latin typeface="Arial" panose="020B0604020202020204" pitchFamily="34" charset="0"/>
+                    <a:cs typeface="Arial" panose="020B0604020202020204" pitchFamily="34" charset="0"/>
+                  </a:rPr>
+                  <a:t>my name is</a:t>
+                </a:r>
+              </a:p>
+            </p:txBody>
+          </p:sp>
+          <p:sp>
+            <p:nvSpPr>
+              <p:cNvPr id="18" name="Rectangle 17">
+                <a:extLst>
+                  <a:ext uri="{FF2B5EF4-FFF2-40B4-BE49-F238E27FC236}">
+                    <a16:creationId xmlns:a16="http://schemas.microsoft.com/office/drawing/2014/main" id="{8E08C1B5-91FE-CA4B-99B2-845AE4D4B813}"/>
+                  </a:ext>
+                </a:extLst>
+              </p:cNvPr>
+              <p:cNvSpPr/>
+              <p:nvPr/>
+            </p:nvSpPr>
+            <p:spPr>
+              <a:xfrm>
+                <a:off x="10201578" y="2247398"/>
+                <a:ext cx="614526" cy="107721"/>
+              </a:xfrm>
+              <a:prstGeom prst="rect">
+                <a:avLst/>
+              </a:prstGeom>
+              <a:solidFill>
+                <a:srgbClr val="FF0000"/>
+              </a:solidFill>
+              <a:ln>
+                <a:noFill/>
+              </a:ln>
+            </p:spPr>
+            <p:style>
+              <a:lnRef idx="2">
+                <a:schemeClr val="accent1">
+                  <a:shade val="50000"/>
+                </a:schemeClr>
+              </a:lnRef>
+              <a:fillRef idx="1">
+                <a:schemeClr val="accent1"/>
+              </a:fillRef>
+              <a:effectRef idx="0">
+                <a:schemeClr val="accent1"/>
+              </a:effectRef>
+              <a:fontRef idx="minor">
+                <a:schemeClr val="lt1"/>
+              </a:fontRef>
+            </p:style>
+            <p:txBody>
+              <a:bodyPr tIns="0" bIns="0" rtlCol="0" anchor="ctr"/>
+              <a:lstStyle/>
+              <a:p>
+                <a:pPr algn="ctr"/>
+                <a:r>
+                  <a:rPr lang="en-US" sz="800" b="1" dirty="0">
+                    <a:solidFill>
+                      <a:schemeClr val="bg1"/>
+                    </a:solidFill>
+                    <a:latin typeface="Arial" panose="020B0604020202020204" pitchFamily="34" charset="0"/>
+                    <a:cs typeface="Arial" panose="020B0604020202020204" pitchFamily="34" charset="0"/>
+                  </a:rPr>
+                  <a:t>Hello</a:t>
+                </a:r>
+              </a:p>
+            </p:txBody>
+          </p:sp>
+        </p:grpSp>
+      </p:grpSp>
+    </p:spTree>
+    <p:extLst>
+      <p:ext uri="{BB962C8B-B14F-4D97-AF65-F5344CB8AC3E}">
+        <p14:creationId xmlns:p14="http://schemas.microsoft.com/office/powerpoint/2010/main" val="1794074862"/>
+      </p:ext>
+    </p:extLst>
+  </p:cSld>
+  <p:clrMapOvr>
+    <a:masterClrMapping/>
+  </p:clrMapOvr>
+</p:sld>
+</file>
+
+<file path=ppt/slides/slide5.xml><?xml version="1.0" encoding="utf-8"?>
+<p:sld xmlns:a="http://schemas.openxmlformats.org/drawingml/2006/main" xmlns:r="http://schemas.openxmlformats.org/officeDocument/2006/relationships" xmlns:p="http://schemas.openxmlformats.org/presentationml/2006/main">
+  <p:cSld>
+    <p:spTree>
+      <p:nvGrpSpPr>
+        <p:cNvPr id="1" name=""/>
+        <p:cNvGrpSpPr/>
+        <p:nvPr/>
+      </p:nvGrpSpPr>
+      <p:grpSpPr>
+        <a:xfrm>
+          <a:off x="0" y="0"/>
+          <a:ext cx="0" cy="0"/>
+          <a:chOff x="0" y="0"/>
+          <a:chExt cx="0" cy="0"/>
+        </a:xfrm>
+      </p:grpSpPr>
+      <p:pic>
+        <p:nvPicPr>
+          <p:cNvPr id="5" name="Graphic 4" descr="Suit">
+            <a:extLst>
+              <a:ext uri="{FF2B5EF4-FFF2-40B4-BE49-F238E27FC236}">
+                <a16:creationId xmlns:a16="http://schemas.microsoft.com/office/drawing/2014/main" id="{7BC367A0-55A2-E94F-8425-18A750F79766}"/>
+              </a:ext>
+            </a:extLst>
+          </p:cNvPr>
+          <p:cNvPicPr>
+            <a:picLocks noChangeAspect="1"/>
+          </p:cNvPicPr>
+          <p:nvPr/>
+        </p:nvPicPr>
+        <p:blipFill>
+          <a:blip r:embed="rId2">
+            <a:extLst>
+              <a:ext uri="{96DAC541-7B7A-43D3-8B79-37D633B846F1}">
+                <asvg:svgBlip xmlns:asvg="http://schemas.microsoft.com/office/drawing/2016/SVG/main" r:embed="rId3"/>
+              </a:ext>
+            </a:extLst>
+          </a:blip>
+          <a:stretch>
+            <a:fillRect/>
+          </a:stretch>
+        </p:blipFill>
+        <p:spPr>
+          <a:xfrm>
+            <a:off x="4403691" y="2413000"/>
+            <a:ext cx="2438936" cy="2438936"/>
+          </a:xfrm>
+          <a:prstGeom prst="rect">
+            <a:avLst/>
+          </a:prstGeom>
+        </p:spPr>
+      </p:pic>
+    </p:spTree>
+    <p:extLst>
+      <p:ext uri="{BB962C8B-B14F-4D97-AF65-F5344CB8AC3E}">
+        <p14:creationId xmlns:p14="http://schemas.microsoft.com/office/powerpoint/2010/main" val="1260557308"/>
+      </p:ext>
+    </p:extLst>
+  </p:cSld>
+  <p:clrMapOvr>
+    <a:masterClrMapping/>
+  </p:clrMapOvr>
+</p:sld>
+</file>
+
+<file path=ppt/slides/slide6.xml><?xml version="1.0" encoding="utf-8"?>
+<p:sld xmlns:a="http://schemas.openxmlformats.org/drawingml/2006/main" xmlns:r="http://schemas.openxmlformats.org/officeDocument/2006/relationships" xmlns:p="http://schemas.openxmlformats.org/presentationml/2006/main">
+  <p:cSld>
+    <p:spTree>
+      <p:nvGrpSpPr>
+        <p:cNvPr id="1" name=""/>
+        <p:cNvGrpSpPr/>
+        <p:nvPr/>
+      </p:nvGrpSpPr>
+      <p:grpSpPr>
+        <a:xfrm>
+          <a:off x="0" y="0"/>
+          <a:ext cx="0" cy="0"/>
+          <a:chOff x="0" y="0"/>
+          <a:chExt cx="0" cy="0"/>
+        </a:xfrm>
+      </p:grpSpPr>
+      <p:sp>
+        <p:nvSpPr>
+          <p:cNvPr id="24" name="Freeform 23">
+            <a:extLst>
+              <a:ext uri="{FF2B5EF4-FFF2-40B4-BE49-F238E27FC236}">
+                <a16:creationId xmlns:a16="http://schemas.microsoft.com/office/drawing/2014/main" id="{C3D1C56F-33B1-D943-A2BC-5D1C366943A2}"/>
+              </a:ext>
+            </a:extLst>
+          </p:cNvPr>
+          <p:cNvSpPr/>
+          <p:nvPr/>
+        </p:nvSpPr>
+        <p:spPr>
+          <a:xfrm>
+            <a:off x="3139950" y="14046"/>
+            <a:ext cx="5912100" cy="6829908"/>
+          </a:xfrm>
+          <a:custGeom>
+            <a:avLst/>
+            <a:gdLst>
+              <a:gd name="connsiteX0" fmla="*/ 5912101 w 5912100"/>
+              <a:gd name="connsiteY0" fmla="*/ 5122411 h 6829908"/>
+              <a:gd name="connsiteX1" fmla="*/ 5912101 w 5912100"/>
+              <a:gd name="connsiteY1" fmla="*/ 1707497 h 6829908"/>
+              <a:gd name="connsiteX2" fmla="*/ 5676364 w 5912100"/>
+              <a:gd name="connsiteY2" fmla="*/ 1571303 h 6829908"/>
+              <a:gd name="connsiteX3" fmla="*/ 3441283 w 5912100"/>
+              <a:gd name="connsiteY3" fmla="*/ 280276 h 6829908"/>
+              <a:gd name="connsiteX4" fmla="*/ 2956051 w 5912100"/>
+              <a:gd name="connsiteY4" fmla="*/ 0 h 6829908"/>
+              <a:gd name="connsiteX5" fmla="*/ 2470818 w 5912100"/>
+              <a:gd name="connsiteY5" fmla="*/ 280276 h 6829908"/>
+              <a:gd name="connsiteX6" fmla="*/ 235576 w 5912100"/>
+              <a:gd name="connsiteY6" fmla="*/ 1571384 h 6829908"/>
+              <a:gd name="connsiteX7" fmla="*/ 0 w 5912100"/>
+              <a:gd name="connsiteY7" fmla="*/ 1707497 h 6829908"/>
+              <a:gd name="connsiteX8" fmla="*/ 0 w 5912100"/>
+              <a:gd name="connsiteY8" fmla="*/ 5122411 h 6829908"/>
+              <a:gd name="connsiteX9" fmla="*/ 235576 w 5912100"/>
+              <a:gd name="connsiteY9" fmla="*/ 5258525 h 6829908"/>
+              <a:gd name="connsiteX10" fmla="*/ 2498656 w 5912100"/>
+              <a:gd name="connsiteY10" fmla="*/ 6565650 h 6829908"/>
+              <a:gd name="connsiteX11" fmla="*/ 2956051 w 5912100"/>
+              <a:gd name="connsiteY11" fmla="*/ 6829908 h 6829908"/>
+              <a:gd name="connsiteX12" fmla="*/ 3413445 w 5912100"/>
+              <a:gd name="connsiteY12" fmla="*/ 6565650 h 6829908"/>
+              <a:gd name="connsiteX13" fmla="*/ 5676364 w 5912100"/>
+              <a:gd name="connsiteY13" fmla="*/ 5258605 h 6829908"/>
+              <a:gd name="connsiteX14" fmla="*/ 235576 w 5912100"/>
+              <a:gd name="connsiteY14" fmla="*/ 4994347 h 6829908"/>
+              <a:gd name="connsiteX15" fmla="*/ 235576 w 5912100"/>
+              <a:gd name="connsiteY15" fmla="*/ 1851338 h 6829908"/>
+              <a:gd name="connsiteX16" fmla="*/ 637859 w 5912100"/>
+              <a:gd name="connsiteY16" fmla="*/ 1618874 h 6829908"/>
+              <a:gd name="connsiteX17" fmla="*/ 2955970 w 5912100"/>
+              <a:gd name="connsiteY17" fmla="*/ 280276 h 6829908"/>
+              <a:gd name="connsiteX18" fmla="*/ 2955970 w 5912100"/>
+              <a:gd name="connsiteY18" fmla="*/ 280276 h 6829908"/>
+              <a:gd name="connsiteX19" fmla="*/ 5266840 w 5912100"/>
+              <a:gd name="connsiteY19" fmla="*/ 1615091 h 6829908"/>
+              <a:gd name="connsiteX20" fmla="*/ 5676364 w 5912100"/>
+              <a:gd name="connsiteY20" fmla="*/ 1851338 h 6829908"/>
+              <a:gd name="connsiteX21" fmla="*/ 5676364 w 5912100"/>
+              <a:gd name="connsiteY21" fmla="*/ 4994347 h 6829908"/>
+              <a:gd name="connsiteX22" fmla="*/ 2955970 w 5912100"/>
+              <a:gd name="connsiteY22" fmla="*/ 6565650 h 6829908"/>
+            </a:gdLst>
+            <a:ahLst/>
+            <a:cxnLst>
+              <a:cxn ang="0">
+                <a:pos x="connsiteX0" y="connsiteY0"/>
+              </a:cxn>
+              <a:cxn ang="0">
+                <a:pos x="connsiteX1" y="connsiteY1"/>
+              </a:cxn>
+              <a:cxn ang="0">
+                <a:pos x="connsiteX2" y="connsiteY2"/>
+              </a:cxn>
+              <a:cxn ang="0">
+                <a:pos x="connsiteX3" y="connsiteY3"/>
+              </a:cxn>
+              <a:cxn ang="0">
+                <a:pos x="connsiteX4" y="connsiteY4"/>
+              </a:cxn>
+              <a:cxn ang="0">
+                <a:pos x="connsiteX5" y="connsiteY5"/>
+              </a:cxn>
+              <a:cxn ang="0">
+                <a:pos x="connsiteX6" y="connsiteY6"/>
+              </a:cxn>
+              <a:cxn ang="0">
+                <a:pos x="connsiteX7" y="connsiteY7"/>
+              </a:cxn>
+              <a:cxn ang="0">
+                <a:pos x="connsiteX8" y="connsiteY8"/>
+              </a:cxn>
+              <a:cxn ang="0">
+                <a:pos x="connsiteX9" y="connsiteY9"/>
+              </a:cxn>
+              <a:cxn ang="0">
+                <a:pos x="connsiteX10" y="connsiteY10"/>
+              </a:cxn>
+              <a:cxn ang="0">
+                <a:pos x="connsiteX11" y="connsiteY11"/>
+              </a:cxn>
+              <a:cxn ang="0">
+                <a:pos x="connsiteX12" y="connsiteY12"/>
+              </a:cxn>
+              <a:cxn ang="0">
+                <a:pos x="connsiteX13" y="connsiteY13"/>
+              </a:cxn>
+              <a:cxn ang="0">
+                <a:pos x="connsiteX14" y="connsiteY14"/>
+              </a:cxn>
+              <a:cxn ang="0">
+                <a:pos x="connsiteX15" y="connsiteY15"/>
+              </a:cxn>
+              <a:cxn ang="0">
+                <a:pos x="connsiteX16" y="connsiteY16"/>
+              </a:cxn>
+              <a:cxn ang="0">
+                <a:pos x="connsiteX17" y="connsiteY17"/>
+              </a:cxn>
+              <a:cxn ang="0">
+                <a:pos x="connsiteX18" y="connsiteY18"/>
+              </a:cxn>
+              <a:cxn ang="0">
+                <a:pos x="connsiteX19" y="connsiteY19"/>
+              </a:cxn>
+              <a:cxn ang="0">
+                <a:pos x="connsiteX20" y="connsiteY20"/>
+              </a:cxn>
+              <a:cxn ang="0">
+                <a:pos x="connsiteX21" y="connsiteY21"/>
+              </a:cxn>
+              <a:cxn ang="0">
+                <a:pos x="connsiteX22" y="connsiteY22"/>
+              </a:cxn>
+            </a:cxnLst>
+            <a:rect l="l" t="t" r="r" b="b"/>
+            <a:pathLst>
+              <a:path w="5912100" h="6829908">
+                <a:moveTo>
+                  <a:pt x="5912101" y="5122411"/>
+                </a:moveTo>
+                <a:lnTo>
+                  <a:pt x="5912101" y="1707497"/>
+                </a:lnTo>
+                <a:lnTo>
+                  <a:pt x="5676364" y="1571303"/>
+                </a:lnTo>
+                <a:lnTo>
+                  <a:pt x="3441283" y="280276"/>
+                </a:lnTo>
+                <a:lnTo>
+                  <a:pt x="2956051" y="0"/>
+                </a:lnTo>
+                <a:lnTo>
+                  <a:pt x="2470818" y="280276"/>
+                </a:lnTo>
+                <a:lnTo>
+                  <a:pt x="235576" y="1571384"/>
+                </a:lnTo>
+                <a:lnTo>
+                  <a:pt x="0" y="1707497"/>
+                </a:lnTo>
+                <a:lnTo>
+                  <a:pt x="0" y="5122411"/>
+                </a:lnTo>
+                <a:lnTo>
+                  <a:pt x="235576" y="5258525"/>
+                </a:lnTo>
+                <a:lnTo>
+                  <a:pt x="2498656" y="6565650"/>
+                </a:lnTo>
+                <a:lnTo>
+                  <a:pt x="2956051" y="6829908"/>
+                </a:lnTo>
+                <a:lnTo>
+                  <a:pt x="3413445" y="6565650"/>
+                </a:lnTo>
+                <a:lnTo>
+                  <a:pt x="5676364" y="5258605"/>
+                </a:lnTo>
+                <a:close/>
+                <a:moveTo>
+                  <a:pt x="235576" y="4994347"/>
+                </a:moveTo>
+                <a:lnTo>
+                  <a:pt x="235576" y="1851338"/>
+                </a:lnTo>
+                <a:lnTo>
+                  <a:pt x="637859" y="1618874"/>
+                </a:lnTo>
+                <a:lnTo>
+                  <a:pt x="2955970" y="280276"/>
+                </a:lnTo>
+                <a:lnTo>
+                  <a:pt x="2955970" y="280276"/>
+                </a:lnTo>
+                <a:lnTo>
+                  <a:pt x="5266840" y="1615091"/>
+                </a:lnTo>
+                <a:lnTo>
+                  <a:pt x="5676364" y="1851338"/>
+                </a:lnTo>
+                <a:lnTo>
+                  <a:pt x="5676364" y="4994347"/>
+                </a:lnTo>
+                <a:lnTo>
+                  <a:pt x="2955970" y="6565650"/>
+                </a:lnTo>
+                <a:close/>
+              </a:path>
+            </a:pathLst>
+          </a:custGeom>
+          <a:solidFill>
+            <a:schemeClr val="bg1">
+              <a:lumMod val="50000"/>
+            </a:schemeClr>
+          </a:solidFill>
+          <a:ln w="8035" cap="flat">
+            <a:noFill/>
+            <a:prstDash val="solid"/>
+            <a:miter/>
+          </a:ln>
+        </p:spPr>
+        <p:txBody>
+          <a:bodyPr rtlCol="0" anchor="ctr"/>
+          <a:lstStyle/>
+          <a:p>
+            <a:endParaRPr lang="en-US" sz="1600">
+              <a:solidFill>
+                <a:schemeClr val="accent6">
+                  <a:lumMod val="50000"/>
+                </a:schemeClr>
+              </a:solidFill>
+            </a:endParaRPr>
+          </a:p>
+        </p:txBody>
+      </p:sp>
+      <p:grpSp>
+        <p:nvGrpSpPr>
+          <p:cNvPr id="59" name="Group 58">
+            <a:extLst>
+              <a:ext uri="{FF2B5EF4-FFF2-40B4-BE49-F238E27FC236}">
+                <a16:creationId xmlns:a16="http://schemas.microsoft.com/office/drawing/2014/main" id="{F0FFF977-9B1F-CB47-9DC6-B3267976E646}"/>
+              </a:ext>
+            </a:extLst>
+          </p:cNvPr>
+          <p:cNvGrpSpPr/>
+          <p:nvPr/>
+        </p:nvGrpSpPr>
+        <p:grpSpPr>
+          <a:xfrm>
+            <a:off x="3467100" y="528174"/>
+            <a:ext cx="5257800" cy="5974008"/>
+            <a:chOff x="3467100" y="537052"/>
+            <a:chExt cx="5257800" cy="5974008"/>
+          </a:xfrm>
+        </p:grpSpPr>
+        <p:pic>
+          <p:nvPicPr>
+            <p:cNvPr id="42" name="Graphic 41" descr="Suit">
+              <a:extLst>
+                <a:ext uri="{FF2B5EF4-FFF2-40B4-BE49-F238E27FC236}">
+                  <a16:creationId xmlns:a16="http://schemas.microsoft.com/office/drawing/2014/main" id="{AA38583C-16C4-1D41-B2EA-5B5B919D9A31}"/>
+                </a:ext>
+              </a:extLst>
+            </p:cNvPr>
+            <p:cNvPicPr>
+              <a:picLocks noChangeAspect="1"/>
+            </p:cNvPicPr>
+            <p:nvPr/>
+          </p:nvPicPr>
+          <p:blipFill>
+            <a:blip r:embed="rId2">
+              <a:extLst>
+                <a:ext uri="{96DAC541-7B7A-43D3-8B79-37D633B846F1}">
+                  <asvg:svgBlip xmlns:asvg="http://schemas.microsoft.com/office/drawing/2016/SVG/main" r:embed="rId3"/>
+                </a:ext>
+              </a:extLst>
+            </a:blip>
+            <a:stretch>
+              <a:fillRect/>
+            </a:stretch>
+          </p:blipFill>
           <p:spPr>
             <a:xfrm>
-              <a:off x="3770672" y="3054756"/>
-              <a:ext cx="495649" cy="430887"/>
+              <a:off x="3467100" y="1253260"/>
+              <a:ext cx="5257800" cy="5257800"/>
             </a:xfrm>
             <a:prstGeom prst="rect">
               <a:avLst/>
             </a:prstGeom>
-            <a:noFill/>
-            <a:ln w="25400">
-              <a:solidFill>
-                <a:srgbClr val="00B050"/>
-              </a:solidFill>
-              <a:prstDash val="sysDot"/>
-            </a:ln>
           </p:spPr>
-          <p:txBody>
-            <a:bodyPr wrap="none" rtlCol="0" anchor="ctr" anchorCtr="0">
-              <a:spAutoFit/>
-            </a:bodyPr>
-            <a:lstStyle/>
-            <a:p>
-              <a:pPr algn="ctr"/>
-              <a:r>
-                <a:rPr lang="en-US" sz="2200" dirty="0">
-                  <a:latin typeface="Consolas" panose="020B0609020204030204" pitchFamily="49" charset="0"/>
-                  <a:cs typeface="Consolas" panose="020B0609020204030204" pitchFamily="49" charset="0"/>
-                </a:rPr>
-                <a:t>US</a:t>
-              </a:r>
-            </a:p>
-          </p:txBody>
-        </p:sp>
-        <p:cxnSp>
-          <p:nvCxnSpPr>
-            <p:cNvPr id="15" name="Straight Arrow Connector 14">
+        </p:pic>
+        <p:sp>
+          <p:nvSpPr>
+            <p:cNvPr id="56" name="Oval 55">
               <a:extLst>
                 <a:ext uri="{FF2B5EF4-FFF2-40B4-BE49-F238E27FC236}">
-                  <a16:creationId xmlns:a16="http://schemas.microsoft.com/office/drawing/2014/main" id="{BB123F16-34F3-274E-905E-179B6C127BB2}"/>
-                </a:ext>
-              </a:extLst>
-            </p:cNvPr>
-            <p:cNvCxnSpPr>
-              <a:cxnSpLocks/>
-            </p:cNvCxnSpPr>
-            <p:nvPr/>
-          </p:nvCxnSpPr>
-          <p:spPr>
-            <a:xfrm>
-              <a:off x="7784775" y="2057400"/>
-              <a:ext cx="0" cy="1828800"/>
-            </a:xfrm>
-            <a:prstGeom prst="straightConnector1">
-              <a:avLst/>
-            </a:prstGeom>
-            <a:ln w="50800">
-              <a:tailEnd type="triangle"/>
-            </a:ln>
-          </p:spPr>
-          <p:style>
-            <a:lnRef idx="1">
-              <a:schemeClr val="accent1"/>
-            </a:lnRef>
-            <a:fillRef idx="0">
-              <a:schemeClr val="accent1"/>
-            </a:fillRef>
-            <a:effectRef idx="0">
-              <a:schemeClr val="accent1"/>
-            </a:effectRef>
-            <a:fontRef idx="minor">
-              <a:schemeClr val="tx1"/>
-            </a:fontRef>
-          </p:style>
-        </p:cxnSp>
-        <p:sp>
-          <p:nvSpPr>
-            <p:cNvPr id="16" name="TextBox 15">
-              <a:extLst>
-                <a:ext uri="{FF2B5EF4-FFF2-40B4-BE49-F238E27FC236}">
-                  <a16:creationId xmlns:a16="http://schemas.microsoft.com/office/drawing/2014/main" id="{8EA5B355-8264-C343-B995-3FF838066D4F}"/>
-                </a:ext>
-              </a:extLst>
-            </p:cNvPr>
-            <p:cNvSpPr txBox="1"/>
-            <p:nvPr/>
-          </p:nvSpPr>
-          <p:spPr>
-            <a:xfrm>
-              <a:off x="7522524" y="3955744"/>
-              <a:ext cx="524503" cy="457200"/>
-            </a:xfrm>
-            <a:prstGeom prst="rect">
-              <a:avLst/>
-            </a:prstGeom>
-            <a:noFill/>
-            <a:ln w="25400">
-              <a:solidFill>
-                <a:srgbClr val="00B050"/>
-              </a:solidFill>
-              <a:prstDash val="sysDot"/>
-            </a:ln>
-          </p:spPr>
-          <p:txBody>
-            <a:bodyPr wrap="square" rtlCol="0" anchor="ctr" anchorCtr="0">
-              <a:spAutoFit/>
-            </a:bodyPr>
-            <a:lstStyle/>
-            <a:p>
-              <a:pPr algn="ctr"/>
-              <a:r>
-                <a:rPr lang="en-US" sz="2200" dirty="0">
-                  <a:latin typeface="Consolas" panose="020B0609020204030204" pitchFamily="49" charset="0"/>
-                  <a:cs typeface="Consolas" panose="020B0609020204030204" pitchFamily="49" charset="0"/>
-                </a:rPr>
-                <a:t>VA</a:t>
-              </a:r>
-            </a:p>
-          </p:txBody>
-        </p:sp>
-        <p:cxnSp>
-          <p:nvCxnSpPr>
-            <p:cNvPr id="17" name="Straight Arrow Connector 16">
-              <a:extLst>
-                <a:ext uri="{FF2B5EF4-FFF2-40B4-BE49-F238E27FC236}">
-                  <a16:creationId xmlns:a16="http://schemas.microsoft.com/office/drawing/2014/main" id="{AD0653E6-BEA7-CD44-8AB9-188D4DD80170}"/>
-                </a:ext>
-              </a:extLst>
-            </p:cNvPr>
-            <p:cNvCxnSpPr>
-              <a:cxnSpLocks/>
-            </p:cNvCxnSpPr>
-            <p:nvPr/>
-          </p:nvCxnSpPr>
-          <p:spPr>
-            <a:xfrm>
-              <a:off x="5707271" y="2057400"/>
-              <a:ext cx="0" cy="2743200"/>
-            </a:xfrm>
-            <a:prstGeom prst="straightConnector1">
-              <a:avLst/>
-            </a:prstGeom>
-            <a:ln w="50800">
-              <a:tailEnd type="triangle"/>
-            </a:ln>
-          </p:spPr>
-          <p:style>
-            <a:lnRef idx="1">
-              <a:schemeClr val="accent1"/>
-            </a:lnRef>
-            <a:fillRef idx="0">
-              <a:schemeClr val="accent1"/>
-            </a:fillRef>
-            <a:effectRef idx="0">
-              <a:schemeClr val="accent1"/>
-            </a:effectRef>
-            <a:fontRef idx="minor">
-              <a:schemeClr val="tx1"/>
-            </a:fontRef>
-          </p:style>
-        </p:cxnSp>
-        <p:sp>
-          <p:nvSpPr>
-            <p:cNvPr id="18" name="TextBox 17">
-              <a:extLst>
-                <a:ext uri="{FF2B5EF4-FFF2-40B4-BE49-F238E27FC236}">
-                  <a16:creationId xmlns:a16="http://schemas.microsoft.com/office/drawing/2014/main" id="{6A923496-98A6-404F-9E31-DB9B1A1B190F}"/>
-                </a:ext>
-              </a:extLst>
-            </p:cNvPr>
-            <p:cNvSpPr txBox="1"/>
-            <p:nvPr/>
-          </p:nvSpPr>
-          <p:spPr>
-            <a:xfrm>
-              <a:off x="5381702" y="4870400"/>
-              <a:ext cx="651139" cy="457200"/>
-            </a:xfrm>
-            <a:prstGeom prst="rect">
-              <a:avLst/>
-            </a:prstGeom>
-            <a:noFill/>
-            <a:ln w="25400">
-              <a:solidFill>
-                <a:srgbClr val="00B050"/>
-              </a:solidFill>
-              <a:prstDash val="sysDot"/>
-            </a:ln>
-          </p:spPr>
-          <p:txBody>
-            <a:bodyPr wrap="none" rtlCol="0" anchor="ctr" anchorCtr="0">
-              <a:spAutoFit/>
-            </a:bodyPr>
-            <a:lstStyle/>
-            <a:p>
-              <a:pPr algn="ctr"/>
-              <a:r>
-                <a:rPr lang="en-US" sz="2200" dirty="0">
-                  <a:latin typeface="Consolas" panose="020B0609020204030204" pitchFamily="49" charset="0"/>
-                  <a:cs typeface="Consolas" panose="020B0609020204030204" pitchFamily="49" charset="0"/>
-                </a:rPr>
-                <a:t>059</a:t>
-              </a:r>
-            </a:p>
-          </p:txBody>
-        </p:sp>
-        <p:cxnSp>
-          <p:nvCxnSpPr>
-            <p:cNvPr id="26" name="Straight Arrow Connector 25">
-              <a:extLst>
-                <a:ext uri="{FF2B5EF4-FFF2-40B4-BE49-F238E27FC236}">
-                  <a16:creationId xmlns:a16="http://schemas.microsoft.com/office/drawing/2014/main" id="{05AB109E-6CA2-B248-99A7-D65335724862}"/>
-                </a:ext>
-              </a:extLst>
-            </p:cNvPr>
-            <p:cNvCxnSpPr>
-              <a:cxnSpLocks/>
-            </p:cNvCxnSpPr>
-            <p:nvPr/>
-          </p:nvCxnSpPr>
-          <p:spPr>
-            <a:xfrm>
-              <a:off x="4348701" y="3270200"/>
-              <a:ext cx="1245387" cy="0"/>
-            </a:xfrm>
-            <a:prstGeom prst="straightConnector1">
-              <a:avLst/>
-            </a:prstGeom>
-            <a:ln w="50800">
-              <a:tailEnd type="oval" w="sm" len="sm"/>
-            </a:ln>
-          </p:spPr>
-          <p:style>
-            <a:lnRef idx="1">
-              <a:schemeClr val="accent1"/>
-            </a:lnRef>
-            <a:fillRef idx="0">
-              <a:schemeClr val="accent1"/>
-            </a:fillRef>
-            <a:effectRef idx="0">
-              <a:schemeClr val="accent1"/>
-            </a:effectRef>
-            <a:fontRef idx="minor">
-              <a:schemeClr val="tx1"/>
-            </a:fontRef>
-          </p:style>
-        </p:cxnSp>
-        <p:sp>
-          <p:nvSpPr>
-            <p:cNvPr id="27" name="Arc 26">
-              <a:extLst>
-                <a:ext uri="{FF2B5EF4-FFF2-40B4-BE49-F238E27FC236}">
-                  <a16:creationId xmlns:a16="http://schemas.microsoft.com/office/drawing/2014/main" id="{40DC3D99-EE73-C746-97DE-93F946D2911F}"/>
+                  <a16:creationId xmlns:a16="http://schemas.microsoft.com/office/drawing/2014/main" id="{29DAC5E5-0C5A-264D-A948-7C425672456C}"/>
                 </a:ext>
               </a:extLst>
             </p:cNvPr>
@@ -4924,129 +6024,1189 @@
           </p:nvSpPr>
           <p:spPr>
             <a:xfrm>
-              <a:off x="5594088" y="3157017"/>
-              <a:ext cx="226367" cy="226367"/>
+              <a:off x="5433060" y="537052"/>
+              <a:ext cx="1325880" cy="1325880"/>
             </a:xfrm>
-            <a:prstGeom prst="arc">
-              <a:avLst>
-                <a:gd name="adj1" fmla="val 10796076"/>
-                <a:gd name="adj2" fmla="val 17701"/>
-              </a:avLst>
+            <a:prstGeom prst="ellipse">
+              <a:avLst/>
             </a:prstGeom>
-            <a:ln w="50800"/>
+            <a:noFill/>
+            <a:ln w="139700" cmpd="dbl">
+              <a:solidFill>
+                <a:schemeClr val="tx1"/>
+              </a:solidFill>
+            </a:ln>
           </p:spPr>
           <p:style>
-            <a:lnRef idx="1">
-              <a:schemeClr val="accent1"/>
+            <a:lnRef idx="2">
+              <a:schemeClr val="accent1">
+                <a:shade val="50000"/>
+              </a:schemeClr>
             </a:lnRef>
-            <a:fillRef idx="0">
+            <a:fillRef idx="1">
               <a:schemeClr val="accent1"/>
             </a:fillRef>
             <a:effectRef idx="0">
               <a:schemeClr val="accent1"/>
             </a:effectRef>
             <a:fontRef idx="minor">
-              <a:schemeClr val="tx1"/>
+              <a:schemeClr val="lt1"/>
             </a:fontRef>
           </p:style>
+          <p:txBody>
+            <a:bodyPr wrap="none" lIns="0" tIns="0" rIns="0" bIns="0" rtlCol="0" anchor="ctr"/>
+            <a:lstStyle/>
+            <a:p>
+              <a:pPr algn="ctr"/>
+              <a:endParaRPr lang="en-US" sz="2000" b="1" dirty="0">
+                <a:solidFill>
+                  <a:schemeClr val="tx1"/>
+                </a:solidFill>
+                <a:latin typeface="Courier" pitchFamily="2" charset="0"/>
+              </a:endParaRPr>
+            </a:p>
+          </p:txBody>
+        </p:sp>
+        <p:grpSp>
+          <p:nvGrpSpPr>
+            <p:cNvPr id="57" name="Group 56">
+              <a:extLst>
+                <a:ext uri="{FF2B5EF4-FFF2-40B4-BE49-F238E27FC236}">
+                  <a16:creationId xmlns:a16="http://schemas.microsoft.com/office/drawing/2014/main" id="{4C92C984-F797-9B4D-A371-690BB0AABAF1}"/>
+                </a:ext>
+              </a:extLst>
+            </p:cNvPr>
+            <p:cNvGrpSpPr/>
+            <p:nvPr/>
+          </p:nvGrpSpPr>
+          <p:grpSpPr>
+            <a:xfrm>
+              <a:off x="6324600" y="2208141"/>
+              <a:ext cx="914400" cy="613497"/>
+              <a:chOff x="6381398" y="2197631"/>
+              <a:chExt cx="914400" cy="613497"/>
+            </a:xfrm>
+          </p:grpSpPr>
+          <p:sp>
+            <p:nvSpPr>
+              <p:cNvPr id="44" name="Rounded Rectangle 43">
+                <a:extLst>
+                  <a:ext uri="{FF2B5EF4-FFF2-40B4-BE49-F238E27FC236}">
+                    <a16:creationId xmlns:a16="http://schemas.microsoft.com/office/drawing/2014/main" id="{C582140C-FDB0-B84D-B35E-64582B570A90}"/>
+                  </a:ext>
+                </a:extLst>
+              </p:cNvPr>
+              <p:cNvSpPr/>
+              <p:nvPr/>
+            </p:nvSpPr>
+            <p:spPr>
+              <a:xfrm>
+                <a:off x="6381398" y="2197631"/>
+                <a:ext cx="914400" cy="613497"/>
+              </a:xfrm>
+              <a:prstGeom prst="roundRect">
+                <a:avLst/>
+              </a:prstGeom>
+              <a:solidFill>
+                <a:srgbClr val="FF0000"/>
+              </a:solidFill>
+              <a:ln>
+                <a:noFill/>
+              </a:ln>
+            </p:spPr>
+            <p:style>
+              <a:lnRef idx="2">
+                <a:schemeClr val="accent1">
+                  <a:shade val="50000"/>
+                </a:schemeClr>
+              </a:lnRef>
+              <a:fillRef idx="1">
+                <a:schemeClr val="accent1"/>
+              </a:fillRef>
+              <a:effectRef idx="0">
+                <a:schemeClr val="accent1"/>
+              </a:effectRef>
+              <a:fontRef idx="minor">
+                <a:schemeClr val="lt1"/>
+              </a:fontRef>
+            </p:style>
+            <p:txBody>
+              <a:bodyPr rtlCol="0" anchor="ctr"/>
+              <a:lstStyle/>
+              <a:p>
+                <a:pPr algn="ctr"/>
+                <a:endParaRPr lang="en-US" sz="600" i="1" dirty="0"/>
+              </a:p>
+            </p:txBody>
+          </p:sp>
+          <p:sp>
+            <p:nvSpPr>
+              <p:cNvPr id="45" name="Rectangle 44">
+                <a:extLst>
+                  <a:ext uri="{FF2B5EF4-FFF2-40B4-BE49-F238E27FC236}">
+                    <a16:creationId xmlns:a16="http://schemas.microsoft.com/office/drawing/2014/main" id="{07630879-C065-0243-AA6C-664B62D4C3E2}"/>
+                  </a:ext>
+                </a:extLst>
+              </p:cNvPr>
+              <p:cNvSpPr/>
+              <p:nvPr/>
+            </p:nvSpPr>
+            <p:spPr>
+              <a:xfrm>
+                <a:off x="6381398" y="2416469"/>
+                <a:ext cx="914400" cy="320040"/>
+              </a:xfrm>
+              <a:prstGeom prst="rect">
+                <a:avLst/>
+              </a:prstGeom>
+              <a:solidFill>
+                <a:schemeClr val="bg1"/>
+              </a:solidFill>
+              <a:ln>
+                <a:noFill/>
+              </a:ln>
+            </p:spPr>
+            <p:style>
+              <a:lnRef idx="2">
+                <a:schemeClr val="accent1">
+                  <a:shade val="50000"/>
+                </a:schemeClr>
+              </a:lnRef>
+              <a:fillRef idx="1">
+                <a:schemeClr val="accent1"/>
+              </a:fillRef>
+              <a:effectRef idx="0">
+                <a:schemeClr val="accent1"/>
+              </a:effectRef>
+              <a:fontRef idx="minor">
+                <a:schemeClr val="lt1"/>
+              </a:fontRef>
+            </p:style>
+            <p:txBody>
+              <a:bodyPr wrap="none" rtlCol="0" anchor="ctr"/>
+              <a:lstStyle/>
+              <a:p>
+                <a:pPr algn="ctr"/>
+                <a:r>
+                  <a:rPr lang="en-US" sz="1050" b="1" dirty="0">
+                    <a:solidFill>
+                      <a:schemeClr val="tx1"/>
+                    </a:solidFill>
+                    <a:latin typeface="Courier" pitchFamily="2" charset="0"/>
+                  </a:rPr>
+                  <a:t>US.VA.059</a:t>
+                </a:r>
+              </a:p>
+            </p:txBody>
+          </p:sp>
+          <p:grpSp>
+            <p:nvGrpSpPr>
+              <p:cNvPr id="49" name="Group 48">
+                <a:extLst>
+                  <a:ext uri="{FF2B5EF4-FFF2-40B4-BE49-F238E27FC236}">
+                    <a16:creationId xmlns:a16="http://schemas.microsoft.com/office/drawing/2014/main" id="{E8D62279-8BEB-EF46-B13C-78BEAAE1D0F2}"/>
+                  </a:ext>
+                </a:extLst>
+              </p:cNvPr>
+              <p:cNvGrpSpPr/>
+              <p:nvPr/>
+            </p:nvGrpSpPr>
+            <p:grpSpPr>
+              <a:xfrm>
+                <a:off x="6557142" y="2214565"/>
+                <a:ext cx="562912" cy="184970"/>
+                <a:chOff x="10527402" y="4432299"/>
+                <a:chExt cx="587793" cy="193146"/>
+              </a:xfrm>
+            </p:grpSpPr>
+            <p:sp>
+              <p:nvSpPr>
+                <p:cNvPr id="47" name="Rectangle 46">
+                  <a:extLst>
+                    <a:ext uri="{FF2B5EF4-FFF2-40B4-BE49-F238E27FC236}">
+                      <a16:creationId xmlns:a16="http://schemas.microsoft.com/office/drawing/2014/main" id="{2B8F79B4-38E0-224D-9914-DAE4EAC71AA7}"/>
+                    </a:ext>
+                  </a:extLst>
+                </p:cNvPr>
+                <p:cNvSpPr/>
+                <p:nvPr/>
+              </p:nvSpPr>
+              <p:spPr>
+                <a:xfrm>
+                  <a:off x="10527402" y="4537030"/>
+                  <a:ext cx="587793" cy="88415"/>
+                </a:xfrm>
+                <a:prstGeom prst="rect">
+                  <a:avLst/>
+                </a:prstGeom>
+                <a:solidFill>
+                  <a:srgbClr val="FF0000"/>
+                </a:solidFill>
+              </p:spPr>
+              <p:txBody>
+                <a:bodyPr wrap="square" lIns="0" tIns="0" rIns="0" bIns="0">
+                  <a:spAutoFit/>
+                </a:bodyPr>
+                <a:lstStyle/>
+                <a:p>
+                  <a:pPr lvl="0" algn="ctr"/>
+                  <a:r>
+                    <a:rPr lang="en-US" sz="500" dirty="0">
+                      <a:solidFill>
+                        <a:prstClr val="white"/>
+                      </a:solidFill>
+                      <a:latin typeface="Arial" panose="020B0604020202020204" pitchFamily="34" charset="0"/>
+                      <a:cs typeface="Arial" panose="020B0604020202020204" pitchFamily="34" charset="0"/>
+                    </a:rPr>
+                    <a:t>my name is</a:t>
+                  </a:r>
+                </a:p>
+              </p:txBody>
+            </p:sp>
+            <p:sp>
+              <p:nvSpPr>
+                <p:cNvPr id="48" name="Rectangle 47">
+                  <a:extLst>
+                    <a:ext uri="{FF2B5EF4-FFF2-40B4-BE49-F238E27FC236}">
+                      <a16:creationId xmlns:a16="http://schemas.microsoft.com/office/drawing/2014/main" id="{8194BA9E-EFC5-9244-969C-9319F8BB5EBF}"/>
+                    </a:ext>
+                  </a:extLst>
+                </p:cNvPr>
+                <p:cNvSpPr/>
+                <p:nvPr/>
+              </p:nvSpPr>
+              <p:spPr>
+                <a:xfrm>
+                  <a:off x="10527402" y="4432299"/>
+                  <a:ext cx="587793" cy="117431"/>
+                </a:xfrm>
+                <a:prstGeom prst="rect">
+                  <a:avLst/>
+                </a:prstGeom>
+                <a:solidFill>
+                  <a:srgbClr val="FF0000"/>
+                </a:solidFill>
+                <a:ln>
+                  <a:noFill/>
+                </a:ln>
+              </p:spPr>
+              <p:style>
+                <a:lnRef idx="2">
+                  <a:schemeClr val="accent1">
+                    <a:shade val="50000"/>
+                  </a:schemeClr>
+                </a:lnRef>
+                <a:fillRef idx="1">
+                  <a:schemeClr val="accent1"/>
+                </a:fillRef>
+                <a:effectRef idx="0">
+                  <a:schemeClr val="accent1"/>
+                </a:effectRef>
+                <a:fontRef idx="minor">
+                  <a:schemeClr val="lt1"/>
+                </a:fontRef>
+              </p:style>
+              <p:txBody>
+                <a:bodyPr tIns="0" bIns="0" rtlCol="0" anchor="ctr"/>
+                <a:lstStyle/>
+                <a:p>
+                  <a:pPr algn="ctr"/>
+                  <a:r>
+                    <a:rPr lang="en-US" sz="1050" b="1" dirty="0">
+                      <a:solidFill>
+                        <a:schemeClr val="bg1"/>
+                      </a:solidFill>
+                      <a:latin typeface="Arial" panose="020B0604020202020204" pitchFamily="34" charset="0"/>
+                      <a:cs typeface="Arial" panose="020B0604020202020204" pitchFamily="34" charset="0"/>
+                    </a:rPr>
+                    <a:t>Hello</a:t>
+                  </a:r>
+                  <a:endParaRPr lang="en-US" sz="1100" b="1" dirty="0">
+                    <a:solidFill>
+                      <a:schemeClr val="bg1"/>
+                    </a:solidFill>
+                    <a:latin typeface="Arial" panose="020B0604020202020204" pitchFamily="34" charset="0"/>
+                    <a:cs typeface="Arial" panose="020B0604020202020204" pitchFamily="34" charset="0"/>
+                  </a:endParaRPr>
+                </a:p>
+              </p:txBody>
+            </p:sp>
+          </p:grpSp>
+        </p:grpSp>
+      </p:grpSp>
+    </p:spTree>
+    <p:extLst>
+      <p:ext uri="{BB962C8B-B14F-4D97-AF65-F5344CB8AC3E}">
+        <p14:creationId xmlns:p14="http://schemas.microsoft.com/office/powerpoint/2010/main" val="3795377240"/>
+      </p:ext>
+    </p:extLst>
+  </p:cSld>
+  <p:clrMapOvr>
+    <a:masterClrMapping/>
+  </p:clrMapOvr>
+</p:sld>
+</file>
+
+<file path=ppt/slides/slide7.xml><?xml version="1.0" encoding="utf-8"?>
+<p:sld xmlns:a="http://schemas.openxmlformats.org/drawingml/2006/main" xmlns:r="http://schemas.openxmlformats.org/officeDocument/2006/relationships" xmlns:p="http://schemas.openxmlformats.org/presentationml/2006/main">
+  <p:cSld>
+    <p:spTree>
+      <p:nvGrpSpPr>
+        <p:cNvPr id="1" name=""/>
+        <p:cNvGrpSpPr/>
+        <p:nvPr/>
+      </p:nvGrpSpPr>
+      <p:grpSpPr>
+        <a:xfrm>
+          <a:off x="0" y="0"/>
+          <a:ext cx="0" cy="0"/>
+          <a:chOff x="0" y="0"/>
+          <a:chExt cx="0" cy="0"/>
+        </a:xfrm>
+      </p:grpSpPr>
+      <p:grpSp>
+        <p:nvGrpSpPr>
+          <p:cNvPr id="4" name="Group 3">
+            <a:extLst>
+              <a:ext uri="{FF2B5EF4-FFF2-40B4-BE49-F238E27FC236}">
+                <a16:creationId xmlns:a16="http://schemas.microsoft.com/office/drawing/2014/main" id="{A3A10822-A29E-FA4E-ABC5-872C7BE113A4}"/>
+              </a:ext>
+            </a:extLst>
+          </p:cNvPr>
+          <p:cNvGrpSpPr/>
+          <p:nvPr/>
+        </p:nvGrpSpPr>
+        <p:grpSpPr>
+          <a:xfrm>
+            <a:off x="2790098" y="14046"/>
+            <a:ext cx="6611354" cy="6829908"/>
+            <a:chOff x="2790098" y="14046"/>
+            <a:chExt cx="6611354" cy="6829908"/>
+          </a:xfrm>
+        </p:grpSpPr>
+        <p:sp>
+          <p:nvSpPr>
+            <p:cNvPr id="24" name="Freeform 23">
+              <a:extLst>
+                <a:ext uri="{FF2B5EF4-FFF2-40B4-BE49-F238E27FC236}">
+                  <a16:creationId xmlns:a16="http://schemas.microsoft.com/office/drawing/2014/main" id="{C3D1C56F-33B1-D943-A2BC-5D1C366943A2}"/>
+                </a:ext>
+              </a:extLst>
+            </p:cNvPr>
+            <p:cNvSpPr/>
+            <p:nvPr/>
+          </p:nvSpPr>
+          <p:spPr>
+            <a:xfrm>
+              <a:off x="3139725" y="14046"/>
+              <a:ext cx="5912100" cy="6829908"/>
+            </a:xfrm>
+            <a:custGeom>
+              <a:avLst/>
+              <a:gdLst>
+                <a:gd name="connsiteX0" fmla="*/ 5912101 w 5912100"/>
+                <a:gd name="connsiteY0" fmla="*/ 5122411 h 6829908"/>
+                <a:gd name="connsiteX1" fmla="*/ 5912101 w 5912100"/>
+                <a:gd name="connsiteY1" fmla="*/ 1707497 h 6829908"/>
+                <a:gd name="connsiteX2" fmla="*/ 5676364 w 5912100"/>
+                <a:gd name="connsiteY2" fmla="*/ 1571303 h 6829908"/>
+                <a:gd name="connsiteX3" fmla="*/ 3441283 w 5912100"/>
+                <a:gd name="connsiteY3" fmla="*/ 280276 h 6829908"/>
+                <a:gd name="connsiteX4" fmla="*/ 2956051 w 5912100"/>
+                <a:gd name="connsiteY4" fmla="*/ 0 h 6829908"/>
+                <a:gd name="connsiteX5" fmla="*/ 2470818 w 5912100"/>
+                <a:gd name="connsiteY5" fmla="*/ 280276 h 6829908"/>
+                <a:gd name="connsiteX6" fmla="*/ 235576 w 5912100"/>
+                <a:gd name="connsiteY6" fmla="*/ 1571384 h 6829908"/>
+                <a:gd name="connsiteX7" fmla="*/ 0 w 5912100"/>
+                <a:gd name="connsiteY7" fmla="*/ 1707497 h 6829908"/>
+                <a:gd name="connsiteX8" fmla="*/ 0 w 5912100"/>
+                <a:gd name="connsiteY8" fmla="*/ 5122411 h 6829908"/>
+                <a:gd name="connsiteX9" fmla="*/ 235576 w 5912100"/>
+                <a:gd name="connsiteY9" fmla="*/ 5258525 h 6829908"/>
+                <a:gd name="connsiteX10" fmla="*/ 2498656 w 5912100"/>
+                <a:gd name="connsiteY10" fmla="*/ 6565650 h 6829908"/>
+                <a:gd name="connsiteX11" fmla="*/ 2956051 w 5912100"/>
+                <a:gd name="connsiteY11" fmla="*/ 6829908 h 6829908"/>
+                <a:gd name="connsiteX12" fmla="*/ 3413445 w 5912100"/>
+                <a:gd name="connsiteY12" fmla="*/ 6565650 h 6829908"/>
+                <a:gd name="connsiteX13" fmla="*/ 5676364 w 5912100"/>
+                <a:gd name="connsiteY13" fmla="*/ 5258605 h 6829908"/>
+                <a:gd name="connsiteX14" fmla="*/ 235576 w 5912100"/>
+                <a:gd name="connsiteY14" fmla="*/ 4994347 h 6829908"/>
+                <a:gd name="connsiteX15" fmla="*/ 235576 w 5912100"/>
+                <a:gd name="connsiteY15" fmla="*/ 1851338 h 6829908"/>
+                <a:gd name="connsiteX16" fmla="*/ 637859 w 5912100"/>
+                <a:gd name="connsiteY16" fmla="*/ 1618874 h 6829908"/>
+                <a:gd name="connsiteX17" fmla="*/ 2955970 w 5912100"/>
+                <a:gd name="connsiteY17" fmla="*/ 280276 h 6829908"/>
+                <a:gd name="connsiteX18" fmla="*/ 2955970 w 5912100"/>
+                <a:gd name="connsiteY18" fmla="*/ 280276 h 6829908"/>
+                <a:gd name="connsiteX19" fmla="*/ 5266840 w 5912100"/>
+                <a:gd name="connsiteY19" fmla="*/ 1615091 h 6829908"/>
+                <a:gd name="connsiteX20" fmla="*/ 5676364 w 5912100"/>
+                <a:gd name="connsiteY20" fmla="*/ 1851338 h 6829908"/>
+                <a:gd name="connsiteX21" fmla="*/ 5676364 w 5912100"/>
+                <a:gd name="connsiteY21" fmla="*/ 4994347 h 6829908"/>
+                <a:gd name="connsiteX22" fmla="*/ 2955970 w 5912100"/>
+                <a:gd name="connsiteY22" fmla="*/ 6565650 h 6829908"/>
+              </a:gdLst>
+              <a:ahLst/>
+              <a:cxnLst>
+                <a:cxn ang="0">
+                  <a:pos x="connsiteX0" y="connsiteY0"/>
+                </a:cxn>
+                <a:cxn ang="0">
+                  <a:pos x="connsiteX1" y="connsiteY1"/>
+                </a:cxn>
+                <a:cxn ang="0">
+                  <a:pos x="connsiteX2" y="connsiteY2"/>
+                </a:cxn>
+                <a:cxn ang="0">
+                  <a:pos x="connsiteX3" y="connsiteY3"/>
+                </a:cxn>
+                <a:cxn ang="0">
+                  <a:pos x="connsiteX4" y="connsiteY4"/>
+                </a:cxn>
+                <a:cxn ang="0">
+                  <a:pos x="connsiteX5" y="connsiteY5"/>
+                </a:cxn>
+                <a:cxn ang="0">
+                  <a:pos x="connsiteX6" y="connsiteY6"/>
+                </a:cxn>
+                <a:cxn ang="0">
+                  <a:pos x="connsiteX7" y="connsiteY7"/>
+                </a:cxn>
+                <a:cxn ang="0">
+                  <a:pos x="connsiteX8" y="connsiteY8"/>
+                </a:cxn>
+                <a:cxn ang="0">
+                  <a:pos x="connsiteX9" y="connsiteY9"/>
+                </a:cxn>
+                <a:cxn ang="0">
+                  <a:pos x="connsiteX10" y="connsiteY10"/>
+                </a:cxn>
+                <a:cxn ang="0">
+                  <a:pos x="connsiteX11" y="connsiteY11"/>
+                </a:cxn>
+                <a:cxn ang="0">
+                  <a:pos x="connsiteX12" y="connsiteY12"/>
+                </a:cxn>
+                <a:cxn ang="0">
+                  <a:pos x="connsiteX13" y="connsiteY13"/>
+                </a:cxn>
+                <a:cxn ang="0">
+                  <a:pos x="connsiteX14" y="connsiteY14"/>
+                </a:cxn>
+                <a:cxn ang="0">
+                  <a:pos x="connsiteX15" y="connsiteY15"/>
+                </a:cxn>
+                <a:cxn ang="0">
+                  <a:pos x="connsiteX16" y="connsiteY16"/>
+                </a:cxn>
+                <a:cxn ang="0">
+                  <a:pos x="connsiteX17" y="connsiteY17"/>
+                </a:cxn>
+                <a:cxn ang="0">
+                  <a:pos x="connsiteX18" y="connsiteY18"/>
+                </a:cxn>
+                <a:cxn ang="0">
+                  <a:pos x="connsiteX19" y="connsiteY19"/>
+                </a:cxn>
+                <a:cxn ang="0">
+                  <a:pos x="connsiteX20" y="connsiteY20"/>
+                </a:cxn>
+                <a:cxn ang="0">
+                  <a:pos x="connsiteX21" y="connsiteY21"/>
+                </a:cxn>
+                <a:cxn ang="0">
+                  <a:pos x="connsiteX22" y="connsiteY22"/>
+                </a:cxn>
+              </a:cxnLst>
+              <a:rect l="l" t="t" r="r" b="b"/>
+              <a:pathLst>
+                <a:path w="5912100" h="6829908">
+                  <a:moveTo>
+                    <a:pt x="5912101" y="5122411"/>
+                  </a:moveTo>
+                  <a:lnTo>
+                    <a:pt x="5912101" y="1707497"/>
+                  </a:lnTo>
+                  <a:lnTo>
+                    <a:pt x="5676364" y="1571303"/>
+                  </a:lnTo>
+                  <a:lnTo>
+                    <a:pt x="3441283" y="280276"/>
+                  </a:lnTo>
+                  <a:lnTo>
+                    <a:pt x="2956051" y="0"/>
+                  </a:lnTo>
+                  <a:lnTo>
+                    <a:pt x="2470818" y="280276"/>
+                  </a:lnTo>
+                  <a:lnTo>
+                    <a:pt x="235576" y="1571384"/>
+                  </a:lnTo>
+                  <a:lnTo>
+                    <a:pt x="0" y="1707497"/>
+                  </a:lnTo>
+                  <a:lnTo>
+                    <a:pt x="0" y="5122411"/>
+                  </a:lnTo>
+                  <a:lnTo>
+                    <a:pt x="235576" y="5258525"/>
+                  </a:lnTo>
+                  <a:lnTo>
+                    <a:pt x="2498656" y="6565650"/>
+                  </a:lnTo>
+                  <a:lnTo>
+                    <a:pt x="2956051" y="6829908"/>
+                  </a:lnTo>
+                  <a:lnTo>
+                    <a:pt x="3413445" y="6565650"/>
+                  </a:lnTo>
+                  <a:lnTo>
+                    <a:pt x="5676364" y="5258605"/>
+                  </a:lnTo>
+                  <a:close/>
+                  <a:moveTo>
+                    <a:pt x="235576" y="4994347"/>
+                  </a:moveTo>
+                  <a:lnTo>
+                    <a:pt x="235576" y="1851338"/>
+                  </a:lnTo>
+                  <a:lnTo>
+                    <a:pt x="637859" y="1618874"/>
+                  </a:lnTo>
+                  <a:lnTo>
+                    <a:pt x="2955970" y="280276"/>
+                  </a:lnTo>
+                  <a:lnTo>
+                    <a:pt x="2955970" y="280276"/>
+                  </a:lnTo>
+                  <a:lnTo>
+                    <a:pt x="5266840" y="1615091"/>
+                  </a:lnTo>
+                  <a:lnTo>
+                    <a:pt x="5676364" y="1851338"/>
+                  </a:lnTo>
+                  <a:lnTo>
+                    <a:pt x="5676364" y="4994347"/>
+                  </a:lnTo>
+                  <a:lnTo>
+                    <a:pt x="2955970" y="6565650"/>
+                  </a:lnTo>
+                  <a:close/>
+                </a:path>
+              </a:pathLst>
+            </a:custGeom>
+            <a:solidFill>
+              <a:schemeClr val="bg1">
+                <a:lumMod val="50000"/>
+              </a:schemeClr>
+            </a:solidFill>
+            <a:ln w="8035" cap="flat">
+              <a:noFill/>
+              <a:prstDash val="solid"/>
+              <a:miter/>
+            </a:ln>
+          </p:spPr>
           <p:txBody>
             <a:bodyPr rtlCol="0" anchor="ctr"/>
             <a:lstStyle/>
             <a:p>
-              <a:pPr algn="ctr"/>
-              <a:endParaRPr lang="en-US" sz="2200"/>
+              <a:endParaRPr lang="en-US" sz="1600">
+                <a:solidFill>
+                  <a:schemeClr val="accent6">
+                    <a:lumMod val="50000"/>
+                  </a:schemeClr>
+                </a:solidFill>
+              </a:endParaRPr>
             </a:p>
           </p:txBody>
         </p:sp>
-        <p:cxnSp>
-          <p:nvCxnSpPr>
-            <p:cNvPr id="34" name="Straight Arrow Connector 33">
+        <p:grpSp>
+          <p:nvGrpSpPr>
+            <p:cNvPr id="59" name="Group 58">
               <a:extLst>
                 <a:ext uri="{FF2B5EF4-FFF2-40B4-BE49-F238E27FC236}">
-                  <a16:creationId xmlns:a16="http://schemas.microsoft.com/office/drawing/2014/main" id="{37C72E42-1316-9440-A71F-A9AEC1F57B31}"/>
+                  <a16:creationId xmlns:a16="http://schemas.microsoft.com/office/drawing/2014/main" id="{F0FFF977-9B1F-CB47-9DC6-B3267976E646}"/>
                 </a:ext>
               </a:extLst>
             </p:cNvPr>
-            <p:cNvCxnSpPr>
-              <a:cxnSpLocks/>
-            </p:cNvCxnSpPr>
+            <p:cNvGrpSpPr/>
             <p:nvPr/>
-          </p:nvCxnSpPr>
+          </p:nvGrpSpPr>
+          <p:grpSpPr>
+            <a:xfrm>
+              <a:off x="3466875" y="510418"/>
+              <a:ext cx="5257800" cy="5947374"/>
+              <a:chOff x="3467100" y="519296"/>
+              <a:chExt cx="5257800" cy="5947374"/>
+            </a:xfrm>
+          </p:grpSpPr>
+          <p:pic>
+            <p:nvPicPr>
+              <p:cNvPr id="42" name="Graphic 41" descr="Suit">
+                <a:extLst>
+                  <a:ext uri="{FF2B5EF4-FFF2-40B4-BE49-F238E27FC236}">
+                    <a16:creationId xmlns:a16="http://schemas.microsoft.com/office/drawing/2014/main" id="{AA38583C-16C4-1D41-B2EA-5B5B919D9A31}"/>
+                  </a:ext>
+                </a:extLst>
+              </p:cNvPr>
+              <p:cNvPicPr>
+                <a:picLocks noChangeAspect="1"/>
+              </p:cNvPicPr>
+              <p:nvPr/>
+            </p:nvPicPr>
+            <p:blipFill>
+              <a:blip r:embed="rId2">
+                <a:extLst>
+                  <a:ext uri="{96DAC541-7B7A-43D3-8B79-37D633B846F1}">
+                    <asvg:svgBlip xmlns:asvg="http://schemas.microsoft.com/office/drawing/2016/SVG/main" r:embed="rId3"/>
+                  </a:ext>
+                </a:extLst>
+              </a:blip>
+              <a:stretch>
+                <a:fillRect/>
+              </a:stretch>
+            </p:blipFill>
+            <p:spPr>
+              <a:xfrm>
+                <a:off x="3467100" y="1208870"/>
+                <a:ext cx="5257800" cy="5257800"/>
+              </a:xfrm>
+              <a:prstGeom prst="rect">
+                <a:avLst/>
+              </a:prstGeom>
+            </p:spPr>
+          </p:pic>
+          <p:sp>
+            <p:nvSpPr>
+              <p:cNvPr id="56" name="Oval 55">
+                <a:extLst>
+                  <a:ext uri="{FF2B5EF4-FFF2-40B4-BE49-F238E27FC236}">
+                    <a16:creationId xmlns:a16="http://schemas.microsoft.com/office/drawing/2014/main" id="{29DAC5E5-0C5A-264D-A948-7C425672456C}"/>
+                  </a:ext>
+                </a:extLst>
+              </p:cNvPr>
+              <p:cNvSpPr>
+                <a:spLocks noChangeAspect="1"/>
+              </p:cNvSpPr>
+              <p:nvPr/>
+            </p:nvSpPr>
+            <p:spPr>
+              <a:xfrm>
+                <a:off x="5433060" y="519296"/>
+                <a:ext cx="1325880" cy="1325880"/>
+              </a:xfrm>
+              <a:prstGeom prst="ellipse">
+                <a:avLst/>
+              </a:prstGeom>
+              <a:noFill/>
+              <a:ln w="139700" cmpd="dbl">
+                <a:solidFill>
+                  <a:schemeClr val="tx1"/>
+                </a:solidFill>
+              </a:ln>
+            </p:spPr>
+            <p:style>
+              <a:lnRef idx="2">
+                <a:schemeClr val="accent1">
+                  <a:shade val="50000"/>
+                </a:schemeClr>
+              </a:lnRef>
+              <a:fillRef idx="1">
+                <a:schemeClr val="accent1"/>
+              </a:fillRef>
+              <a:effectRef idx="0">
+                <a:schemeClr val="accent1"/>
+              </a:effectRef>
+              <a:fontRef idx="minor">
+                <a:schemeClr val="lt1"/>
+              </a:fontRef>
+            </p:style>
+            <p:txBody>
+              <a:bodyPr wrap="none" lIns="0" tIns="0" rIns="0" bIns="0" rtlCol="0" anchor="ctr"/>
+              <a:lstStyle/>
+              <a:p>
+                <a:pPr algn="ctr"/>
+                <a:endParaRPr lang="en-US" sz="2000" b="1" dirty="0">
+                  <a:solidFill>
+                    <a:schemeClr val="tx1"/>
+                  </a:solidFill>
+                  <a:latin typeface="Courier" pitchFamily="2" charset="0"/>
+                </a:endParaRPr>
+              </a:p>
+            </p:txBody>
+          </p:sp>
+          <p:grpSp>
+            <p:nvGrpSpPr>
+              <p:cNvPr id="57" name="Group 56">
+                <a:extLst>
+                  <a:ext uri="{FF2B5EF4-FFF2-40B4-BE49-F238E27FC236}">
+                    <a16:creationId xmlns:a16="http://schemas.microsoft.com/office/drawing/2014/main" id="{4C92C984-F797-9B4D-A371-690BB0AABAF1}"/>
+                  </a:ext>
+                </a:extLst>
+              </p:cNvPr>
+              <p:cNvGrpSpPr/>
+              <p:nvPr/>
+            </p:nvGrpSpPr>
+            <p:grpSpPr>
+              <a:xfrm>
+                <a:off x="6324600" y="2208141"/>
+                <a:ext cx="914400" cy="613497"/>
+                <a:chOff x="6381398" y="2197631"/>
+                <a:chExt cx="914400" cy="613497"/>
+              </a:xfrm>
+            </p:grpSpPr>
+            <p:sp>
+              <p:nvSpPr>
+                <p:cNvPr id="44" name="Rounded Rectangle 43">
+                  <a:extLst>
+                    <a:ext uri="{FF2B5EF4-FFF2-40B4-BE49-F238E27FC236}">
+                      <a16:creationId xmlns:a16="http://schemas.microsoft.com/office/drawing/2014/main" id="{C582140C-FDB0-B84D-B35E-64582B570A90}"/>
+                    </a:ext>
+                  </a:extLst>
+                </p:cNvPr>
+                <p:cNvSpPr/>
+                <p:nvPr/>
+              </p:nvSpPr>
+              <p:spPr>
+                <a:xfrm>
+                  <a:off x="6381398" y="2197631"/>
+                  <a:ext cx="914400" cy="613497"/>
+                </a:xfrm>
+                <a:prstGeom prst="roundRect">
+                  <a:avLst/>
+                </a:prstGeom>
+                <a:solidFill>
+                  <a:srgbClr val="FF0000"/>
+                </a:solidFill>
+                <a:ln>
+                  <a:noFill/>
+                </a:ln>
+              </p:spPr>
+              <p:style>
+                <a:lnRef idx="2">
+                  <a:schemeClr val="accent1">
+                    <a:shade val="50000"/>
+                  </a:schemeClr>
+                </a:lnRef>
+                <a:fillRef idx="1">
+                  <a:schemeClr val="accent1"/>
+                </a:fillRef>
+                <a:effectRef idx="0">
+                  <a:schemeClr val="accent1"/>
+                </a:effectRef>
+                <a:fontRef idx="minor">
+                  <a:schemeClr val="lt1"/>
+                </a:fontRef>
+              </p:style>
+              <p:txBody>
+                <a:bodyPr rtlCol="0" anchor="ctr"/>
+                <a:lstStyle/>
+                <a:p>
+                  <a:pPr algn="ctr"/>
+                  <a:endParaRPr lang="en-US" sz="600" i="1" dirty="0"/>
+                </a:p>
+              </p:txBody>
+            </p:sp>
+            <p:sp>
+              <p:nvSpPr>
+                <p:cNvPr id="45" name="Rectangle 44">
+                  <a:extLst>
+                    <a:ext uri="{FF2B5EF4-FFF2-40B4-BE49-F238E27FC236}">
+                      <a16:creationId xmlns:a16="http://schemas.microsoft.com/office/drawing/2014/main" id="{07630879-C065-0243-AA6C-664B62D4C3E2}"/>
+                    </a:ext>
+                  </a:extLst>
+                </p:cNvPr>
+                <p:cNvSpPr/>
+                <p:nvPr/>
+              </p:nvSpPr>
+              <p:spPr>
+                <a:xfrm>
+                  <a:off x="6381398" y="2416469"/>
+                  <a:ext cx="914400" cy="320040"/>
+                </a:xfrm>
+                <a:prstGeom prst="rect">
+                  <a:avLst/>
+                </a:prstGeom>
+                <a:solidFill>
+                  <a:schemeClr val="bg1"/>
+                </a:solidFill>
+                <a:ln>
+                  <a:noFill/>
+                </a:ln>
+              </p:spPr>
+              <p:style>
+                <a:lnRef idx="2">
+                  <a:schemeClr val="accent1">
+                    <a:shade val="50000"/>
+                  </a:schemeClr>
+                </a:lnRef>
+                <a:fillRef idx="1">
+                  <a:schemeClr val="accent1"/>
+                </a:fillRef>
+                <a:effectRef idx="0">
+                  <a:schemeClr val="accent1"/>
+                </a:effectRef>
+                <a:fontRef idx="minor">
+                  <a:schemeClr val="lt1"/>
+                </a:fontRef>
+              </p:style>
+              <p:txBody>
+                <a:bodyPr wrap="none" rtlCol="0" anchor="ctr"/>
+                <a:lstStyle/>
+                <a:p>
+                  <a:pPr algn="ctr"/>
+                  <a:r>
+                    <a:rPr lang="en-US" sz="1050" b="1" dirty="0">
+                      <a:solidFill>
+                        <a:schemeClr val="tx1"/>
+                      </a:solidFill>
+                      <a:latin typeface="Courier" pitchFamily="2" charset="0"/>
+                    </a:rPr>
+                    <a:t>US.VA.059</a:t>
+                  </a:r>
+                </a:p>
+              </p:txBody>
+            </p:sp>
+            <p:grpSp>
+              <p:nvGrpSpPr>
+                <p:cNvPr id="49" name="Group 48">
+                  <a:extLst>
+                    <a:ext uri="{FF2B5EF4-FFF2-40B4-BE49-F238E27FC236}">
+                      <a16:creationId xmlns:a16="http://schemas.microsoft.com/office/drawing/2014/main" id="{E8D62279-8BEB-EF46-B13C-78BEAAE1D0F2}"/>
+                    </a:ext>
+                  </a:extLst>
+                </p:cNvPr>
+                <p:cNvGrpSpPr/>
+                <p:nvPr/>
+              </p:nvGrpSpPr>
+              <p:grpSpPr>
+                <a:xfrm>
+                  <a:off x="6557142" y="2214565"/>
+                  <a:ext cx="562912" cy="184970"/>
+                  <a:chOff x="10527402" y="4432299"/>
+                  <a:chExt cx="587793" cy="193146"/>
+                </a:xfrm>
+              </p:grpSpPr>
+              <p:sp>
+                <p:nvSpPr>
+                  <p:cNvPr id="47" name="Rectangle 46">
+                    <a:extLst>
+                      <a:ext uri="{FF2B5EF4-FFF2-40B4-BE49-F238E27FC236}">
+                        <a16:creationId xmlns:a16="http://schemas.microsoft.com/office/drawing/2014/main" id="{2B8F79B4-38E0-224D-9914-DAE4EAC71AA7}"/>
+                      </a:ext>
+                    </a:extLst>
+                  </p:cNvPr>
+                  <p:cNvSpPr/>
+                  <p:nvPr/>
+                </p:nvSpPr>
+                <p:spPr>
+                  <a:xfrm>
+                    <a:off x="10527402" y="4537030"/>
+                    <a:ext cx="587793" cy="88415"/>
+                  </a:xfrm>
+                  <a:prstGeom prst="rect">
+                    <a:avLst/>
+                  </a:prstGeom>
+                  <a:solidFill>
+                    <a:srgbClr val="FF0000"/>
+                  </a:solidFill>
+                </p:spPr>
+                <p:txBody>
+                  <a:bodyPr wrap="square" lIns="0" tIns="0" rIns="0" bIns="0">
+                    <a:spAutoFit/>
+                  </a:bodyPr>
+                  <a:lstStyle/>
+                  <a:p>
+                    <a:pPr lvl="0" algn="ctr"/>
+                    <a:r>
+                      <a:rPr lang="en-US" sz="500" dirty="0">
+                        <a:solidFill>
+                          <a:prstClr val="white"/>
+                        </a:solidFill>
+                        <a:latin typeface="Arial" panose="020B0604020202020204" pitchFamily="34" charset="0"/>
+                        <a:cs typeface="Arial" panose="020B0604020202020204" pitchFamily="34" charset="0"/>
+                      </a:rPr>
+                      <a:t>my name is</a:t>
+                    </a:r>
+                  </a:p>
+                </p:txBody>
+              </p:sp>
+              <p:sp>
+                <p:nvSpPr>
+                  <p:cNvPr id="48" name="Rectangle 47">
+                    <a:extLst>
+                      <a:ext uri="{FF2B5EF4-FFF2-40B4-BE49-F238E27FC236}">
+                        <a16:creationId xmlns:a16="http://schemas.microsoft.com/office/drawing/2014/main" id="{8194BA9E-EFC5-9244-969C-9319F8BB5EBF}"/>
+                      </a:ext>
+                    </a:extLst>
+                  </p:cNvPr>
+                  <p:cNvSpPr/>
+                  <p:nvPr/>
+                </p:nvSpPr>
+                <p:spPr>
+                  <a:xfrm>
+                    <a:off x="10527402" y="4432299"/>
+                    <a:ext cx="587793" cy="117431"/>
+                  </a:xfrm>
+                  <a:prstGeom prst="rect">
+                    <a:avLst/>
+                  </a:prstGeom>
+                  <a:solidFill>
+                    <a:srgbClr val="FF0000"/>
+                  </a:solidFill>
+                  <a:ln>
+                    <a:noFill/>
+                  </a:ln>
+                </p:spPr>
+                <p:style>
+                  <a:lnRef idx="2">
+                    <a:schemeClr val="accent1">
+                      <a:shade val="50000"/>
+                    </a:schemeClr>
+                  </a:lnRef>
+                  <a:fillRef idx="1">
+                    <a:schemeClr val="accent1"/>
+                  </a:fillRef>
+                  <a:effectRef idx="0">
+                    <a:schemeClr val="accent1"/>
+                  </a:effectRef>
+                  <a:fontRef idx="minor">
+                    <a:schemeClr val="lt1"/>
+                  </a:fontRef>
+                </p:style>
+                <p:txBody>
+                  <a:bodyPr tIns="0" bIns="0" rtlCol="0" anchor="ctr"/>
+                  <a:lstStyle/>
+                  <a:p>
+                    <a:pPr algn="ctr"/>
+                    <a:r>
+                      <a:rPr lang="en-US" sz="1050" b="1" dirty="0">
+                        <a:solidFill>
+                          <a:schemeClr val="bg1"/>
+                        </a:solidFill>
+                        <a:latin typeface="Arial" panose="020B0604020202020204" pitchFamily="34" charset="0"/>
+                        <a:cs typeface="Arial" panose="020B0604020202020204" pitchFamily="34" charset="0"/>
+                      </a:rPr>
+                      <a:t>Hello</a:t>
+                    </a:r>
+                    <a:endParaRPr lang="en-US" sz="1100" b="1" dirty="0">
+                      <a:solidFill>
+                        <a:schemeClr val="bg1"/>
+                      </a:solidFill>
+                      <a:latin typeface="Arial" panose="020B0604020202020204" pitchFamily="34" charset="0"/>
+                      <a:cs typeface="Arial" panose="020B0604020202020204" pitchFamily="34" charset="0"/>
+                    </a:endParaRPr>
+                  </a:p>
+                </p:txBody>
+              </p:sp>
+            </p:grpSp>
+          </p:grpSp>
+        </p:grpSp>
+        <p:sp>
+          <p:nvSpPr>
+            <p:cNvPr id="2" name="Rectangle 1">
+              <a:extLst>
+                <a:ext uri="{FF2B5EF4-FFF2-40B4-BE49-F238E27FC236}">
+                  <a16:creationId xmlns:a16="http://schemas.microsoft.com/office/drawing/2014/main" id="{3D597B18-15D0-CE49-8921-55C8EFB43235}"/>
+                </a:ext>
+              </a:extLst>
+            </p:cNvPr>
+            <p:cNvSpPr/>
+            <p:nvPr/>
+          </p:nvSpPr>
           <p:spPr>
             <a:xfrm>
-              <a:off x="5820455" y="3270200"/>
-              <a:ext cx="1964320" cy="0"/>
+              <a:off x="4723382" y="5406548"/>
+              <a:ext cx="2744787" cy="914400"/>
             </a:xfrm>
-            <a:prstGeom prst="straightConnector1">
+            <a:prstGeom prst="rect">
               <a:avLst/>
             </a:prstGeom>
-            <a:ln w="50800">
-              <a:headEnd type="oval" w="sm" len="sm"/>
-              <a:tailEnd type="oval" w="med" len="med"/>
+            <a:noFill/>
+            <a:ln>
+              <a:noFill/>
             </a:ln>
           </p:spPr>
           <p:style>
-            <a:lnRef idx="1">
-              <a:schemeClr val="accent1"/>
+            <a:lnRef idx="2">
+              <a:schemeClr val="accent1">
+                <a:shade val="50000"/>
+              </a:schemeClr>
             </a:lnRef>
-            <a:fillRef idx="0">
+            <a:fillRef idx="1">
               <a:schemeClr val="accent1"/>
             </a:fillRef>
             <a:effectRef idx="0">
               <a:schemeClr val="accent1"/>
             </a:effectRef>
             <a:fontRef idx="minor">
-              <a:schemeClr val="tx1"/>
+              <a:schemeClr val="lt1"/>
             </a:fontRef>
           </p:style>
-        </p:cxnSp>
-        <p:cxnSp>
-          <p:nvCxnSpPr>
-            <p:cNvPr id="38" name="Straight Arrow Connector 37">
+          <p:txBody>
+            <a:bodyPr wrap="none" lIns="0" tIns="0" rIns="0" bIns="0" rtlCol="0" anchor="ctr"/>
+            <a:lstStyle/>
+            <a:p>
+              <a:pPr algn="ctr"/>
+              <a:r>
+                <a:rPr lang="en-US" sz="4800" b="1" dirty="0">
+                  <a:solidFill>
+                    <a:schemeClr val="tx1"/>
+                  </a:solidFill>
+                  <a:latin typeface="Courier" pitchFamily="2" charset="0"/>
+                </a:rPr>
+                <a:t>names</a:t>
+              </a:r>
+            </a:p>
+          </p:txBody>
+        </p:sp>
+        <p:grpSp>
+          <p:nvGrpSpPr>
+            <p:cNvPr id="3" name="Group 2">
               <a:extLst>
                 <a:ext uri="{FF2B5EF4-FFF2-40B4-BE49-F238E27FC236}">
-                  <a16:creationId xmlns:a16="http://schemas.microsoft.com/office/drawing/2014/main" id="{CC289A0C-C4AC-154F-B068-12D1CC7F4E0A}"/>
+                  <a16:creationId xmlns:a16="http://schemas.microsoft.com/office/drawing/2014/main" id="{6DD23E6C-B4CC-8A43-9C77-8FF8DCD975B1}"/>
                 </a:ext>
               </a:extLst>
             </p:cNvPr>
-            <p:cNvCxnSpPr>
-              <a:cxnSpLocks/>
-            </p:cNvCxnSpPr>
+            <p:cNvGrpSpPr/>
             <p:nvPr/>
-          </p:nvCxnSpPr>
-          <p:spPr>
-            <a:xfrm flipH="1">
-              <a:off x="5707271" y="4184344"/>
-              <a:ext cx="1732874" cy="0"/>
+          </p:nvGrpSpPr>
+          <p:grpSpPr>
+            <a:xfrm>
+              <a:off x="2790098" y="1398278"/>
+              <a:ext cx="6611354" cy="742496"/>
+              <a:chOff x="3036375" y="1025684"/>
+              <a:chExt cx="6013819" cy="742496"/>
             </a:xfrm>
-            <a:prstGeom prst="straightConnector1">
-              <a:avLst/>
-            </a:prstGeom>
-            <a:ln w="50800">
-              <a:headEnd type="none" w="med" len="med"/>
-              <a:tailEnd type="oval" w="med" len="med"/>
-            </a:ln>
-          </p:spPr>
-          <p:style>
-            <a:lnRef idx="1">
-              <a:schemeClr val="accent1"/>
-            </a:lnRef>
-            <a:fillRef idx="0">
-              <a:schemeClr val="accent1"/>
-            </a:fillRef>
-            <a:effectRef idx="0">
-              <a:schemeClr val="accent1"/>
-            </a:effectRef>
-            <a:fontRef idx="minor">
-              <a:schemeClr val="tx1"/>
-            </a:fontRef>
-          </p:style>
-        </p:cxnSp>
+          </p:grpSpPr>
+          <p:sp>
+            <p:nvSpPr>
+              <p:cNvPr id="13" name="Rectangle 12">
+                <a:extLst>
+                  <a:ext uri="{FF2B5EF4-FFF2-40B4-BE49-F238E27FC236}">
+                    <a16:creationId xmlns:a16="http://schemas.microsoft.com/office/drawing/2014/main" id="{013BCA9E-17D0-8446-8357-6E3E368D381C}"/>
+                  </a:ext>
+                </a:extLst>
+              </p:cNvPr>
+              <p:cNvSpPr/>
+              <p:nvPr/>
+            </p:nvSpPr>
+            <p:spPr>
+              <a:xfrm rot="19799829">
+                <a:off x="3036375" y="1025767"/>
+                <a:ext cx="2743200" cy="742413"/>
+              </a:xfrm>
+              <a:prstGeom prst="rect">
+                <a:avLst/>
+              </a:prstGeom>
+              <a:noFill/>
+              <a:ln>
+                <a:noFill/>
+              </a:ln>
+            </p:spPr>
+            <p:style>
+              <a:lnRef idx="2">
+                <a:schemeClr val="accent1">
+                  <a:shade val="50000"/>
+                </a:schemeClr>
+              </a:lnRef>
+              <a:fillRef idx="1">
+                <a:schemeClr val="accent1"/>
+              </a:fillRef>
+              <a:effectRef idx="0">
+                <a:schemeClr val="accent1"/>
+              </a:effectRef>
+              <a:fontRef idx="minor">
+                <a:schemeClr val="lt1"/>
+              </a:fontRef>
+            </p:style>
+            <p:txBody>
+              <a:bodyPr wrap="none" lIns="0" tIns="0" rIns="0" bIns="0" rtlCol="0" anchor="ctr"/>
+              <a:lstStyle/>
+              <a:p>
+                <a:pPr algn="ctr"/>
+                <a:r>
+                  <a:rPr lang="en-US" sz="4800" b="1" dirty="0">
+                    <a:solidFill>
+                      <a:schemeClr val="tx1"/>
+                    </a:solidFill>
+                    <a:latin typeface="Courier" pitchFamily="2" charset="0"/>
+                  </a:rPr>
+                  <a:t>neo</a:t>
+                </a:r>
+              </a:p>
+            </p:txBody>
+          </p:sp>
+          <p:sp>
+            <p:nvSpPr>
+              <p:cNvPr id="14" name="Rectangle 13">
+                <a:extLst>
+                  <a:ext uri="{FF2B5EF4-FFF2-40B4-BE49-F238E27FC236}">
+                    <a16:creationId xmlns:a16="http://schemas.microsoft.com/office/drawing/2014/main" id="{1EF8C4A7-970A-4548-83D0-0EFFCE2D8CA2}"/>
+                  </a:ext>
+                </a:extLst>
+              </p:cNvPr>
+              <p:cNvSpPr/>
+              <p:nvPr/>
+            </p:nvSpPr>
+            <p:spPr>
+              <a:xfrm rot="1799886">
+                <a:off x="6306994" y="1025684"/>
+                <a:ext cx="2743200" cy="742413"/>
+              </a:xfrm>
+              <a:prstGeom prst="rect">
+                <a:avLst/>
+              </a:prstGeom>
+              <a:noFill/>
+              <a:ln>
+                <a:noFill/>
+              </a:ln>
+            </p:spPr>
+            <p:style>
+              <a:lnRef idx="2">
+                <a:schemeClr val="accent1">
+                  <a:shade val="50000"/>
+                </a:schemeClr>
+              </a:lnRef>
+              <a:fillRef idx="1">
+                <a:schemeClr val="accent1"/>
+              </a:fillRef>
+              <a:effectRef idx="0">
+                <a:schemeClr val="accent1"/>
+              </a:effectRef>
+              <a:fontRef idx="minor">
+                <a:schemeClr val="lt1"/>
+              </a:fontRef>
+            </p:style>
+            <p:txBody>
+              <a:bodyPr wrap="none" lIns="0" tIns="0" rIns="0" bIns="0" rtlCol="0" anchor="ctr"/>
+              <a:lstStyle/>
+              <a:p>
+                <a:pPr algn="ctr"/>
+                <a:r>
+                  <a:rPr lang="en-US" sz="4800" b="1" dirty="0">
+                    <a:solidFill>
+                      <a:schemeClr val="tx1"/>
+                    </a:solidFill>
+                    <a:latin typeface="Courier" pitchFamily="2" charset="0"/>
+                  </a:rPr>
+                  <a:t>geo</a:t>
+                </a:r>
+              </a:p>
+            </p:txBody>
+          </p:sp>
+        </p:grpSp>
       </p:grpSp>
     </p:spTree>
     <p:extLst>
       <p:ext uri="{BB962C8B-B14F-4D97-AF65-F5344CB8AC3E}">
-        <p14:creationId xmlns:p14="http://schemas.microsoft.com/office/powerpoint/2010/main" val="1910694264"/>
+        <p14:creationId xmlns:p14="http://schemas.microsoft.com/office/powerpoint/2010/main" val="498793015"/>
       </p:ext>
     </p:extLst>
   </p:cSld>

--- a/man/figures/logo.pptx
+++ b/man/figures/logo.pptx
@@ -6366,10 +6366,10 @@
       </p:grpSpPr>
       <p:grpSp>
         <p:nvGrpSpPr>
-          <p:cNvPr id="4" name="Group 3">
+          <p:cNvPr id="8" name="Group 7">
             <a:extLst>
               <a:ext uri="{FF2B5EF4-FFF2-40B4-BE49-F238E27FC236}">
-                <a16:creationId xmlns:a16="http://schemas.microsoft.com/office/drawing/2014/main" id="{A3A10822-A29E-FA4E-ABC5-872C7BE113A4}"/>
+                <a16:creationId xmlns:a16="http://schemas.microsoft.com/office/drawing/2014/main" id="{19C2CE7B-DBE6-7143-A67F-B052D13D60DF}"/>
               </a:ext>
             </a:extLst>
           </p:cNvPr>
@@ -6639,10 +6639,10 @@
           </p:nvGrpSpPr>
           <p:grpSpPr>
             <a:xfrm>
-              <a:off x="3466875" y="510418"/>
-              <a:ext cx="5257800" cy="5947374"/>
-              <a:chOff x="3467100" y="519296"/>
-              <a:chExt cx="5257800" cy="5947374"/>
+              <a:off x="3466875" y="565327"/>
+              <a:ext cx="5257800" cy="5910221"/>
+              <a:chOff x="3467100" y="574205"/>
+              <a:chExt cx="5257800" cy="5910221"/>
             </a:xfrm>
           </p:grpSpPr>
           <p:pic>
@@ -6673,7 +6673,7 @@
             </p:blipFill>
             <p:spPr>
               <a:xfrm>
-                <a:off x="3467100" y="1208870"/>
+                <a:off x="3467100" y="1226626"/>
                 <a:ext cx="5257800" cy="5257800"/>
               </a:xfrm>
               <a:prstGeom prst="rect">
@@ -6697,14 +6697,14 @@
             </p:nvSpPr>
             <p:spPr>
               <a:xfrm>
-                <a:off x="5433060" y="519296"/>
-                <a:ext cx="1325880" cy="1325880"/>
+                <a:off x="5478897" y="574205"/>
+                <a:ext cx="1234656" cy="1234656"/>
               </a:xfrm>
               <a:prstGeom prst="ellipse">
                 <a:avLst/>
               </a:prstGeom>
               <a:noFill/>
-              <a:ln w="139700" cmpd="dbl">
+              <a:ln w="203200" cmpd="dbl">
                 <a:solidFill>
                   <a:schemeClr val="tx1"/>
                 </a:solidFill>
@@ -7021,7 +7021,7 @@
           </p:nvSpPr>
           <p:spPr>
             <a:xfrm>
-              <a:off x="4723382" y="5406548"/>
+              <a:off x="4723382" y="5388792"/>
               <a:ext cx="2744787" cy="914400"/>
             </a:xfrm>
             <a:prstGeom prst="rect">
@@ -7079,7 +7079,7 @@
           </p:nvGrpSpPr>
           <p:grpSpPr>
             <a:xfrm>
-              <a:off x="2790098" y="1398278"/>
+              <a:off x="2790098" y="1469302"/>
               <a:ext cx="6611354" cy="742496"/>
               <a:chOff x="3036375" y="1025684"/>
               <a:chExt cx="6013819" cy="742496"/>

--- a/man/figures/logo.pptx
+++ b/man/figures/logo.pptx
@@ -6366,10 +6366,10 @@
       </p:grpSpPr>
       <p:grpSp>
         <p:nvGrpSpPr>
-          <p:cNvPr id="8" name="Group 7">
+          <p:cNvPr id="10" name="Group 9">
             <a:extLst>
               <a:ext uri="{FF2B5EF4-FFF2-40B4-BE49-F238E27FC236}">
-                <a16:creationId xmlns:a16="http://schemas.microsoft.com/office/drawing/2014/main" id="{19C2CE7B-DBE6-7143-A67F-B052D13D60DF}"/>
+                <a16:creationId xmlns:a16="http://schemas.microsoft.com/office/drawing/2014/main" id="{46D920ED-79B0-8445-A883-8694345B6A11}"/>
               </a:ext>
             </a:extLst>
           </p:cNvPr>
@@ -6378,10 +6378,10 @@
         </p:nvGrpSpPr>
         <p:grpSpPr>
           <a:xfrm>
-            <a:off x="2790098" y="14046"/>
-            <a:ext cx="6611354" cy="6829908"/>
-            <a:chOff x="2790098" y="14046"/>
-            <a:chExt cx="6611354" cy="6829908"/>
+            <a:off x="3139950" y="14046"/>
+            <a:ext cx="5912100" cy="6829908"/>
+            <a:chOff x="3139725" y="14046"/>
+            <a:chExt cx="5912100" cy="6829908"/>
           </a:xfrm>
         </p:grpSpPr>
         <p:sp>
@@ -6625,12 +6625,107 @@
             </a:p>
           </p:txBody>
         </p:sp>
+        <p:pic>
+          <p:nvPicPr>
+            <p:cNvPr id="42" name="Graphic 41" descr="Suit">
+              <a:extLst>
+                <a:ext uri="{FF2B5EF4-FFF2-40B4-BE49-F238E27FC236}">
+                  <a16:creationId xmlns:a16="http://schemas.microsoft.com/office/drawing/2014/main" id="{AA38583C-16C4-1D41-B2EA-5B5B919D9A31}"/>
+                </a:ext>
+              </a:extLst>
+            </p:cNvPr>
+            <p:cNvPicPr>
+              <a:picLocks noChangeAspect="1"/>
+            </p:cNvPicPr>
+            <p:nvPr/>
+          </p:nvPicPr>
+          <p:blipFill>
+            <a:blip r:embed="rId2">
+              <a:extLst>
+                <a:ext uri="{96DAC541-7B7A-43D3-8B79-37D633B846F1}">
+                  <asvg:svgBlip xmlns:asvg="http://schemas.microsoft.com/office/drawing/2016/SVG/main" r:embed="rId3"/>
+                </a:ext>
+              </a:extLst>
+            </a:blip>
+            <a:stretch>
+              <a:fillRect/>
+            </a:stretch>
+          </p:blipFill>
+          <p:spPr>
+            <a:xfrm>
+              <a:off x="3581175" y="1302801"/>
+              <a:ext cx="5029200" cy="5029200"/>
+            </a:xfrm>
+            <a:prstGeom prst="rect">
+              <a:avLst/>
+            </a:prstGeom>
+          </p:spPr>
+        </p:pic>
+        <p:sp>
+          <p:nvSpPr>
+            <p:cNvPr id="56" name="Oval 55">
+              <a:extLst>
+                <a:ext uri="{FF2B5EF4-FFF2-40B4-BE49-F238E27FC236}">
+                  <a16:creationId xmlns:a16="http://schemas.microsoft.com/office/drawing/2014/main" id="{29DAC5E5-0C5A-264D-A948-7C425672456C}"/>
+                </a:ext>
+              </a:extLst>
+            </p:cNvPr>
+            <p:cNvSpPr>
+              <a:spLocks noChangeAspect="1"/>
+            </p:cNvSpPr>
+            <p:nvPr/>
+          </p:nvSpPr>
+          <p:spPr>
+            <a:xfrm>
+              <a:off x="5478447" y="588637"/>
+              <a:ext cx="1234656" cy="1234656"/>
+            </a:xfrm>
+            <a:prstGeom prst="ellipse">
+              <a:avLst/>
+            </a:prstGeom>
+            <a:noFill/>
+            <a:ln w="203200" cmpd="dbl">
+              <a:solidFill>
+                <a:schemeClr val="tx1"/>
+              </a:solidFill>
+            </a:ln>
+          </p:spPr>
+          <p:style>
+            <a:lnRef idx="2">
+              <a:schemeClr val="accent1">
+                <a:shade val="50000"/>
+              </a:schemeClr>
+            </a:lnRef>
+            <a:fillRef idx="1">
+              <a:schemeClr val="accent1"/>
+            </a:fillRef>
+            <a:effectRef idx="0">
+              <a:schemeClr val="accent1"/>
+            </a:effectRef>
+            <a:fontRef idx="minor">
+              <a:schemeClr val="lt1"/>
+            </a:fontRef>
+          </p:style>
+          <p:txBody>
+            <a:bodyPr wrap="none" lIns="0" tIns="0" rIns="0" bIns="0" rtlCol="0" anchor="ctr"/>
+            <a:lstStyle/>
+            <a:p>
+              <a:pPr algn="ctr"/>
+              <a:endParaRPr lang="en-US" sz="2000" b="1" dirty="0">
+                <a:solidFill>
+                  <a:schemeClr val="tx1"/>
+                </a:solidFill>
+                <a:latin typeface="Courier" pitchFamily="2" charset="0"/>
+              </a:endParaRPr>
+            </a:p>
+          </p:txBody>
+        </p:sp>
         <p:grpSp>
           <p:nvGrpSpPr>
-            <p:cNvPr id="59" name="Group 58">
+            <p:cNvPr id="9" name="Group 8">
               <a:extLst>
                 <a:ext uri="{FF2B5EF4-FFF2-40B4-BE49-F238E27FC236}">
-                  <a16:creationId xmlns:a16="http://schemas.microsoft.com/office/drawing/2014/main" id="{F0FFF977-9B1F-CB47-9DC6-B3267976E646}"/>
+                  <a16:creationId xmlns:a16="http://schemas.microsoft.com/office/drawing/2014/main" id="{8470CCBD-A67E-CF4A-86EA-A7B69B9C4E1A}"/>
                 </a:ext>
               </a:extLst>
             </p:cNvPr>
@@ -6639,75 +6734,37 @@
           </p:nvGrpSpPr>
           <p:grpSpPr>
             <a:xfrm>
-              <a:off x="3466875" y="565327"/>
-              <a:ext cx="5257800" cy="5910221"/>
-              <a:chOff x="3467100" y="574205"/>
-              <a:chExt cx="5257800" cy="5910221"/>
+              <a:off x="6291640" y="2218014"/>
+              <a:ext cx="914400" cy="613497"/>
+              <a:chOff x="6291640" y="2218014"/>
+              <a:chExt cx="914400" cy="613497"/>
             </a:xfrm>
           </p:grpSpPr>
-          <p:pic>
-            <p:nvPicPr>
-              <p:cNvPr id="42" name="Graphic 41" descr="Suit">
+          <p:sp>
+            <p:nvSpPr>
+              <p:cNvPr id="44" name="Rounded Rectangle 43">
                 <a:extLst>
                   <a:ext uri="{FF2B5EF4-FFF2-40B4-BE49-F238E27FC236}">
-                    <a16:creationId xmlns:a16="http://schemas.microsoft.com/office/drawing/2014/main" id="{AA38583C-16C4-1D41-B2EA-5B5B919D9A31}"/>
+                    <a16:creationId xmlns:a16="http://schemas.microsoft.com/office/drawing/2014/main" id="{C582140C-FDB0-B84D-B35E-64582B570A90}"/>
                   </a:ext>
                 </a:extLst>
               </p:cNvPr>
-              <p:cNvPicPr>
-                <a:picLocks noChangeAspect="1"/>
-              </p:cNvPicPr>
-              <p:nvPr/>
-            </p:nvPicPr>
-            <p:blipFill>
-              <a:blip r:embed="rId2">
-                <a:extLst>
-                  <a:ext uri="{96DAC541-7B7A-43D3-8B79-37D633B846F1}">
-                    <asvg:svgBlip xmlns:asvg="http://schemas.microsoft.com/office/drawing/2016/SVG/main" r:embed="rId3"/>
-                  </a:ext>
-                </a:extLst>
-              </a:blip>
-              <a:stretch>
-                <a:fillRect/>
-              </a:stretch>
-            </p:blipFill>
-            <p:spPr>
-              <a:xfrm>
-                <a:off x="3467100" y="1226626"/>
-                <a:ext cx="5257800" cy="5257800"/>
-              </a:xfrm>
-              <a:prstGeom prst="rect">
-                <a:avLst/>
-              </a:prstGeom>
-            </p:spPr>
-          </p:pic>
-          <p:sp>
-            <p:nvSpPr>
-              <p:cNvPr id="56" name="Oval 55">
-                <a:extLst>
-                  <a:ext uri="{FF2B5EF4-FFF2-40B4-BE49-F238E27FC236}">
-                    <a16:creationId xmlns:a16="http://schemas.microsoft.com/office/drawing/2014/main" id="{29DAC5E5-0C5A-264D-A948-7C425672456C}"/>
-                  </a:ext>
-                </a:extLst>
-              </p:cNvPr>
-              <p:cNvSpPr>
-                <a:spLocks noChangeAspect="1"/>
-              </p:cNvSpPr>
+              <p:cNvSpPr/>
               <p:nvPr/>
             </p:nvSpPr>
             <p:spPr>
               <a:xfrm>
-                <a:off x="5478897" y="574205"/>
-                <a:ext cx="1234656" cy="1234656"/>
+                <a:off x="6291640" y="2218014"/>
+                <a:ext cx="914400" cy="613497"/>
               </a:xfrm>
-              <a:prstGeom prst="ellipse">
+              <a:prstGeom prst="roundRect">
                 <a:avLst/>
               </a:prstGeom>
-              <a:noFill/>
-              <a:ln w="203200" cmpd="dbl">
-                <a:solidFill>
-                  <a:schemeClr val="tx1"/>
-                </a:solidFill>
+              <a:solidFill>
+                <a:srgbClr val="FF0000"/>
+              </a:solidFill>
+              <a:ln>
+                <a:noFill/>
               </a:ln>
             </p:spPr>
             <p:style>
@@ -6727,25 +6784,80 @@
               </a:fontRef>
             </p:style>
             <p:txBody>
-              <a:bodyPr wrap="none" lIns="0" tIns="0" rIns="0" bIns="0" rtlCol="0" anchor="ctr"/>
+              <a:bodyPr rtlCol="0" anchor="ctr"/>
               <a:lstStyle/>
               <a:p>
                 <a:pPr algn="ctr"/>
-                <a:endParaRPr lang="en-US" sz="2000" b="1" dirty="0">
-                  <a:solidFill>
-                    <a:schemeClr val="tx1"/>
-                  </a:solidFill>
-                  <a:latin typeface="Courier" pitchFamily="2" charset="0"/>
-                </a:endParaRPr>
+                <a:endParaRPr lang="en-US" sz="600" i="1" dirty="0"/>
+              </a:p>
+            </p:txBody>
+          </p:sp>
+          <p:sp>
+            <p:nvSpPr>
+              <p:cNvPr id="45" name="Rectangle 44">
+                <a:extLst>
+                  <a:ext uri="{FF2B5EF4-FFF2-40B4-BE49-F238E27FC236}">
+                    <a16:creationId xmlns:a16="http://schemas.microsoft.com/office/drawing/2014/main" id="{07630879-C065-0243-AA6C-664B62D4C3E2}"/>
+                  </a:ext>
+                </a:extLst>
+              </p:cNvPr>
+              <p:cNvSpPr/>
+              <p:nvPr/>
+            </p:nvSpPr>
+            <p:spPr>
+              <a:xfrm>
+                <a:off x="6291640" y="2436852"/>
+                <a:ext cx="914400" cy="320040"/>
+              </a:xfrm>
+              <a:prstGeom prst="rect">
+                <a:avLst/>
+              </a:prstGeom>
+              <a:solidFill>
+                <a:schemeClr val="bg1"/>
+              </a:solidFill>
+              <a:ln>
+                <a:noFill/>
+              </a:ln>
+            </p:spPr>
+            <p:style>
+              <a:lnRef idx="2">
+                <a:schemeClr val="accent1">
+                  <a:shade val="50000"/>
+                </a:schemeClr>
+              </a:lnRef>
+              <a:fillRef idx="1">
+                <a:schemeClr val="accent1"/>
+              </a:fillRef>
+              <a:effectRef idx="0">
+                <a:schemeClr val="accent1"/>
+              </a:effectRef>
+              <a:fontRef idx="minor">
+                <a:schemeClr val="lt1"/>
+              </a:fontRef>
+            </p:style>
+            <p:txBody>
+              <a:bodyPr wrap="none" rtlCol="0" anchor="ctr"/>
+              <a:lstStyle/>
+              <a:p>
+                <a:pPr algn="ctr"/>
+                <a:r>
+                  <a:rPr lang="en-US" sz="1050" b="1" dirty="0">
+                    <a:solidFill>
+                      <a:schemeClr val="tx1"/>
+                    </a:solidFill>
+                    <a:latin typeface="Courier" pitchFamily="2" charset="0"/>
+                  </a:rPr>
+                  <a:t>US.VA.059</a:t>
+                </a:r>
               </a:p>
             </p:txBody>
           </p:sp>
           <p:grpSp>
             <p:nvGrpSpPr>
-              <p:cNvPr id="57" name="Group 56">
+              <p:cNvPr id="49" name="Group 48">
                 <a:extLst>
                   <a:ext uri="{FF2B5EF4-FFF2-40B4-BE49-F238E27FC236}">
-                    <a16:creationId xmlns:a16="http://schemas.microsoft.com/office/drawing/2014/main" id="{4C92C984-F797-9B4D-A371-690BB0AABAF1}"/>
+                    <a16:creationId xmlns:a16="http://schemas.microsoft.com/office/drawing/2014/main" id="{E8D62279-8BEB-EF46-B13C-78BEAAE1D0F2}"/>
                   </a:ext>
                 </a:extLst>
               </p:cNvPr>
@@ -6754,18 +6866,18 @@
             </p:nvGrpSpPr>
             <p:grpSpPr>
               <a:xfrm>
-                <a:off x="6324600" y="2208141"/>
-                <a:ext cx="914400" cy="613497"/>
-                <a:chOff x="6381398" y="2197631"/>
-                <a:chExt cx="914400" cy="613497"/>
+                <a:off x="6467384" y="2234948"/>
+                <a:ext cx="562912" cy="184970"/>
+                <a:chOff x="10527402" y="4432299"/>
+                <a:chExt cx="587793" cy="193146"/>
               </a:xfrm>
             </p:grpSpPr>
             <p:sp>
               <p:nvSpPr>
-                <p:cNvPr id="44" name="Rounded Rectangle 43">
+                <p:cNvPr id="47" name="Rectangle 46">
                   <a:extLst>
                     <a:ext uri="{FF2B5EF4-FFF2-40B4-BE49-F238E27FC236}">
-                      <a16:creationId xmlns:a16="http://schemas.microsoft.com/office/drawing/2014/main" id="{C582140C-FDB0-B84D-B35E-64582B570A90}"/>
+                      <a16:creationId xmlns:a16="http://schemas.microsoft.com/office/drawing/2014/main" id="{2B8F79B4-38E0-224D-9914-DAE4EAC71AA7}"/>
                     </a:ext>
                   </a:extLst>
                 </p:cNvPr>
@@ -6774,10 +6886,54 @@
               </p:nvSpPr>
               <p:spPr>
                 <a:xfrm>
-                  <a:off x="6381398" y="2197631"/>
-                  <a:ext cx="914400" cy="613497"/>
+                  <a:off x="10527402" y="4537030"/>
+                  <a:ext cx="587793" cy="88415"/>
                 </a:xfrm>
-                <a:prstGeom prst="roundRect">
+                <a:prstGeom prst="rect">
+                  <a:avLst/>
+                </a:prstGeom>
+                <a:solidFill>
+                  <a:srgbClr val="FF0000"/>
+                </a:solidFill>
+              </p:spPr>
+              <p:txBody>
+                <a:bodyPr wrap="square" lIns="0" tIns="0" rIns="0" bIns="0">
+                  <a:spAutoFit/>
+                </a:bodyPr>
+                <a:lstStyle/>
+                <a:p>
+                  <a:pPr lvl="0" algn="ctr"/>
+                  <a:r>
+                    <a:rPr lang="en-US" sz="500" dirty="0">
+                      <a:solidFill>
+                        <a:prstClr val="white"/>
+                      </a:solidFill>
+                      <a:latin typeface="Arial" panose="020B0604020202020204" pitchFamily="34" charset="0"/>
+                      <a:cs typeface="Arial" panose="020B0604020202020204" pitchFamily="34" charset="0"/>
+                    </a:rPr>
+                    <a:t>my name is</a:t>
+                  </a:r>
+                </a:p>
+              </p:txBody>
+            </p:sp>
+            <p:sp>
+              <p:nvSpPr>
+                <p:cNvPr id="48" name="Rectangle 47">
+                  <a:extLst>
+                    <a:ext uri="{FF2B5EF4-FFF2-40B4-BE49-F238E27FC236}">
+                      <a16:creationId xmlns:a16="http://schemas.microsoft.com/office/drawing/2014/main" id="{8194BA9E-EFC5-9244-969C-9319F8BB5EBF}"/>
+                    </a:ext>
+                  </a:extLst>
+                </p:cNvPr>
+                <p:cNvSpPr/>
+                <p:nvPr/>
+              </p:nvSpPr>
+              <p:spPr>
+                <a:xfrm>
+                  <a:off x="10527402" y="4432299"/>
+                  <a:ext cx="587793" cy="117431"/>
+                </a:xfrm>
+                <a:prstGeom prst="rect">
                   <a:avLst/>
                 </a:prstGeom>
                 <a:solidFill>
@@ -6804,207 +6960,30 @@
                 </a:fontRef>
               </p:style>
               <p:txBody>
-                <a:bodyPr rtlCol="0" anchor="ctr"/>
-                <a:lstStyle/>
-                <a:p>
-                  <a:pPr algn="ctr"/>
-                  <a:endParaRPr lang="en-US" sz="600" i="1" dirty="0"/>
-                </a:p>
-              </p:txBody>
-            </p:sp>
-            <p:sp>
-              <p:nvSpPr>
-                <p:cNvPr id="45" name="Rectangle 44">
-                  <a:extLst>
-                    <a:ext uri="{FF2B5EF4-FFF2-40B4-BE49-F238E27FC236}">
-                      <a16:creationId xmlns:a16="http://schemas.microsoft.com/office/drawing/2014/main" id="{07630879-C065-0243-AA6C-664B62D4C3E2}"/>
-                    </a:ext>
-                  </a:extLst>
-                </p:cNvPr>
-                <p:cNvSpPr/>
-                <p:nvPr/>
-              </p:nvSpPr>
-              <p:spPr>
-                <a:xfrm>
-                  <a:off x="6381398" y="2416469"/>
-                  <a:ext cx="914400" cy="320040"/>
-                </a:xfrm>
-                <a:prstGeom prst="rect">
-                  <a:avLst/>
-                </a:prstGeom>
-                <a:solidFill>
-                  <a:schemeClr val="bg1"/>
-                </a:solidFill>
-                <a:ln>
-                  <a:noFill/>
-                </a:ln>
-              </p:spPr>
-              <p:style>
-                <a:lnRef idx="2">
-                  <a:schemeClr val="accent1">
-                    <a:shade val="50000"/>
-                  </a:schemeClr>
-                </a:lnRef>
-                <a:fillRef idx="1">
-                  <a:schemeClr val="accent1"/>
-                </a:fillRef>
-                <a:effectRef idx="0">
-                  <a:schemeClr val="accent1"/>
-                </a:effectRef>
-                <a:fontRef idx="minor">
-                  <a:schemeClr val="lt1"/>
-                </a:fontRef>
-              </p:style>
-              <p:txBody>
-                <a:bodyPr wrap="none" rtlCol="0" anchor="ctr"/>
+                <a:bodyPr tIns="0" bIns="0" rtlCol="0" anchor="ctr"/>
                 <a:lstStyle/>
                 <a:p>
                   <a:pPr algn="ctr"/>
                   <a:r>
                     <a:rPr lang="en-US" sz="1050" b="1" dirty="0">
                       <a:solidFill>
-                        <a:schemeClr val="tx1"/>
-                      </a:solidFill>
-                      <a:latin typeface="Courier" pitchFamily="2" charset="0"/>
-                    </a:rPr>
-                    <a:t>US.VA.059</a:t>
-                  </a:r>
-                </a:p>
-              </p:txBody>
-            </p:sp>
-            <p:grpSp>
-              <p:nvGrpSpPr>
-                <p:cNvPr id="49" name="Group 48">
-                  <a:extLst>
-                    <a:ext uri="{FF2B5EF4-FFF2-40B4-BE49-F238E27FC236}">
-                      <a16:creationId xmlns:a16="http://schemas.microsoft.com/office/drawing/2014/main" id="{E8D62279-8BEB-EF46-B13C-78BEAAE1D0F2}"/>
-                    </a:ext>
-                  </a:extLst>
-                </p:cNvPr>
-                <p:cNvGrpSpPr/>
-                <p:nvPr/>
-              </p:nvGrpSpPr>
-              <p:grpSpPr>
-                <a:xfrm>
-                  <a:off x="6557142" y="2214565"/>
-                  <a:ext cx="562912" cy="184970"/>
-                  <a:chOff x="10527402" y="4432299"/>
-                  <a:chExt cx="587793" cy="193146"/>
-                </a:xfrm>
-              </p:grpSpPr>
-              <p:sp>
-                <p:nvSpPr>
-                  <p:cNvPr id="47" name="Rectangle 46">
-                    <a:extLst>
-                      <a:ext uri="{FF2B5EF4-FFF2-40B4-BE49-F238E27FC236}">
-                        <a16:creationId xmlns:a16="http://schemas.microsoft.com/office/drawing/2014/main" id="{2B8F79B4-38E0-224D-9914-DAE4EAC71AA7}"/>
-                      </a:ext>
-                    </a:extLst>
-                  </p:cNvPr>
-                  <p:cNvSpPr/>
-                  <p:nvPr/>
-                </p:nvSpPr>
-                <p:spPr>
-                  <a:xfrm>
-                    <a:off x="10527402" y="4537030"/>
-                    <a:ext cx="587793" cy="88415"/>
-                  </a:xfrm>
-                  <a:prstGeom prst="rect">
-                    <a:avLst/>
-                  </a:prstGeom>
-                  <a:solidFill>
-                    <a:srgbClr val="FF0000"/>
-                  </a:solidFill>
-                </p:spPr>
-                <p:txBody>
-                  <a:bodyPr wrap="square" lIns="0" tIns="0" rIns="0" bIns="0">
-                    <a:spAutoFit/>
-                  </a:bodyPr>
-                  <a:lstStyle/>
-                  <a:p>
-                    <a:pPr lvl="0" algn="ctr"/>
-                    <a:r>
-                      <a:rPr lang="en-US" sz="500" dirty="0">
-                        <a:solidFill>
-                          <a:prstClr val="white"/>
-                        </a:solidFill>
-                        <a:latin typeface="Arial" panose="020B0604020202020204" pitchFamily="34" charset="0"/>
-                        <a:cs typeface="Arial" panose="020B0604020202020204" pitchFamily="34" charset="0"/>
-                      </a:rPr>
-                      <a:t>my name is</a:t>
-                    </a:r>
-                  </a:p>
-                </p:txBody>
-              </p:sp>
-              <p:sp>
-                <p:nvSpPr>
-                  <p:cNvPr id="48" name="Rectangle 47">
-                    <a:extLst>
-                      <a:ext uri="{FF2B5EF4-FFF2-40B4-BE49-F238E27FC236}">
-                        <a16:creationId xmlns:a16="http://schemas.microsoft.com/office/drawing/2014/main" id="{8194BA9E-EFC5-9244-969C-9319F8BB5EBF}"/>
-                      </a:ext>
-                    </a:extLst>
-                  </p:cNvPr>
-                  <p:cNvSpPr/>
-                  <p:nvPr/>
-                </p:nvSpPr>
-                <p:spPr>
-                  <a:xfrm>
-                    <a:off x="10527402" y="4432299"/>
-                    <a:ext cx="587793" cy="117431"/>
-                  </a:xfrm>
-                  <a:prstGeom prst="rect">
-                    <a:avLst/>
-                  </a:prstGeom>
-                  <a:solidFill>
-                    <a:srgbClr val="FF0000"/>
-                  </a:solidFill>
-                  <a:ln>
-                    <a:noFill/>
-                  </a:ln>
-                </p:spPr>
-                <p:style>
-                  <a:lnRef idx="2">
-                    <a:schemeClr val="accent1">
-                      <a:shade val="50000"/>
-                    </a:schemeClr>
-                  </a:lnRef>
-                  <a:fillRef idx="1">
-                    <a:schemeClr val="accent1"/>
-                  </a:fillRef>
-                  <a:effectRef idx="0">
-                    <a:schemeClr val="accent1"/>
-                  </a:effectRef>
-                  <a:fontRef idx="minor">
-                    <a:schemeClr val="lt1"/>
-                  </a:fontRef>
-                </p:style>
-                <p:txBody>
-                  <a:bodyPr tIns="0" bIns="0" rtlCol="0" anchor="ctr"/>
-                  <a:lstStyle/>
-                  <a:p>
-                    <a:pPr algn="ctr"/>
-                    <a:r>
-                      <a:rPr lang="en-US" sz="1050" b="1" dirty="0">
-                        <a:solidFill>
-                          <a:schemeClr val="bg1"/>
-                        </a:solidFill>
-                        <a:latin typeface="Arial" panose="020B0604020202020204" pitchFamily="34" charset="0"/>
-                        <a:cs typeface="Arial" panose="020B0604020202020204" pitchFamily="34" charset="0"/>
-                      </a:rPr>
-                      <a:t>Hello</a:t>
-                    </a:r>
-                    <a:endParaRPr lang="en-US" sz="1100" b="1" dirty="0">
-                      <a:solidFill>
                         <a:schemeClr val="bg1"/>
                       </a:solidFill>
                       <a:latin typeface="Arial" panose="020B0604020202020204" pitchFamily="34" charset="0"/>
                       <a:cs typeface="Arial" panose="020B0604020202020204" pitchFamily="34" charset="0"/>
-                    </a:endParaRPr>
-                  </a:p>
-                </p:txBody>
-              </p:sp>
-            </p:grpSp>
+                    </a:rPr>
+                    <a:t>Hello</a:t>
+                  </a:r>
+                  <a:endParaRPr lang="en-US" sz="1100" b="1" dirty="0">
+                    <a:solidFill>
+                      <a:schemeClr val="bg1"/>
+                    </a:solidFill>
+                    <a:latin typeface="Arial" panose="020B0604020202020204" pitchFamily="34" charset="0"/>
+                    <a:cs typeface="Arial" panose="020B0604020202020204" pitchFamily="34" charset="0"/>
+                  </a:endParaRPr>
+                </a:p>
+              </p:txBody>
+            </p:sp>
           </p:grpSp>
         </p:grpSp>
         <p:sp>
@@ -7021,8 +7000,8 @@
           </p:nvSpPr>
           <p:spPr>
             <a:xfrm>
-              <a:off x="4723382" y="5388792"/>
-              <a:ext cx="2744787" cy="914400"/>
+              <a:off x="4723382" y="5430751"/>
+              <a:ext cx="2744787" cy="714597"/>
             </a:xfrm>
             <a:prstGeom prst="rect">
               <a:avLst/>
@@ -7079,8 +7058,8 @@
           </p:nvGrpSpPr>
           <p:grpSpPr>
             <a:xfrm>
-              <a:off x="2790098" y="1469302"/>
-              <a:ext cx="6611354" cy="742496"/>
+              <a:off x="3733135" y="1563803"/>
+              <a:ext cx="4725731" cy="742496"/>
               <a:chOff x="3036375" y="1025684"/>
               <a:chExt cx="6013819" cy="742496"/>
             </a:xfrm>

--- a/man/figures/logo.pptx
+++ b/man/figures/logo.pptx
@@ -6366,10 +6366,10 @@
       </p:grpSpPr>
       <p:grpSp>
         <p:nvGrpSpPr>
-          <p:cNvPr id="10" name="Group 9">
+          <p:cNvPr id="19" name="Group 18">
             <a:extLst>
               <a:ext uri="{FF2B5EF4-FFF2-40B4-BE49-F238E27FC236}">
-                <a16:creationId xmlns:a16="http://schemas.microsoft.com/office/drawing/2014/main" id="{46D920ED-79B0-8445-A883-8694345B6A11}"/>
+                <a16:creationId xmlns:a16="http://schemas.microsoft.com/office/drawing/2014/main" id="{5A0236B9-8184-8C4E-AF7C-5090361DA990}"/>
               </a:ext>
             </a:extLst>
           </p:cNvPr>
@@ -6378,10 +6378,10 @@
         </p:nvGrpSpPr>
         <p:grpSpPr>
           <a:xfrm>
-            <a:off x="3139950" y="14046"/>
-            <a:ext cx="5912100" cy="6829908"/>
-            <a:chOff x="3139725" y="14046"/>
-            <a:chExt cx="5912100" cy="6829908"/>
+            <a:off x="2967182" y="14046"/>
+            <a:ext cx="6257633" cy="6829908"/>
+            <a:chOff x="2967182" y="14046"/>
+            <a:chExt cx="6257633" cy="6829908"/>
           </a:xfrm>
         </p:grpSpPr>
         <p:sp>
@@ -6398,7 +6398,7 @@
           </p:nvSpPr>
           <p:spPr>
             <a:xfrm>
-              <a:off x="3139725" y="14046"/>
+              <a:off x="3139949" y="14046"/>
               <a:ext cx="5912100" cy="6829908"/>
             </a:xfrm>
             <a:custGeom>
@@ -6653,7 +6653,7 @@
           </p:blipFill>
           <p:spPr>
             <a:xfrm>
-              <a:off x="3581175" y="1302801"/>
+              <a:off x="3581400" y="1302801"/>
               <a:ext cx="5029200" cy="5029200"/>
             </a:xfrm>
             <a:prstGeom prst="rect">
@@ -6677,7 +6677,7 @@
           </p:nvSpPr>
           <p:spPr>
             <a:xfrm>
-              <a:off x="5478447" y="588637"/>
+              <a:off x="5478672" y="588637"/>
               <a:ext cx="1234656" cy="1234656"/>
             </a:xfrm>
             <a:prstGeom prst="ellipse">
@@ -6734,7 +6734,7 @@
           </p:nvGrpSpPr>
           <p:grpSpPr>
             <a:xfrm>
-              <a:off x="6291640" y="2218014"/>
+              <a:off x="6291865" y="2218014"/>
               <a:ext cx="914400" cy="613497"/>
               <a:chOff x="6291640" y="2218014"/>
               <a:chExt cx="914400" cy="613497"/>
@@ -7000,7 +7000,7 @@
           </p:nvSpPr>
           <p:spPr>
             <a:xfrm>
-              <a:off x="4723382" y="5430751"/>
+              <a:off x="4723605" y="5423721"/>
               <a:ext cx="2744787" cy="714597"/>
             </a:xfrm>
             <a:prstGeom prst="rect">
@@ -7058,8 +7058,8 @@
           </p:nvGrpSpPr>
           <p:grpSpPr>
             <a:xfrm>
-              <a:off x="3733135" y="1563803"/>
-              <a:ext cx="4725731" cy="742496"/>
+              <a:off x="2967182" y="1548682"/>
+              <a:ext cx="6257633" cy="742496"/>
               <a:chOff x="3036375" y="1025684"/>
               <a:chExt cx="6013819" cy="742496"/>
             </a:xfrm>

--- a/man/figures/logo.pptx
+++ b/man/figures/logo.pptx
@@ -6366,10 +6366,10 @@
       </p:grpSpPr>
       <p:grpSp>
         <p:nvGrpSpPr>
-          <p:cNvPr id="19" name="Group 18">
+          <p:cNvPr id="21" name="Group 20">
             <a:extLst>
               <a:ext uri="{FF2B5EF4-FFF2-40B4-BE49-F238E27FC236}">
-                <a16:creationId xmlns:a16="http://schemas.microsoft.com/office/drawing/2014/main" id="{5A0236B9-8184-8C4E-AF7C-5090361DA990}"/>
+                <a16:creationId xmlns:a16="http://schemas.microsoft.com/office/drawing/2014/main" id="{0FBC78F6-CAB2-E541-B57F-F1B10E08E5AE}"/>
               </a:ext>
             </a:extLst>
           </p:cNvPr>
@@ -6384,6 +6384,61 @@
             <a:chExt cx="6257633" cy="6829908"/>
           </a:xfrm>
         </p:grpSpPr>
+        <p:sp>
+          <p:nvSpPr>
+            <p:cNvPr id="20" name="Hexagon 19">
+              <a:extLst>
+                <a:ext uri="{FF2B5EF4-FFF2-40B4-BE49-F238E27FC236}">
+                  <a16:creationId xmlns:a16="http://schemas.microsoft.com/office/drawing/2014/main" id="{78E1EC13-CD08-3143-840D-413B72FEFB64}"/>
+                </a:ext>
+              </a:extLst>
+            </p:cNvPr>
+            <p:cNvSpPr/>
+            <p:nvPr/>
+          </p:nvSpPr>
+          <p:spPr>
+            <a:xfrm rot="5400000">
+              <a:off x="2717728" y="611909"/>
+              <a:ext cx="6756539" cy="5634182"/>
+            </a:xfrm>
+            <a:prstGeom prst="hexagon">
+              <a:avLst>
+                <a:gd name="adj" fmla="val 29215"/>
+                <a:gd name="vf" fmla="val 115470"/>
+              </a:avLst>
+            </a:prstGeom>
+            <a:solidFill>
+              <a:schemeClr val="bg1"/>
+            </a:solidFill>
+            <a:ln>
+              <a:noFill/>
+            </a:ln>
+          </p:spPr>
+          <p:style>
+            <a:lnRef idx="2">
+              <a:schemeClr val="accent1">
+                <a:shade val="50000"/>
+              </a:schemeClr>
+            </a:lnRef>
+            <a:fillRef idx="1">
+              <a:schemeClr val="accent1"/>
+            </a:fillRef>
+            <a:effectRef idx="0">
+              <a:schemeClr val="accent1"/>
+            </a:effectRef>
+            <a:fontRef idx="minor">
+              <a:schemeClr val="lt1"/>
+            </a:fontRef>
+          </p:style>
+          <p:txBody>
+            <a:bodyPr rtlCol="0" anchor="ctr"/>
+            <a:lstStyle/>
+            <a:p>
+              <a:pPr algn="ctr"/>
+              <a:endParaRPr lang="en-US"/>
+            </a:p>
+          </p:txBody>
+        </p:sp>
         <p:sp>
           <p:nvSpPr>
             <p:cNvPr id="24" name="Freeform 23">

--- a/man/figures/logo.pptx
+++ b/man/figures/logo.pptx
@@ -6366,10 +6366,10 @@
       </p:grpSpPr>
       <p:grpSp>
         <p:nvGrpSpPr>
-          <p:cNvPr id="21" name="Group 20">
+          <p:cNvPr id="4" name="Group 3">
             <a:extLst>
               <a:ext uri="{FF2B5EF4-FFF2-40B4-BE49-F238E27FC236}">
-                <a16:creationId xmlns:a16="http://schemas.microsoft.com/office/drawing/2014/main" id="{0FBC78F6-CAB2-E541-B57F-F1B10E08E5AE}"/>
+                <a16:creationId xmlns:a16="http://schemas.microsoft.com/office/drawing/2014/main" id="{7E5874BB-3006-FD40-A57D-C444759849C4}"/>
               </a:ext>
             </a:extLst>
           </p:cNvPr>
@@ -6378,9 +6378,9 @@
         </p:nvGrpSpPr>
         <p:grpSpPr>
           <a:xfrm>
-            <a:off x="2967182" y="14046"/>
+            <a:off x="2952079" y="14046"/>
             <a:ext cx="6257633" cy="6829908"/>
-            <a:chOff x="2967182" y="14046"/>
+            <a:chOff x="2952079" y="14046"/>
             <a:chExt cx="6257633" cy="6829908"/>
           </a:xfrm>
         </p:grpSpPr>
@@ -6398,7 +6398,7 @@
           </p:nvSpPr>
           <p:spPr>
             <a:xfrm rot="5400000">
-              <a:off x="2717728" y="611909"/>
+              <a:off x="2702626" y="611909"/>
               <a:ext cx="6756539" cy="5634182"/>
             </a:xfrm>
             <a:prstGeom prst="hexagon">
@@ -6453,7 +6453,7 @@
           </p:nvSpPr>
           <p:spPr>
             <a:xfrm>
-              <a:off x="3139949" y="14046"/>
+              <a:off x="3124845" y="14046"/>
               <a:ext cx="5912100" cy="6829908"/>
             </a:xfrm>
             <a:custGeom>
@@ -6680,107 +6680,12 @@
             </a:p>
           </p:txBody>
         </p:sp>
-        <p:pic>
-          <p:nvPicPr>
-            <p:cNvPr id="42" name="Graphic 41" descr="Suit">
+        <p:grpSp>
+          <p:nvGrpSpPr>
+            <p:cNvPr id="33" name="Group 32">
               <a:extLst>
                 <a:ext uri="{FF2B5EF4-FFF2-40B4-BE49-F238E27FC236}">
-                  <a16:creationId xmlns:a16="http://schemas.microsoft.com/office/drawing/2014/main" id="{AA38583C-16C4-1D41-B2EA-5B5B919D9A31}"/>
-                </a:ext>
-              </a:extLst>
-            </p:cNvPr>
-            <p:cNvPicPr>
-              <a:picLocks noChangeAspect="1"/>
-            </p:cNvPicPr>
-            <p:nvPr/>
-          </p:nvPicPr>
-          <p:blipFill>
-            <a:blip r:embed="rId2">
-              <a:extLst>
-                <a:ext uri="{96DAC541-7B7A-43D3-8B79-37D633B846F1}">
-                  <asvg:svgBlip xmlns:asvg="http://schemas.microsoft.com/office/drawing/2016/SVG/main" r:embed="rId3"/>
-                </a:ext>
-              </a:extLst>
-            </a:blip>
-            <a:stretch>
-              <a:fillRect/>
-            </a:stretch>
-          </p:blipFill>
-          <p:spPr>
-            <a:xfrm>
-              <a:off x="3581400" y="1302801"/>
-              <a:ext cx="5029200" cy="5029200"/>
-            </a:xfrm>
-            <a:prstGeom prst="rect">
-              <a:avLst/>
-            </a:prstGeom>
-          </p:spPr>
-        </p:pic>
-        <p:sp>
-          <p:nvSpPr>
-            <p:cNvPr id="56" name="Oval 55">
-              <a:extLst>
-                <a:ext uri="{FF2B5EF4-FFF2-40B4-BE49-F238E27FC236}">
-                  <a16:creationId xmlns:a16="http://schemas.microsoft.com/office/drawing/2014/main" id="{29DAC5E5-0C5A-264D-A948-7C425672456C}"/>
-                </a:ext>
-              </a:extLst>
-            </p:cNvPr>
-            <p:cNvSpPr>
-              <a:spLocks noChangeAspect="1"/>
-            </p:cNvSpPr>
-            <p:nvPr/>
-          </p:nvSpPr>
-          <p:spPr>
-            <a:xfrm>
-              <a:off x="5478672" y="588637"/>
-              <a:ext cx="1234656" cy="1234656"/>
-            </a:xfrm>
-            <a:prstGeom prst="ellipse">
-              <a:avLst/>
-            </a:prstGeom>
-            <a:noFill/>
-            <a:ln w="203200" cmpd="dbl">
-              <a:solidFill>
-                <a:schemeClr val="tx1"/>
-              </a:solidFill>
-            </a:ln>
-          </p:spPr>
-          <p:style>
-            <a:lnRef idx="2">
-              <a:schemeClr val="accent1">
-                <a:shade val="50000"/>
-              </a:schemeClr>
-            </a:lnRef>
-            <a:fillRef idx="1">
-              <a:schemeClr val="accent1"/>
-            </a:fillRef>
-            <a:effectRef idx="0">
-              <a:schemeClr val="accent1"/>
-            </a:effectRef>
-            <a:fontRef idx="minor">
-              <a:schemeClr val="lt1"/>
-            </a:fontRef>
-          </p:style>
-          <p:txBody>
-            <a:bodyPr wrap="none" lIns="0" tIns="0" rIns="0" bIns="0" rtlCol="0" anchor="ctr"/>
-            <a:lstStyle/>
-            <a:p>
-              <a:pPr algn="ctr"/>
-              <a:endParaRPr lang="en-US" sz="2000" b="1" dirty="0">
-                <a:solidFill>
-                  <a:schemeClr val="tx1"/>
-                </a:solidFill>
-                <a:latin typeface="Courier" pitchFamily="2" charset="0"/>
-              </a:endParaRPr>
-            </a:p>
-          </p:txBody>
-        </p:sp>
-        <p:grpSp>
-          <p:nvGrpSpPr>
-            <p:cNvPr id="9" name="Group 8">
-              <a:extLst>
-                <a:ext uri="{FF2B5EF4-FFF2-40B4-BE49-F238E27FC236}">
-                  <a16:creationId xmlns:a16="http://schemas.microsoft.com/office/drawing/2014/main" id="{8470CCBD-A67E-CF4A-86EA-A7B69B9C4E1A}"/>
+                  <a16:creationId xmlns:a16="http://schemas.microsoft.com/office/drawing/2014/main" id="{DE06163F-5E4D-8D41-A0A5-13C7E60221DC}"/>
                 </a:ext>
               </a:extLst>
             </p:cNvPr>
@@ -6789,37 +6694,39 @@
           </p:nvGrpSpPr>
           <p:grpSpPr>
             <a:xfrm>
-              <a:off x="6291865" y="2218014"/>
-              <a:ext cx="914400" cy="613497"/>
-              <a:chOff x="6291640" y="2218014"/>
-              <a:chExt cx="914400" cy="613497"/>
+              <a:off x="3793741" y="867037"/>
+              <a:ext cx="4574309" cy="5123926"/>
+              <a:chOff x="3808841" y="849229"/>
+              <a:chExt cx="4574309" cy="5123926"/>
             </a:xfrm>
           </p:grpSpPr>
           <p:sp>
             <p:nvSpPr>
-              <p:cNvPr id="44" name="Rounded Rectangle 43">
+              <p:cNvPr id="56" name="Oval 55">
                 <a:extLst>
                   <a:ext uri="{FF2B5EF4-FFF2-40B4-BE49-F238E27FC236}">
-                    <a16:creationId xmlns:a16="http://schemas.microsoft.com/office/drawing/2014/main" id="{C582140C-FDB0-B84D-B35E-64582B570A90}"/>
+                    <a16:creationId xmlns:a16="http://schemas.microsoft.com/office/drawing/2014/main" id="{29DAC5E5-0C5A-264D-A948-7C425672456C}"/>
                   </a:ext>
                 </a:extLst>
               </p:cNvPr>
-              <p:cNvSpPr/>
+              <p:cNvSpPr>
+                <a:spLocks noChangeAspect="1"/>
+              </p:cNvSpPr>
               <p:nvPr/>
             </p:nvSpPr>
             <p:spPr>
               <a:xfrm>
-                <a:off x="6291640" y="2218014"/>
-                <a:ext cx="914400" cy="613497"/>
+                <a:off x="5623731" y="849229"/>
+                <a:ext cx="914400" cy="914400"/>
               </a:xfrm>
-              <a:prstGeom prst="roundRect">
+              <a:prstGeom prst="ellipse">
                 <a:avLst/>
               </a:prstGeom>
-              <a:solidFill>
-                <a:srgbClr val="FF0000"/>
-              </a:solidFill>
-              <a:ln>
-                <a:noFill/>
+              <a:noFill/>
+              <a:ln w="381000" cmpd="dbl">
+                <a:solidFill>
+                  <a:schemeClr val="tx1"/>
+                </a:solidFill>
               </a:ln>
             </p:spPr>
             <p:style>
@@ -6839,80 +6746,25 @@
               </a:fontRef>
             </p:style>
             <p:txBody>
-              <a:bodyPr rtlCol="0" anchor="ctr"/>
+              <a:bodyPr wrap="none" lIns="0" tIns="0" rIns="0" bIns="0" rtlCol="0" anchor="ctr"/>
               <a:lstStyle/>
               <a:p>
                 <a:pPr algn="ctr"/>
-                <a:endParaRPr lang="en-US" sz="600" i="1" dirty="0"/>
-              </a:p>
-            </p:txBody>
-          </p:sp>
-          <p:sp>
-            <p:nvSpPr>
-              <p:cNvPr id="45" name="Rectangle 44">
-                <a:extLst>
-                  <a:ext uri="{FF2B5EF4-FFF2-40B4-BE49-F238E27FC236}">
-                    <a16:creationId xmlns:a16="http://schemas.microsoft.com/office/drawing/2014/main" id="{07630879-C065-0243-AA6C-664B62D4C3E2}"/>
-                  </a:ext>
-                </a:extLst>
-              </p:cNvPr>
-              <p:cNvSpPr/>
-              <p:nvPr/>
-            </p:nvSpPr>
-            <p:spPr>
-              <a:xfrm>
-                <a:off x="6291640" y="2436852"/>
-                <a:ext cx="914400" cy="320040"/>
-              </a:xfrm>
-              <a:prstGeom prst="rect">
-                <a:avLst/>
-              </a:prstGeom>
-              <a:solidFill>
-                <a:schemeClr val="bg1"/>
-              </a:solidFill>
-              <a:ln>
-                <a:noFill/>
-              </a:ln>
-            </p:spPr>
-            <p:style>
-              <a:lnRef idx="2">
-                <a:schemeClr val="accent1">
-                  <a:shade val="50000"/>
-                </a:schemeClr>
-              </a:lnRef>
-              <a:fillRef idx="1">
-                <a:schemeClr val="accent1"/>
-              </a:fillRef>
-              <a:effectRef idx="0">
-                <a:schemeClr val="accent1"/>
-              </a:effectRef>
-              <a:fontRef idx="minor">
-                <a:schemeClr val="lt1"/>
-              </a:fontRef>
-            </p:style>
-            <p:txBody>
-              <a:bodyPr wrap="none" rtlCol="0" anchor="ctr"/>
-              <a:lstStyle/>
-              <a:p>
-                <a:pPr algn="ctr"/>
-                <a:r>
-                  <a:rPr lang="en-US" sz="1050" b="1" dirty="0">
-                    <a:solidFill>
-                      <a:schemeClr val="tx1"/>
-                    </a:solidFill>
-                    <a:latin typeface="Courier" pitchFamily="2" charset="0"/>
-                  </a:rPr>
-                  <a:t>US.VA.059</a:t>
-                </a:r>
+                <a:endParaRPr lang="en-US" sz="2000" b="1" dirty="0">
+                  <a:solidFill>
+                    <a:schemeClr val="tx1"/>
+                  </a:solidFill>
+                  <a:latin typeface="Courier" pitchFamily="2" charset="0"/>
+                </a:endParaRPr>
               </a:p>
             </p:txBody>
           </p:sp>
           <p:grpSp>
             <p:nvGrpSpPr>
-              <p:cNvPr id="49" name="Group 48">
+              <p:cNvPr id="32" name="Group 31">
                 <a:extLst>
                   <a:ext uri="{FF2B5EF4-FFF2-40B4-BE49-F238E27FC236}">
-                    <a16:creationId xmlns:a16="http://schemas.microsoft.com/office/drawing/2014/main" id="{E8D62279-8BEB-EF46-B13C-78BEAAE1D0F2}"/>
+                    <a16:creationId xmlns:a16="http://schemas.microsoft.com/office/drawing/2014/main" id="{0A2700E4-0F64-C744-AF70-B86684BCA28B}"/>
                   </a:ext>
                 </a:extLst>
               </p:cNvPr>
@@ -6921,124 +6773,314 @@
             </p:nvGrpSpPr>
             <p:grpSpPr>
               <a:xfrm>
-                <a:off x="6467384" y="2234948"/>
-                <a:ext cx="562912" cy="184970"/>
-                <a:chOff x="10527402" y="4432299"/>
-                <a:chExt cx="587793" cy="193146"/>
+                <a:off x="3808841" y="1398846"/>
+                <a:ext cx="4574309" cy="4574309"/>
+                <a:chOff x="3808841" y="1398846"/>
+                <a:chExt cx="4574309" cy="4574309"/>
               </a:xfrm>
             </p:grpSpPr>
-            <p:sp>
-              <p:nvSpPr>
-                <p:cNvPr id="47" name="Rectangle 46">
+            <p:pic>
+              <p:nvPicPr>
+                <p:cNvPr id="42" name="Graphic 41" descr="Suit">
                   <a:extLst>
                     <a:ext uri="{FF2B5EF4-FFF2-40B4-BE49-F238E27FC236}">
-                      <a16:creationId xmlns:a16="http://schemas.microsoft.com/office/drawing/2014/main" id="{2B8F79B4-38E0-224D-9914-DAE4EAC71AA7}"/>
+                      <a16:creationId xmlns:a16="http://schemas.microsoft.com/office/drawing/2014/main" id="{AA38583C-16C4-1D41-B2EA-5B5B919D9A31}"/>
                     </a:ext>
                   </a:extLst>
                 </p:cNvPr>
-                <p:cNvSpPr/>
+                <p:cNvPicPr>
+                  <a:picLocks noChangeAspect="1"/>
+                </p:cNvPicPr>
                 <p:nvPr/>
-              </p:nvSpPr>
+              </p:nvPicPr>
+              <p:blipFill>
+                <a:blip r:embed="rId2">
+                  <a:extLst>
+                    <a:ext uri="{96DAC541-7B7A-43D3-8B79-37D633B846F1}">
+                      <asvg:svgBlip xmlns:asvg="http://schemas.microsoft.com/office/drawing/2016/SVG/main" r:embed="rId3"/>
+                    </a:ext>
+                  </a:extLst>
+                </a:blip>
+                <a:stretch>
+                  <a:fillRect/>
+                </a:stretch>
+              </p:blipFill>
               <p:spPr>
                 <a:xfrm>
-                  <a:off x="10527402" y="4537030"/>
-                  <a:ext cx="587793" cy="88415"/>
+                  <a:off x="3808841" y="1398846"/>
+                  <a:ext cx="4574309" cy="4574309"/>
                 </a:xfrm>
                 <a:prstGeom prst="rect">
                   <a:avLst/>
                 </a:prstGeom>
-                <a:solidFill>
-                  <a:srgbClr val="FF0000"/>
-                </a:solidFill>
               </p:spPr>
-              <p:txBody>
-                <a:bodyPr wrap="square" lIns="0" tIns="0" rIns="0" bIns="0">
-                  <a:spAutoFit/>
-                </a:bodyPr>
-                <a:lstStyle/>
-                <a:p>
-                  <a:pPr lvl="0" algn="ctr"/>
-                  <a:r>
-                    <a:rPr lang="en-US" sz="500" dirty="0">
-                      <a:solidFill>
-                        <a:prstClr val="white"/>
-                      </a:solidFill>
-                      <a:latin typeface="Arial" panose="020B0604020202020204" pitchFamily="34" charset="0"/>
-                      <a:cs typeface="Arial" panose="020B0604020202020204" pitchFamily="34" charset="0"/>
-                    </a:rPr>
-                    <a:t>my name is</a:t>
-                  </a:r>
-                </a:p>
-              </p:txBody>
-            </p:sp>
-            <p:sp>
-              <p:nvSpPr>
-                <p:cNvPr id="48" name="Rectangle 47">
+            </p:pic>
+            <p:grpSp>
+              <p:nvGrpSpPr>
+                <p:cNvPr id="9" name="Group 8">
                   <a:extLst>
                     <a:ext uri="{FF2B5EF4-FFF2-40B4-BE49-F238E27FC236}">
-                      <a16:creationId xmlns:a16="http://schemas.microsoft.com/office/drawing/2014/main" id="{8194BA9E-EFC5-9244-969C-9319F8BB5EBF}"/>
+                      <a16:creationId xmlns:a16="http://schemas.microsoft.com/office/drawing/2014/main" id="{8470CCBD-A67E-CF4A-86EA-A7B69B9C4E1A}"/>
                     </a:ext>
                   </a:extLst>
                 </p:cNvPr>
-                <p:cNvSpPr/>
+                <p:cNvGrpSpPr/>
                 <p:nvPr/>
-              </p:nvSpPr>
-              <p:spPr>
+              </p:nvGrpSpPr>
+              <p:grpSpPr>
                 <a:xfrm>
-                  <a:off x="10527402" y="4432299"/>
-                  <a:ext cx="587793" cy="117431"/>
+                  <a:off x="6185143" y="2391734"/>
+                  <a:ext cx="914400" cy="613497"/>
+                  <a:chOff x="6291640" y="2218014"/>
+                  <a:chExt cx="914400" cy="613497"/>
                 </a:xfrm>
-                <a:prstGeom prst="rect">
-                  <a:avLst/>
-                </a:prstGeom>
-                <a:solidFill>
-                  <a:srgbClr val="FF0000"/>
-                </a:solidFill>
-                <a:ln>
-                  <a:noFill/>
-                </a:ln>
-              </p:spPr>
-              <p:style>
-                <a:lnRef idx="2">
-                  <a:schemeClr val="accent1">
-                    <a:shade val="50000"/>
-                  </a:schemeClr>
-                </a:lnRef>
-                <a:fillRef idx="1">
-                  <a:schemeClr val="accent1"/>
-                </a:fillRef>
-                <a:effectRef idx="0">
-                  <a:schemeClr val="accent1"/>
-                </a:effectRef>
-                <a:fontRef idx="minor">
-                  <a:schemeClr val="lt1"/>
-                </a:fontRef>
-              </p:style>
-              <p:txBody>
-                <a:bodyPr tIns="0" bIns="0" rtlCol="0" anchor="ctr"/>
-                <a:lstStyle/>
-                <a:p>
-                  <a:pPr algn="ctr"/>
-                  <a:r>
-                    <a:rPr lang="en-US" sz="1050" b="1" dirty="0">
-                      <a:solidFill>
-                        <a:schemeClr val="bg1"/>
-                      </a:solidFill>
-                      <a:latin typeface="Arial" panose="020B0604020202020204" pitchFamily="34" charset="0"/>
-                      <a:cs typeface="Arial" panose="020B0604020202020204" pitchFamily="34" charset="0"/>
-                    </a:rPr>
-                    <a:t>Hello</a:t>
-                  </a:r>
-                  <a:endParaRPr lang="en-US" sz="1100" b="1" dirty="0">
+              </p:grpSpPr>
+              <p:sp>
+                <p:nvSpPr>
+                  <p:cNvPr id="44" name="Rounded Rectangle 43">
+                    <a:extLst>
+                      <a:ext uri="{FF2B5EF4-FFF2-40B4-BE49-F238E27FC236}">
+                        <a16:creationId xmlns:a16="http://schemas.microsoft.com/office/drawing/2014/main" id="{C582140C-FDB0-B84D-B35E-64582B570A90}"/>
+                      </a:ext>
+                    </a:extLst>
+                  </p:cNvPr>
+                  <p:cNvSpPr/>
+                  <p:nvPr/>
+                </p:nvSpPr>
+                <p:spPr>
+                  <a:xfrm>
+                    <a:off x="6291640" y="2218014"/>
+                    <a:ext cx="914400" cy="613497"/>
+                  </a:xfrm>
+                  <a:prstGeom prst="roundRect">
+                    <a:avLst/>
+                  </a:prstGeom>
+                  <a:solidFill>
+                    <a:srgbClr val="FF0000"/>
+                  </a:solidFill>
+                  <a:ln>
+                    <a:noFill/>
+                  </a:ln>
+                </p:spPr>
+                <p:style>
+                  <a:lnRef idx="2">
+                    <a:schemeClr val="accent1">
+                      <a:shade val="50000"/>
+                    </a:schemeClr>
+                  </a:lnRef>
+                  <a:fillRef idx="1">
+                    <a:schemeClr val="accent1"/>
+                  </a:fillRef>
+                  <a:effectRef idx="0">
+                    <a:schemeClr val="accent1"/>
+                  </a:effectRef>
+                  <a:fontRef idx="minor">
+                    <a:schemeClr val="lt1"/>
+                  </a:fontRef>
+                </p:style>
+                <p:txBody>
+                  <a:bodyPr rtlCol="0" anchor="ctr"/>
+                  <a:lstStyle/>
+                  <a:p>
+                    <a:pPr algn="ctr"/>
+                    <a:endParaRPr lang="en-US" sz="600" i="1" dirty="0"/>
+                  </a:p>
+                </p:txBody>
+              </p:sp>
+              <p:sp>
+                <p:nvSpPr>
+                  <p:cNvPr id="45" name="Rectangle 44">
+                    <a:extLst>
+                      <a:ext uri="{FF2B5EF4-FFF2-40B4-BE49-F238E27FC236}">
+                        <a16:creationId xmlns:a16="http://schemas.microsoft.com/office/drawing/2014/main" id="{07630879-C065-0243-AA6C-664B62D4C3E2}"/>
+                      </a:ext>
+                    </a:extLst>
+                  </p:cNvPr>
+                  <p:cNvSpPr/>
+                  <p:nvPr/>
+                </p:nvSpPr>
+                <p:spPr>
+                  <a:xfrm>
+                    <a:off x="6291640" y="2436852"/>
+                    <a:ext cx="914400" cy="320040"/>
+                  </a:xfrm>
+                  <a:prstGeom prst="rect">
+                    <a:avLst/>
+                  </a:prstGeom>
+                  <a:solidFill>
+                    <a:schemeClr val="bg1"/>
+                  </a:solidFill>
+                  <a:ln>
+                    <a:noFill/>
+                  </a:ln>
+                </p:spPr>
+                <p:style>
+                  <a:lnRef idx="2">
+                    <a:schemeClr val="accent1">
+                      <a:shade val="50000"/>
+                    </a:schemeClr>
+                  </a:lnRef>
+                  <a:fillRef idx="1">
+                    <a:schemeClr val="accent1"/>
+                  </a:fillRef>
+                  <a:effectRef idx="0">
+                    <a:schemeClr val="accent1"/>
+                  </a:effectRef>
+                  <a:fontRef idx="minor">
+                    <a:schemeClr val="lt1"/>
+                  </a:fontRef>
+                </p:style>
+                <p:txBody>
+                  <a:bodyPr wrap="none" rtlCol="0" anchor="ctr"/>
+                  <a:lstStyle/>
+                  <a:p>
+                    <a:pPr algn="ctr"/>
+                    <a:r>
+                      <a:rPr lang="en-US" sz="1050" b="1" dirty="0">
+                        <a:solidFill>
+                          <a:schemeClr val="tx1"/>
+                        </a:solidFill>
+                        <a:latin typeface="Courier" pitchFamily="2" charset="0"/>
+                      </a:rPr>
+                      <a:t>US.VA.059</a:t>
+                    </a:r>
+                  </a:p>
+                </p:txBody>
+              </p:sp>
+              <p:grpSp>
+                <p:nvGrpSpPr>
+                  <p:cNvPr id="49" name="Group 48">
+                    <a:extLst>
+                      <a:ext uri="{FF2B5EF4-FFF2-40B4-BE49-F238E27FC236}">
+                        <a16:creationId xmlns:a16="http://schemas.microsoft.com/office/drawing/2014/main" id="{E8D62279-8BEB-EF46-B13C-78BEAAE1D0F2}"/>
+                      </a:ext>
+                    </a:extLst>
+                  </p:cNvPr>
+                  <p:cNvGrpSpPr/>
+                  <p:nvPr/>
+                </p:nvGrpSpPr>
+                <p:grpSpPr>
+                  <a:xfrm>
+                    <a:off x="6467384" y="2234948"/>
+                    <a:ext cx="562912" cy="184970"/>
+                    <a:chOff x="10527402" y="4432299"/>
+                    <a:chExt cx="587793" cy="193146"/>
+                  </a:xfrm>
+                </p:grpSpPr>
+                <p:sp>
+                  <p:nvSpPr>
+                    <p:cNvPr id="47" name="Rectangle 46">
+                      <a:extLst>
+                        <a:ext uri="{FF2B5EF4-FFF2-40B4-BE49-F238E27FC236}">
+                          <a16:creationId xmlns:a16="http://schemas.microsoft.com/office/drawing/2014/main" id="{2B8F79B4-38E0-224D-9914-DAE4EAC71AA7}"/>
+                        </a:ext>
+                      </a:extLst>
+                    </p:cNvPr>
+                    <p:cNvSpPr/>
+                    <p:nvPr/>
+                  </p:nvSpPr>
+                  <p:spPr>
+                    <a:xfrm>
+                      <a:off x="10527402" y="4537030"/>
+                      <a:ext cx="587793" cy="88415"/>
+                    </a:xfrm>
+                    <a:prstGeom prst="rect">
+                      <a:avLst/>
+                    </a:prstGeom>
                     <a:solidFill>
-                      <a:schemeClr val="bg1"/>
+                      <a:srgbClr val="FF0000"/>
                     </a:solidFill>
-                    <a:latin typeface="Arial" panose="020B0604020202020204" pitchFamily="34" charset="0"/>
-                    <a:cs typeface="Arial" panose="020B0604020202020204" pitchFamily="34" charset="0"/>
-                  </a:endParaRPr>
-                </a:p>
-              </p:txBody>
-            </p:sp>
+                  </p:spPr>
+                  <p:txBody>
+                    <a:bodyPr wrap="square" lIns="0" tIns="0" rIns="0" bIns="0">
+                      <a:spAutoFit/>
+                    </a:bodyPr>
+                    <a:lstStyle/>
+                    <a:p>
+                      <a:pPr lvl="0" algn="ctr"/>
+                      <a:r>
+                        <a:rPr lang="en-US" sz="500" dirty="0">
+                          <a:solidFill>
+                            <a:prstClr val="white"/>
+                          </a:solidFill>
+                          <a:latin typeface="Arial" panose="020B0604020202020204" pitchFamily="34" charset="0"/>
+                          <a:cs typeface="Arial" panose="020B0604020202020204" pitchFamily="34" charset="0"/>
+                        </a:rPr>
+                        <a:t>my name is</a:t>
+                      </a:r>
+                    </a:p>
+                  </p:txBody>
+                </p:sp>
+                <p:sp>
+                  <p:nvSpPr>
+                    <p:cNvPr id="48" name="Rectangle 47">
+                      <a:extLst>
+                        <a:ext uri="{FF2B5EF4-FFF2-40B4-BE49-F238E27FC236}">
+                          <a16:creationId xmlns:a16="http://schemas.microsoft.com/office/drawing/2014/main" id="{8194BA9E-EFC5-9244-969C-9319F8BB5EBF}"/>
+                        </a:ext>
+                      </a:extLst>
+                    </p:cNvPr>
+                    <p:cNvSpPr/>
+                    <p:nvPr/>
+                  </p:nvSpPr>
+                  <p:spPr>
+                    <a:xfrm>
+                      <a:off x="10527402" y="4432299"/>
+                      <a:ext cx="587793" cy="117431"/>
+                    </a:xfrm>
+                    <a:prstGeom prst="rect">
+                      <a:avLst/>
+                    </a:prstGeom>
+                    <a:solidFill>
+                      <a:srgbClr val="FF0000"/>
+                    </a:solidFill>
+                    <a:ln>
+                      <a:noFill/>
+                    </a:ln>
+                  </p:spPr>
+                  <p:style>
+                    <a:lnRef idx="2">
+                      <a:schemeClr val="accent1">
+                        <a:shade val="50000"/>
+                      </a:schemeClr>
+                    </a:lnRef>
+                    <a:fillRef idx="1">
+                      <a:schemeClr val="accent1"/>
+                    </a:fillRef>
+                    <a:effectRef idx="0">
+                      <a:schemeClr val="accent1"/>
+                    </a:effectRef>
+                    <a:fontRef idx="minor">
+                      <a:schemeClr val="lt1"/>
+                    </a:fontRef>
+                  </p:style>
+                  <p:txBody>
+                    <a:bodyPr tIns="0" bIns="0" rtlCol="0" anchor="ctr"/>
+                    <a:lstStyle/>
+                    <a:p>
+                      <a:pPr algn="ctr"/>
+                      <a:r>
+                        <a:rPr lang="en-US" sz="1050" b="1" dirty="0">
+                          <a:solidFill>
+                            <a:schemeClr val="bg1"/>
+                          </a:solidFill>
+                          <a:latin typeface="Arial" panose="020B0604020202020204" pitchFamily="34" charset="0"/>
+                          <a:cs typeface="Arial" panose="020B0604020202020204" pitchFamily="34" charset="0"/>
+                        </a:rPr>
+                        <a:t>Hello</a:t>
+                      </a:r>
+                      <a:endParaRPr lang="en-US" sz="1100" b="1" dirty="0">
+                        <a:solidFill>
+                          <a:schemeClr val="bg1"/>
+                        </a:solidFill>
+                        <a:latin typeface="Arial" panose="020B0604020202020204" pitchFamily="34" charset="0"/>
+                        <a:cs typeface="Arial" panose="020B0604020202020204" pitchFamily="34" charset="0"/>
+                      </a:endParaRPr>
+                    </a:p>
+                  </p:txBody>
+                </p:sp>
+              </p:grpSp>
+            </p:grpSp>
           </p:grpSp>
         </p:grpSp>
         <p:sp>
@@ -7055,7 +7097,7 @@
           </p:nvSpPr>
           <p:spPr>
             <a:xfrm>
-              <a:off x="4723605" y="5423721"/>
+              <a:off x="4708502" y="5265390"/>
               <a:ext cx="2744787" cy="714597"/>
             </a:xfrm>
             <a:prstGeom prst="rect">
@@ -7088,7 +7130,7 @@
             <a:p>
               <a:pPr algn="ctr"/>
               <a:r>
-                <a:rPr lang="en-US" sz="4800" b="1" dirty="0">
+                <a:rPr lang="en-US" sz="5400" b="1" dirty="0">
                   <a:solidFill>
                     <a:schemeClr val="tx1"/>
                   </a:solidFill>
@@ -7096,6 +7138,12 @@
                 </a:rPr>
                 <a:t>names</a:t>
               </a:r>
+              <a:endParaRPr lang="en-US" sz="6600" b="1" dirty="0">
+                <a:solidFill>
+                  <a:schemeClr val="tx1"/>
+                </a:solidFill>
+                <a:latin typeface="Courier" pitchFamily="2" charset="0"/>
+              </a:endParaRPr>
             </a:p>
           </p:txBody>
         </p:sp>
@@ -7113,7 +7161,7 @@
           </p:nvGrpSpPr>
           <p:grpSpPr>
             <a:xfrm>
-              <a:off x="2967182" y="1548682"/>
+              <a:off x="2952079" y="1541850"/>
               <a:ext cx="6257633" cy="742496"/>
               <a:chOff x="3036375" y="1025684"/>
               <a:chExt cx="6013819" cy="742496"/>
@@ -7166,7 +7214,7 @@
               <a:p>
                 <a:pPr algn="ctr"/>
                 <a:r>
-                  <a:rPr lang="en-US" sz="4800" b="1" dirty="0">
+                  <a:rPr lang="en-US" sz="5400" b="1" dirty="0">
                     <a:solidFill>
                       <a:schemeClr val="tx1"/>
                     </a:solidFill>
@@ -7224,7 +7272,7 @@
               <a:p>
                 <a:pPr algn="ctr"/>
                 <a:r>
-                  <a:rPr lang="en-US" sz="4800" b="1" dirty="0">
+                  <a:rPr lang="en-US" sz="5400" b="1" dirty="0">
                     <a:solidFill>
                       <a:schemeClr val="tx1"/>
                     </a:solidFill>

--- a/man/figures/logo.pptx
+++ b/man/figures/logo.pptx
@@ -4,6 +4,9 @@
   <p:sldMasterIdLst>
     <p:sldMasterId id="2147483648" r:id="rId1"/>
   </p:sldMasterIdLst>
+  <p:notesMasterIdLst>
+    <p:notesMasterId r:id="rId9"/>
+  </p:notesMasterIdLst>
   <p:sldIdLst>
     <p:sldId id="257" r:id="rId2"/>
     <p:sldId id="256" r:id="rId3"/>
@@ -129,6 +132,439 @@
 </p:presentation>
 </file>
 
+<file path=ppt/notesMasters/notesMaster1.xml><?xml version="1.0" encoding="utf-8"?>
+<p:notesMaster xmlns:a="http://schemas.openxmlformats.org/drawingml/2006/main" xmlns:r="http://schemas.openxmlformats.org/officeDocument/2006/relationships" xmlns:p="http://schemas.openxmlformats.org/presentationml/2006/main">
+  <p:cSld>
+    <p:bg>
+      <p:bgRef idx="1001">
+        <a:schemeClr val="bg1"/>
+      </p:bgRef>
+    </p:bg>
+    <p:spTree>
+      <p:nvGrpSpPr>
+        <p:cNvPr id="1" name=""/>
+        <p:cNvGrpSpPr/>
+        <p:nvPr/>
+      </p:nvGrpSpPr>
+      <p:grpSpPr>
+        <a:xfrm>
+          <a:off x="0" y="0"/>
+          <a:ext cx="0" cy="0"/>
+          <a:chOff x="0" y="0"/>
+          <a:chExt cx="0" cy="0"/>
+        </a:xfrm>
+      </p:grpSpPr>
+      <p:sp>
+        <p:nvSpPr>
+          <p:cNvPr id="2" name="Header Placeholder 1"/>
+          <p:cNvSpPr>
+            <a:spLocks noGrp="1"/>
+          </p:cNvSpPr>
+          <p:nvPr>
+            <p:ph type="hdr" sz="quarter"/>
+          </p:nvPr>
+        </p:nvSpPr>
+        <p:spPr>
+          <a:xfrm>
+            <a:off x="0" y="0"/>
+            <a:ext cx="2971800" cy="458788"/>
+          </a:xfrm>
+          <a:prstGeom prst="rect">
+            <a:avLst/>
+          </a:prstGeom>
+        </p:spPr>
+        <p:txBody>
+          <a:bodyPr vert="horz" lIns="91440" tIns="45720" rIns="91440" bIns="45720" rtlCol="0"/>
+          <a:lstStyle>
+            <a:lvl1pPr algn="l">
+              <a:defRPr sz="1200"/>
+            </a:lvl1pPr>
+          </a:lstStyle>
+          <a:p>
+            <a:endParaRPr lang="en-US"/>
+          </a:p>
+        </p:txBody>
+      </p:sp>
+      <p:sp>
+        <p:nvSpPr>
+          <p:cNvPr id="3" name="Date Placeholder 2"/>
+          <p:cNvSpPr>
+            <a:spLocks noGrp="1"/>
+          </p:cNvSpPr>
+          <p:nvPr>
+            <p:ph type="dt" idx="1"/>
+          </p:nvPr>
+        </p:nvSpPr>
+        <p:spPr>
+          <a:xfrm>
+            <a:off x="3884613" y="0"/>
+            <a:ext cx="2971800" cy="458788"/>
+          </a:xfrm>
+          <a:prstGeom prst="rect">
+            <a:avLst/>
+          </a:prstGeom>
+        </p:spPr>
+        <p:txBody>
+          <a:bodyPr vert="horz" lIns="91440" tIns="45720" rIns="91440" bIns="45720" rtlCol="0"/>
+          <a:lstStyle>
+            <a:lvl1pPr algn="r">
+              <a:defRPr sz="1200"/>
+            </a:lvl1pPr>
+          </a:lstStyle>
+          <a:p>
+            <a:fld id="{059146B1-42C7-BB4F-8EDA-3C3AB353DEB6}" type="datetimeFigureOut">
+              <a:rPr lang="en-US" smtClean="0"/>
+              <a:t>8/21/20</a:t>
+            </a:fld>
+            <a:endParaRPr lang="en-US"/>
+          </a:p>
+        </p:txBody>
+      </p:sp>
+      <p:sp>
+        <p:nvSpPr>
+          <p:cNvPr id="4" name="Slide Image Placeholder 3"/>
+          <p:cNvSpPr>
+            <a:spLocks noGrp="1" noRot="1" noChangeAspect="1"/>
+          </p:cNvSpPr>
+          <p:nvPr>
+            <p:ph type="sldImg" idx="2"/>
+          </p:nvPr>
+        </p:nvSpPr>
+        <p:spPr>
+          <a:xfrm>
+            <a:off x="685800" y="1143000"/>
+            <a:ext cx="5486400" cy="3086100"/>
+          </a:xfrm>
+          <a:prstGeom prst="rect">
+            <a:avLst/>
+          </a:prstGeom>
+          <a:noFill/>
+          <a:ln w="12700">
+            <a:solidFill>
+              <a:prstClr val="black"/>
+            </a:solidFill>
+          </a:ln>
+        </p:spPr>
+        <p:txBody>
+          <a:bodyPr vert="horz" lIns="91440" tIns="45720" rIns="91440" bIns="45720" rtlCol="0" anchor="ctr"/>
+          <a:lstStyle/>
+          <a:p>
+            <a:endParaRPr lang="en-US"/>
+          </a:p>
+        </p:txBody>
+      </p:sp>
+      <p:sp>
+        <p:nvSpPr>
+          <p:cNvPr id="5" name="Notes Placeholder 4"/>
+          <p:cNvSpPr>
+            <a:spLocks noGrp="1"/>
+          </p:cNvSpPr>
+          <p:nvPr>
+            <p:ph type="body" sz="quarter" idx="3"/>
+          </p:nvPr>
+        </p:nvSpPr>
+        <p:spPr>
+          <a:xfrm>
+            <a:off x="685800" y="4400550"/>
+            <a:ext cx="5486400" cy="3600450"/>
+          </a:xfrm>
+          <a:prstGeom prst="rect">
+            <a:avLst/>
+          </a:prstGeom>
+        </p:spPr>
+        <p:txBody>
+          <a:bodyPr vert="horz" lIns="91440" tIns="45720" rIns="91440" bIns="45720" rtlCol="0"/>
+          <a:lstStyle/>
+          <a:p>
+            <a:pPr lvl="0"/>
+            <a:r>
+              <a:rPr lang="en-US"/>
+              <a:t>Click to edit Master text styles</a:t>
+            </a:r>
+          </a:p>
+          <a:p>
+            <a:pPr lvl="1"/>
+            <a:r>
+              <a:rPr lang="en-US"/>
+              <a:t>Second level</a:t>
+            </a:r>
+          </a:p>
+          <a:p>
+            <a:pPr lvl="2"/>
+            <a:r>
+              <a:rPr lang="en-US"/>
+              <a:t>Third level</a:t>
+            </a:r>
+          </a:p>
+          <a:p>
+            <a:pPr lvl="3"/>
+            <a:r>
+              <a:rPr lang="en-US"/>
+              <a:t>Fourth level</a:t>
+            </a:r>
+          </a:p>
+          <a:p>
+            <a:pPr lvl="4"/>
+            <a:r>
+              <a:rPr lang="en-US"/>
+              <a:t>Fifth level</a:t>
+            </a:r>
+          </a:p>
+        </p:txBody>
+      </p:sp>
+      <p:sp>
+        <p:nvSpPr>
+          <p:cNvPr id="6" name="Footer Placeholder 5"/>
+          <p:cNvSpPr>
+            <a:spLocks noGrp="1"/>
+          </p:cNvSpPr>
+          <p:nvPr>
+            <p:ph type="ftr" sz="quarter" idx="4"/>
+          </p:nvPr>
+        </p:nvSpPr>
+        <p:spPr>
+          <a:xfrm>
+            <a:off x="0" y="8685213"/>
+            <a:ext cx="2971800" cy="458787"/>
+          </a:xfrm>
+          <a:prstGeom prst="rect">
+            <a:avLst/>
+          </a:prstGeom>
+        </p:spPr>
+        <p:txBody>
+          <a:bodyPr vert="horz" lIns="91440" tIns="45720" rIns="91440" bIns="45720" rtlCol="0" anchor="b"/>
+          <a:lstStyle>
+            <a:lvl1pPr algn="l">
+              <a:defRPr sz="1200"/>
+            </a:lvl1pPr>
+          </a:lstStyle>
+          <a:p>
+            <a:endParaRPr lang="en-US"/>
+          </a:p>
+        </p:txBody>
+      </p:sp>
+      <p:sp>
+        <p:nvSpPr>
+          <p:cNvPr id="7" name="Slide Number Placeholder 6"/>
+          <p:cNvSpPr>
+            <a:spLocks noGrp="1"/>
+          </p:cNvSpPr>
+          <p:nvPr>
+            <p:ph type="sldNum" sz="quarter" idx="5"/>
+          </p:nvPr>
+        </p:nvSpPr>
+        <p:spPr>
+          <a:xfrm>
+            <a:off x="3884613" y="8685213"/>
+            <a:ext cx="2971800" cy="458787"/>
+          </a:xfrm>
+          <a:prstGeom prst="rect">
+            <a:avLst/>
+          </a:prstGeom>
+        </p:spPr>
+        <p:txBody>
+          <a:bodyPr vert="horz" lIns="91440" tIns="45720" rIns="91440" bIns="45720" rtlCol="0" anchor="b"/>
+          <a:lstStyle>
+            <a:lvl1pPr algn="r">
+              <a:defRPr sz="1200"/>
+            </a:lvl1pPr>
+          </a:lstStyle>
+          <a:p>
+            <a:fld id="{C476D97D-7C02-874C-B5FA-CC2928F4B0D6}" type="slidenum">
+              <a:rPr lang="en-US" smtClean="0"/>
+              <a:t>‹#›</a:t>
+            </a:fld>
+            <a:endParaRPr lang="en-US"/>
+          </a:p>
+        </p:txBody>
+      </p:sp>
+    </p:spTree>
+    <p:extLst>
+      <p:ext uri="{BB962C8B-B14F-4D97-AF65-F5344CB8AC3E}">
+        <p14:creationId xmlns:p14="http://schemas.microsoft.com/office/powerpoint/2010/main" val="688251556"/>
+      </p:ext>
+    </p:extLst>
+  </p:cSld>
+  <p:clrMap bg1="lt1" tx1="dk1" bg2="lt2" tx2="dk2" accent1="accent1" accent2="accent2" accent3="accent3" accent4="accent4" accent5="accent5" accent6="accent6" hlink="hlink" folHlink="folHlink"/>
+  <p:notesStyle>
+    <a:lvl1pPr marL="0" algn="l" defTabSz="914400" rtl="0" eaLnBrk="1" latinLnBrk="0" hangingPunct="1">
+      <a:defRPr sz="1200" kern="1200">
+        <a:solidFill>
+          <a:schemeClr val="tx1"/>
+        </a:solidFill>
+        <a:latin typeface="+mn-lt"/>
+        <a:ea typeface="+mn-ea"/>
+        <a:cs typeface="+mn-cs"/>
+      </a:defRPr>
+    </a:lvl1pPr>
+    <a:lvl2pPr marL="457200" algn="l" defTabSz="914400" rtl="0" eaLnBrk="1" latinLnBrk="0" hangingPunct="1">
+      <a:defRPr sz="1200" kern="1200">
+        <a:solidFill>
+          <a:schemeClr val="tx1"/>
+        </a:solidFill>
+        <a:latin typeface="+mn-lt"/>
+        <a:ea typeface="+mn-ea"/>
+        <a:cs typeface="+mn-cs"/>
+      </a:defRPr>
+    </a:lvl2pPr>
+    <a:lvl3pPr marL="914400" algn="l" defTabSz="914400" rtl="0" eaLnBrk="1" latinLnBrk="0" hangingPunct="1">
+      <a:defRPr sz="1200" kern="1200">
+        <a:solidFill>
+          <a:schemeClr val="tx1"/>
+        </a:solidFill>
+        <a:latin typeface="+mn-lt"/>
+        <a:ea typeface="+mn-ea"/>
+        <a:cs typeface="+mn-cs"/>
+      </a:defRPr>
+    </a:lvl3pPr>
+    <a:lvl4pPr marL="1371600" algn="l" defTabSz="914400" rtl="0" eaLnBrk="1" latinLnBrk="0" hangingPunct="1">
+      <a:defRPr sz="1200" kern="1200">
+        <a:solidFill>
+          <a:schemeClr val="tx1"/>
+        </a:solidFill>
+        <a:latin typeface="+mn-lt"/>
+        <a:ea typeface="+mn-ea"/>
+        <a:cs typeface="+mn-cs"/>
+      </a:defRPr>
+    </a:lvl4pPr>
+    <a:lvl5pPr marL="1828800" algn="l" defTabSz="914400" rtl="0" eaLnBrk="1" latinLnBrk="0" hangingPunct="1">
+      <a:defRPr sz="1200" kern="1200">
+        <a:solidFill>
+          <a:schemeClr val="tx1"/>
+        </a:solidFill>
+        <a:latin typeface="+mn-lt"/>
+        <a:ea typeface="+mn-ea"/>
+        <a:cs typeface="+mn-cs"/>
+      </a:defRPr>
+    </a:lvl5pPr>
+    <a:lvl6pPr marL="2286000" algn="l" defTabSz="914400" rtl="0" eaLnBrk="1" latinLnBrk="0" hangingPunct="1">
+      <a:defRPr sz="1200" kern="1200">
+        <a:solidFill>
+          <a:schemeClr val="tx1"/>
+        </a:solidFill>
+        <a:latin typeface="+mn-lt"/>
+        <a:ea typeface="+mn-ea"/>
+        <a:cs typeface="+mn-cs"/>
+      </a:defRPr>
+    </a:lvl6pPr>
+    <a:lvl7pPr marL="2743200" algn="l" defTabSz="914400" rtl="0" eaLnBrk="1" latinLnBrk="0" hangingPunct="1">
+      <a:defRPr sz="1200" kern="1200">
+        <a:solidFill>
+          <a:schemeClr val="tx1"/>
+        </a:solidFill>
+        <a:latin typeface="+mn-lt"/>
+        <a:ea typeface="+mn-ea"/>
+        <a:cs typeface="+mn-cs"/>
+      </a:defRPr>
+    </a:lvl7pPr>
+    <a:lvl8pPr marL="3200400" algn="l" defTabSz="914400" rtl="0" eaLnBrk="1" latinLnBrk="0" hangingPunct="1">
+      <a:defRPr sz="1200" kern="1200">
+        <a:solidFill>
+          <a:schemeClr val="tx1"/>
+        </a:solidFill>
+        <a:latin typeface="+mn-lt"/>
+        <a:ea typeface="+mn-ea"/>
+        <a:cs typeface="+mn-cs"/>
+      </a:defRPr>
+    </a:lvl8pPr>
+    <a:lvl9pPr marL="3657600" algn="l" defTabSz="914400" rtl="0" eaLnBrk="1" latinLnBrk="0" hangingPunct="1">
+      <a:defRPr sz="1200" kern="1200">
+        <a:solidFill>
+          <a:schemeClr val="tx1"/>
+        </a:solidFill>
+        <a:latin typeface="+mn-lt"/>
+        <a:ea typeface="+mn-ea"/>
+        <a:cs typeface="+mn-cs"/>
+      </a:defRPr>
+    </a:lvl9pPr>
+  </p:notesStyle>
+</p:notesMaster>
+</file>
+
+<file path=ppt/notesSlides/notesSlide1.xml><?xml version="1.0" encoding="utf-8"?>
+<p:notes xmlns:a="http://schemas.openxmlformats.org/drawingml/2006/main" xmlns:r="http://schemas.openxmlformats.org/officeDocument/2006/relationships" xmlns:p="http://schemas.openxmlformats.org/presentationml/2006/main">
+  <p:cSld>
+    <p:spTree>
+      <p:nvGrpSpPr>
+        <p:cNvPr id="1" name=""/>
+        <p:cNvGrpSpPr/>
+        <p:nvPr/>
+      </p:nvGrpSpPr>
+      <p:grpSpPr>
+        <a:xfrm>
+          <a:off x="0" y="0"/>
+          <a:ext cx="0" cy="0"/>
+          <a:chOff x="0" y="0"/>
+          <a:chExt cx="0" cy="0"/>
+        </a:xfrm>
+      </p:grpSpPr>
+      <p:sp>
+        <p:nvSpPr>
+          <p:cNvPr id="2" name="Slide Image Placeholder 1"/>
+          <p:cNvSpPr>
+            <a:spLocks noGrp="1" noRot="1" noChangeAspect="1"/>
+          </p:cNvSpPr>
+          <p:nvPr>
+            <p:ph type="sldImg"/>
+          </p:nvPr>
+        </p:nvSpPr>
+        <p:spPr/>
+      </p:sp>
+      <p:sp>
+        <p:nvSpPr>
+          <p:cNvPr id="3" name="Notes Placeholder 2"/>
+          <p:cNvSpPr>
+            <a:spLocks noGrp="1"/>
+          </p:cNvSpPr>
+          <p:nvPr>
+            <p:ph type="body" idx="1"/>
+          </p:nvPr>
+        </p:nvSpPr>
+        <p:spPr/>
+        <p:txBody>
+          <a:bodyPr/>
+          <a:lstStyle/>
+          <a:p>
+            <a:endParaRPr lang="en-US" dirty="0"/>
+          </a:p>
+        </p:txBody>
+      </p:sp>
+      <p:sp>
+        <p:nvSpPr>
+          <p:cNvPr id="4" name="Slide Number Placeholder 3"/>
+          <p:cNvSpPr>
+            <a:spLocks noGrp="1"/>
+          </p:cNvSpPr>
+          <p:nvPr>
+            <p:ph type="sldNum" sz="quarter" idx="5"/>
+          </p:nvPr>
+        </p:nvSpPr>
+        <p:spPr/>
+        <p:txBody>
+          <a:bodyPr/>
+          <a:lstStyle/>
+          <a:p>
+            <a:fld id="{C476D97D-7C02-874C-B5FA-CC2928F4B0D6}" type="slidenum">
+              <a:rPr lang="en-US" smtClean="0"/>
+              <a:t>7</a:t>
+            </a:fld>
+            <a:endParaRPr lang="en-US"/>
+          </a:p>
+        </p:txBody>
+      </p:sp>
+    </p:spTree>
+    <p:extLst>
+      <p:ext uri="{BB962C8B-B14F-4D97-AF65-F5344CB8AC3E}">
+        <p14:creationId xmlns:p14="http://schemas.microsoft.com/office/powerpoint/2010/main" val="1638229128"/>
+      </p:ext>
+    </p:extLst>
+  </p:cSld>
+  <p:clrMapOvr>
+    <a:masterClrMapping/>
+  </p:clrMapOvr>
+</p:notes>
+</file>
+
 <file path=ppt/slideLayouts/slideLayout1.xml><?xml version="1.0" encoding="utf-8"?>
 <p:sldLayout xmlns:a="http://schemas.openxmlformats.org/drawingml/2006/main" xmlns:r="http://schemas.openxmlformats.org/officeDocument/2006/relationships" xmlns:p="http://schemas.openxmlformats.org/presentationml/2006/main" type="title" preserve="1">
   <p:cSld name="Title Slide">
@@ -276,7 +712,7 @@
           <a:p>
             <a:fld id="{E83CB364-2EEF-194A-840B-CEE7F5B69797}" type="datetimeFigureOut">
               <a:rPr lang="en-US" smtClean="0"/>
-              <a:t>8/20/20</a:t>
+              <a:t>8/21/20</a:t>
             </a:fld>
             <a:endParaRPr lang="en-US"/>
           </a:p>
@@ -474,7 +910,7 @@
           <a:p>
             <a:fld id="{E83CB364-2EEF-194A-840B-CEE7F5B69797}" type="datetimeFigureOut">
               <a:rPr lang="en-US" smtClean="0"/>
-              <a:t>8/20/20</a:t>
+              <a:t>8/21/20</a:t>
             </a:fld>
             <a:endParaRPr lang="en-US"/>
           </a:p>
@@ -682,7 +1118,7 @@
           <a:p>
             <a:fld id="{E83CB364-2EEF-194A-840B-CEE7F5B69797}" type="datetimeFigureOut">
               <a:rPr lang="en-US" smtClean="0"/>
-              <a:t>8/20/20</a:t>
+              <a:t>8/21/20</a:t>
             </a:fld>
             <a:endParaRPr lang="en-US"/>
           </a:p>
@@ -880,7 +1316,7 @@
           <a:p>
             <a:fld id="{E83CB364-2EEF-194A-840B-CEE7F5B69797}" type="datetimeFigureOut">
               <a:rPr lang="en-US" smtClean="0"/>
-              <a:t>8/20/20</a:t>
+              <a:t>8/21/20</a:t>
             </a:fld>
             <a:endParaRPr lang="en-US"/>
           </a:p>
@@ -1155,7 +1591,7 @@
           <a:p>
             <a:fld id="{E83CB364-2EEF-194A-840B-CEE7F5B69797}" type="datetimeFigureOut">
               <a:rPr lang="en-US" smtClean="0"/>
-              <a:t>8/20/20</a:t>
+              <a:t>8/21/20</a:t>
             </a:fld>
             <a:endParaRPr lang="en-US"/>
           </a:p>
@@ -1420,7 +1856,7 @@
           <a:p>
             <a:fld id="{E83CB364-2EEF-194A-840B-CEE7F5B69797}" type="datetimeFigureOut">
               <a:rPr lang="en-US" smtClean="0"/>
-              <a:t>8/20/20</a:t>
+              <a:t>8/21/20</a:t>
             </a:fld>
             <a:endParaRPr lang="en-US"/>
           </a:p>
@@ -1832,7 +2268,7 @@
           <a:p>
             <a:fld id="{E83CB364-2EEF-194A-840B-CEE7F5B69797}" type="datetimeFigureOut">
               <a:rPr lang="en-US" smtClean="0"/>
-              <a:t>8/20/20</a:t>
+              <a:t>8/21/20</a:t>
             </a:fld>
             <a:endParaRPr lang="en-US"/>
           </a:p>
@@ -1973,7 +2409,7 @@
           <a:p>
             <a:fld id="{E83CB364-2EEF-194A-840B-CEE7F5B69797}" type="datetimeFigureOut">
               <a:rPr lang="en-US" smtClean="0"/>
-              <a:t>8/20/20</a:t>
+              <a:t>8/21/20</a:t>
             </a:fld>
             <a:endParaRPr lang="en-US"/>
           </a:p>
@@ -2086,7 +2522,7 @@
           <a:p>
             <a:fld id="{E83CB364-2EEF-194A-840B-CEE7F5B69797}" type="datetimeFigureOut">
               <a:rPr lang="en-US" smtClean="0"/>
-              <a:t>8/20/20</a:t>
+              <a:t>8/21/20</a:t>
             </a:fld>
             <a:endParaRPr lang="en-US"/>
           </a:p>
@@ -2397,7 +2833,7 @@
           <a:p>
             <a:fld id="{E83CB364-2EEF-194A-840B-CEE7F5B69797}" type="datetimeFigureOut">
               <a:rPr lang="en-US" smtClean="0"/>
-              <a:t>8/20/20</a:t>
+              <a:t>8/21/20</a:t>
             </a:fld>
             <a:endParaRPr lang="en-US"/>
           </a:p>
@@ -2685,7 +3121,7 @@
           <a:p>
             <a:fld id="{E83CB364-2EEF-194A-840B-CEE7F5B69797}" type="datetimeFigureOut">
               <a:rPr lang="en-US" smtClean="0"/>
-              <a:t>8/20/20</a:t>
+              <a:t>8/21/20</a:t>
             </a:fld>
             <a:endParaRPr lang="en-US"/>
           </a:p>
@@ -2926,7 +3362,7 @@
           <a:p>
             <a:fld id="{E83CB364-2EEF-194A-840B-CEE7F5B69797}" type="datetimeFigureOut">
               <a:rPr lang="en-US" smtClean="0"/>
-              <a:t>8/20/20</a:t>
+              <a:t>8/21/20</a:t>
             </a:fld>
             <a:endParaRPr lang="en-US"/>
           </a:p>
@@ -6366,10 +6802,10 @@
       </p:grpSpPr>
       <p:grpSp>
         <p:nvGrpSpPr>
-          <p:cNvPr id="4" name="Group 3">
+          <p:cNvPr id="16" name="Group 15">
             <a:extLst>
               <a:ext uri="{FF2B5EF4-FFF2-40B4-BE49-F238E27FC236}">
-                <a16:creationId xmlns:a16="http://schemas.microsoft.com/office/drawing/2014/main" id="{7E5874BB-3006-FD40-A57D-C444759849C4}"/>
+                <a16:creationId xmlns:a16="http://schemas.microsoft.com/office/drawing/2014/main" id="{3235E4ED-18C8-6B40-BACB-462B9237588A}"/>
               </a:ext>
             </a:extLst>
           </p:cNvPr>
@@ -6378,9 +6814,9 @@
         </p:nvGrpSpPr>
         <p:grpSpPr>
           <a:xfrm>
-            <a:off x="2952079" y="14046"/>
+            <a:off x="2967181" y="14046"/>
             <a:ext cx="6257633" cy="6829908"/>
-            <a:chOff x="2952079" y="14046"/>
+            <a:chOff x="2967181" y="14046"/>
             <a:chExt cx="6257633" cy="6829908"/>
           </a:xfrm>
         </p:grpSpPr>
@@ -6398,7 +6834,7 @@
           </p:nvSpPr>
           <p:spPr>
             <a:xfrm rot="5400000">
-              <a:off x="2702626" y="611909"/>
+              <a:off x="2717728" y="611909"/>
               <a:ext cx="6756539" cy="5634182"/>
             </a:xfrm>
             <a:prstGeom prst="hexagon">
@@ -6453,7 +6889,7 @@
           </p:nvSpPr>
           <p:spPr>
             <a:xfrm>
-              <a:off x="3124845" y="14046"/>
+              <a:off x="3139947" y="14046"/>
               <a:ext cx="5912100" cy="6829908"/>
             </a:xfrm>
             <a:custGeom>
@@ -6680,432 +7116,69 @@
             </a:p>
           </p:txBody>
         </p:sp>
-        <p:grpSp>
-          <p:nvGrpSpPr>
-            <p:cNvPr id="33" name="Group 32">
+        <p:pic>
+          <p:nvPicPr>
+            <p:cNvPr id="15" name="Graphic 14">
               <a:extLst>
                 <a:ext uri="{FF2B5EF4-FFF2-40B4-BE49-F238E27FC236}">
-                  <a16:creationId xmlns:a16="http://schemas.microsoft.com/office/drawing/2014/main" id="{DE06163F-5E4D-8D41-A0A5-13C7E60221DC}"/>
+                  <a16:creationId xmlns:a16="http://schemas.microsoft.com/office/drawing/2014/main" id="{547FE64B-C65A-834D-9FDE-14298A176060}"/>
                 </a:ext>
               </a:extLst>
             </p:cNvPr>
-            <p:cNvGrpSpPr/>
+            <p:cNvPicPr>
+              <a:picLocks noChangeAspect="1"/>
+            </p:cNvPicPr>
             <p:nvPr/>
-          </p:nvGrpSpPr>
-          <p:grpSpPr>
+          </p:nvPicPr>
+          <p:blipFill>
+            <a:blip r:embed="rId3">
+              <a:extLst>
+                <a:ext uri="{96DAC541-7B7A-43D3-8B79-37D633B846F1}">
+                  <asvg:svgBlip xmlns:asvg="http://schemas.microsoft.com/office/drawing/2016/SVG/main" r:embed="rId4"/>
+                </a:ext>
+              </a:extLst>
+            </a:blip>
+            <a:stretch>
+              <a:fillRect/>
+            </a:stretch>
+          </p:blipFill>
+          <p:spPr>
             <a:xfrm>
-              <a:off x="3793741" y="867037"/>
-              <a:ext cx="4574309" cy="5123926"/>
-              <a:chOff x="3808841" y="849229"/>
-              <a:chExt cx="4574309" cy="5123926"/>
+              <a:off x="5638797" y="738708"/>
+              <a:ext cx="914400" cy="808585"/>
             </a:xfrm>
-          </p:grpSpPr>
-          <p:sp>
-            <p:nvSpPr>
-              <p:cNvPr id="56" name="Oval 55">
-                <a:extLst>
-                  <a:ext uri="{FF2B5EF4-FFF2-40B4-BE49-F238E27FC236}">
-                    <a16:creationId xmlns:a16="http://schemas.microsoft.com/office/drawing/2014/main" id="{29DAC5E5-0C5A-264D-A948-7C425672456C}"/>
-                  </a:ext>
-                </a:extLst>
-              </p:cNvPr>
-              <p:cNvSpPr>
-                <a:spLocks noChangeAspect="1"/>
-              </p:cNvSpPr>
-              <p:nvPr/>
-            </p:nvSpPr>
-            <p:spPr>
-              <a:xfrm>
-                <a:off x="5623731" y="849229"/>
-                <a:ext cx="914400" cy="914400"/>
-              </a:xfrm>
-              <a:prstGeom prst="ellipse">
-                <a:avLst/>
-              </a:prstGeom>
-              <a:noFill/>
-              <a:ln w="381000" cmpd="dbl">
-                <a:solidFill>
-                  <a:schemeClr val="tx1"/>
-                </a:solidFill>
-              </a:ln>
-            </p:spPr>
-            <p:style>
-              <a:lnRef idx="2">
-                <a:schemeClr val="accent1">
-                  <a:shade val="50000"/>
-                </a:schemeClr>
-              </a:lnRef>
-              <a:fillRef idx="1">
-                <a:schemeClr val="accent1"/>
-              </a:fillRef>
-              <a:effectRef idx="0">
-                <a:schemeClr val="accent1"/>
-              </a:effectRef>
-              <a:fontRef idx="minor">
-                <a:schemeClr val="lt1"/>
-              </a:fontRef>
-            </p:style>
-            <p:txBody>
-              <a:bodyPr wrap="none" lIns="0" tIns="0" rIns="0" bIns="0" rtlCol="0" anchor="ctr"/>
-              <a:lstStyle/>
-              <a:p>
-                <a:pPr algn="ctr"/>
-                <a:endParaRPr lang="en-US" sz="2000" b="1" dirty="0">
-                  <a:solidFill>
-                    <a:schemeClr val="tx1"/>
-                  </a:solidFill>
-                  <a:latin typeface="Courier" pitchFamily="2" charset="0"/>
-                </a:endParaRPr>
-              </a:p>
-            </p:txBody>
-          </p:sp>
-          <p:grpSp>
-            <p:nvGrpSpPr>
-              <p:cNvPr id="32" name="Group 31">
-                <a:extLst>
-                  <a:ext uri="{FF2B5EF4-FFF2-40B4-BE49-F238E27FC236}">
-                    <a16:creationId xmlns:a16="http://schemas.microsoft.com/office/drawing/2014/main" id="{0A2700E4-0F64-C744-AF70-B86684BCA28B}"/>
-                  </a:ext>
-                </a:extLst>
-              </p:cNvPr>
-              <p:cNvGrpSpPr/>
-              <p:nvPr/>
-            </p:nvGrpSpPr>
-            <p:grpSpPr>
-              <a:xfrm>
-                <a:off x="3808841" y="1398846"/>
-                <a:ext cx="4574309" cy="4574309"/>
-                <a:chOff x="3808841" y="1398846"/>
-                <a:chExt cx="4574309" cy="4574309"/>
-              </a:xfrm>
-            </p:grpSpPr>
-            <p:pic>
-              <p:nvPicPr>
-                <p:cNvPr id="42" name="Graphic 41" descr="Suit">
-                  <a:extLst>
-                    <a:ext uri="{FF2B5EF4-FFF2-40B4-BE49-F238E27FC236}">
-                      <a16:creationId xmlns:a16="http://schemas.microsoft.com/office/drawing/2014/main" id="{AA38583C-16C4-1D41-B2EA-5B5B919D9A31}"/>
-                    </a:ext>
-                  </a:extLst>
-                </p:cNvPr>
-                <p:cNvPicPr>
-                  <a:picLocks noChangeAspect="1"/>
-                </p:cNvPicPr>
-                <p:nvPr/>
-              </p:nvPicPr>
-              <p:blipFill>
-                <a:blip r:embed="rId2">
-                  <a:extLst>
-                    <a:ext uri="{96DAC541-7B7A-43D3-8B79-37D633B846F1}">
-                      <asvg:svgBlip xmlns:asvg="http://schemas.microsoft.com/office/drawing/2016/SVG/main" r:embed="rId3"/>
-                    </a:ext>
-                  </a:extLst>
-                </a:blip>
-                <a:stretch>
-                  <a:fillRect/>
-                </a:stretch>
-              </p:blipFill>
-              <p:spPr>
-                <a:xfrm>
-                  <a:off x="3808841" y="1398846"/>
-                  <a:ext cx="4574309" cy="4574309"/>
-                </a:xfrm>
-                <a:prstGeom prst="rect">
-                  <a:avLst/>
-                </a:prstGeom>
-              </p:spPr>
-            </p:pic>
-            <p:grpSp>
-              <p:nvGrpSpPr>
-                <p:cNvPr id="9" name="Group 8">
-                  <a:extLst>
-                    <a:ext uri="{FF2B5EF4-FFF2-40B4-BE49-F238E27FC236}">
-                      <a16:creationId xmlns:a16="http://schemas.microsoft.com/office/drawing/2014/main" id="{8470CCBD-A67E-CF4A-86EA-A7B69B9C4E1A}"/>
-                    </a:ext>
-                  </a:extLst>
-                </p:cNvPr>
-                <p:cNvGrpSpPr/>
-                <p:nvPr/>
-              </p:nvGrpSpPr>
-              <p:grpSpPr>
-                <a:xfrm>
-                  <a:off x="6185143" y="2391734"/>
-                  <a:ext cx="914400" cy="613497"/>
-                  <a:chOff x="6291640" y="2218014"/>
-                  <a:chExt cx="914400" cy="613497"/>
-                </a:xfrm>
-              </p:grpSpPr>
-              <p:sp>
-                <p:nvSpPr>
-                  <p:cNvPr id="44" name="Rounded Rectangle 43">
-                    <a:extLst>
-                      <a:ext uri="{FF2B5EF4-FFF2-40B4-BE49-F238E27FC236}">
-                        <a16:creationId xmlns:a16="http://schemas.microsoft.com/office/drawing/2014/main" id="{C582140C-FDB0-B84D-B35E-64582B570A90}"/>
-                      </a:ext>
-                    </a:extLst>
-                  </p:cNvPr>
-                  <p:cNvSpPr/>
-                  <p:nvPr/>
-                </p:nvSpPr>
-                <p:spPr>
-                  <a:xfrm>
-                    <a:off x="6291640" y="2218014"/>
-                    <a:ext cx="914400" cy="613497"/>
-                  </a:xfrm>
-                  <a:prstGeom prst="roundRect">
-                    <a:avLst/>
-                  </a:prstGeom>
-                  <a:solidFill>
-                    <a:srgbClr val="FF0000"/>
-                  </a:solidFill>
-                  <a:ln>
-                    <a:noFill/>
-                  </a:ln>
-                </p:spPr>
-                <p:style>
-                  <a:lnRef idx="2">
-                    <a:schemeClr val="accent1">
-                      <a:shade val="50000"/>
-                    </a:schemeClr>
-                  </a:lnRef>
-                  <a:fillRef idx="1">
-                    <a:schemeClr val="accent1"/>
-                  </a:fillRef>
-                  <a:effectRef idx="0">
-                    <a:schemeClr val="accent1"/>
-                  </a:effectRef>
-                  <a:fontRef idx="minor">
-                    <a:schemeClr val="lt1"/>
-                  </a:fontRef>
-                </p:style>
-                <p:txBody>
-                  <a:bodyPr rtlCol="0" anchor="ctr"/>
-                  <a:lstStyle/>
-                  <a:p>
-                    <a:pPr algn="ctr"/>
-                    <a:endParaRPr lang="en-US" sz="600" i="1" dirty="0"/>
-                  </a:p>
-                </p:txBody>
-              </p:sp>
-              <p:sp>
-                <p:nvSpPr>
-                  <p:cNvPr id="45" name="Rectangle 44">
-                    <a:extLst>
-                      <a:ext uri="{FF2B5EF4-FFF2-40B4-BE49-F238E27FC236}">
-                        <a16:creationId xmlns:a16="http://schemas.microsoft.com/office/drawing/2014/main" id="{07630879-C065-0243-AA6C-664B62D4C3E2}"/>
-                      </a:ext>
-                    </a:extLst>
-                  </p:cNvPr>
-                  <p:cNvSpPr/>
-                  <p:nvPr/>
-                </p:nvSpPr>
-                <p:spPr>
-                  <a:xfrm>
-                    <a:off x="6291640" y="2436852"/>
-                    <a:ext cx="914400" cy="320040"/>
-                  </a:xfrm>
-                  <a:prstGeom prst="rect">
-                    <a:avLst/>
-                  </a:prstGeom>
-                  <a:solidFill>
-                    <a:schemeClr val="bg1"/>
-                  </a:solidFill>
-                  <a:ln>
-                    <a:noFill/>
-                  </a:ln>
-                </p:spPr>
-                <p:style>
-                  <a:lnRef idx="2">
-                    <a:schemeClr val="accent1">
-                      <a:shade val="50000"/>
-                    </a:schemeClr>
-                  </a:lnRef>
-                  <a:fillRef idx="1">
-                    <a:schemeClr val="accent1"/>
-                  </a:fillRef>
-                  <a:effectRef idx="0">
-                    <a:schemeClr val="accent1"/>
-                  </a:effectRef>
-                  <a:fontRef idx="minor">
-                    <a:schemeClr val="lt1"/>
-                  </a:fontRef>
-                </p:style>
-                <p:txBody>
-                  <a:bodyPr wrap="none" rtlCol="0" anchor="ctr"/>
-                  <a:lstStyle/>
-                  <a:p>
-                    <a:pPr algn="ctr"/>
-                    <a:r>
-                      <a:rPr lang="en-US" sz="1050" b="1" dirty="0">
-                        <a:solidFill>
-                          <a:schemeClr val="tx1"/>
-                        </a:solidFill>
-                        <a:latin typeface="Courier" pitchFamily="2" charset="0"/>
-                      </a:rPr>
-                      <a:t>US.VA.059</a:t>
-                    </a:r>
-                  </a:p>
-                </p:txBody>
-              </p:sp>
-              <p:grpSp>
-                <p:nvGrpSpPr>
-                  <p:cNvPr id="49" name="Group 48">
-                    <a:extLst>
-                      <a:ext uri="{FF2B5EF4-FFF2-40B4-BE49-F238E27FC236}">
-                        <a16:creationId xmlns:a16="http://schemas.microsoft.com/office/drawing/2014/main" id="{E8D62279-8BEB-EF46-B13C-78BEAAE1D0F2}"/>
-                      </a:ext>
-                    </a:extLst>
-                  </p:cNvPr>
-                  <p:cNvGrpSpPr/>
-                  <p:nvPr/>
-                </p:nvGrpSpPr>
-                <p:grpSpPr>
-                  <a:xfrm>
-                    <a:off x="6467384" y="2234948"/>
-                    <a:ext cx="562912" cy="184970"/>
-                    <a:chOff x="10527402" y="4432299"/>
-                    <a:chExt cx="587793" cy="193146"/>
-                  </a:xfrm>
-                </p:grpSpPr>
-                <p:sp>
-                  <p:nvSpPr>
-                    <p:cNvPr id="47" name="Rectangle 46">
-                      <a:extLst>
-                        <a:ext uri="{FF2B5EF4-FFF2-40B4-BE49-F238E27FC236}">
-                          <a16:creationId xmlns:a16="http://schemas.microsoft.com/office/drawing/2014/main" id="{2B8F79B4-38E0-224D-9914-DAE4EAC71AA7}"/>
-                        </a:ext>
-                      </a:extLst>
-                    </p:cNvPr>
-                    <p:cNvSpPr/>
-                    <p:nvPr/>
-                  </p:nvSpPr>
-                  <p:spPr>
-                    <a:xfrm>
-                      <a:off x="10527402" y="4537030"/>
-                      <a:ext cx="587793" cy="88415"/>
-                    </a:xfrm>
-                    <a:prstGeom prst="rect">
-                      <a:avLst/>
-                    </a:prstGeom>
-                    <a:solidFill>
-                      <a:srgbClr val="FF0000"/>
-                    </a:solidFill>
-                  </p:spPr>
-                  <p:txBody>
-                    <a:bodyPr wrap="square" lIns="0" tIns="0" rIns="0" bIns="0">
-                      <a:spAutoFit/>
-                    </a:bodyPr>
-                    <a:lstStyle/>
-                    <a:p>
-                      <a:pPr lvl="0" algn="ctr"/>
-                      <a:r>
-                        <a:rPr lang="en-US" sz="500" dirty="0">
-                          <a:solidFill>
-                            <a:prstClr val="white"/>
-                          </a:solidFill>
-                          <a:latin typeface="Arial" panose="020B0604020202020204" pitchFamily="34" charset="0"/>
-                          <a:cs typeface="Arial" panose="020B0604020202020204" pitchFamily="34" charset="0"/>
-                        </a:rPr>
-                        <a:t>my name is</a:t>
-                      </a:r>
-                    </a:p>
-                  </p:txBody>
-                </p:sp>
-                <p:sp>
-                  <p:nvSpPr>
-                    <p:cNvPr id="48" name="Rectangle 47">
-                      <a:extLst>
-                        <a:ext uri="{FF2B5EF4-FFF2-40B4-BE49-F238E27FC236}">
-                          <a16:creationId xmlns:a16="http://schemas.microsoft.com/office/drawing/2014/main" id="{8194BA9E-EFC5-9244-969C-9319F8BB5EBF}"/>
-                        </a:ext>
-                      </a:extLst>
-                    </p:cNvPr>
-                    <p:cNvSpPr/>
-                    <p:nvPr/>
-                  </p:nvSpPr>
-                  <p:spPr>
-                    <a:xfrm>
-                      <a:off x="10527402" y="4432299"/>
-                      <a:ext cx="587793" cy="117431"/>
-                    </a:xfrm>
-                    <a:prstGeom prst="rect">
-                      <a:avLst/>
-                    </a:prstGeom>
-                    <a:solidFill>
-                      <a:srgbClr val="FF0000"/>
-                    </a:solidFill>
-                    <a:ln>
-                      <a:noFill/>
-                    </a:ln>
-                  </p:spPr>
-                  <p:style>
-                    <a:lnRef idx="2">
-                      <a:schemeClr val="accent1">
-                        <a:shade val="50000"/>
-                      </a:schemeClr>
-                    </a:lnRef>
-                    <a:fillRef idx="1">
-                      <a:schemeClr val="accent1"/>
-                    </a:fillRef>
-                    <a:effectRef idx="0">
-                      <a:schemeClr val="accent1"/>
-                    </a:effectRef>
-                    <a:fontRef idx="minor">
-                      <a:schemeClr val="lt1"/>
-                    </a:fontRef>
-                  </p:style>
-                  <p:txBody>
-                    <a:bodyPr tIns="0" bIns="0" rtlCol="0" anchor="ctr"/>
-                    <a:lstStyle/>
-                    <a:p>
-                      <a:pPr algn="ctr"/>
-                      <a:r>
-                        <a:rPr lang="en-US" sz="1050" b="1" dirty="0">
-                          <a:solidFill>
-                            <a:schemeClr val="bg1"/>
-                          </a:solidFill>
-                          <a:latin typeface="Arial" panose="020B0604020202020204" pitchFamily="34" charset="0"/>
-                          <a:cs typeface="Arial" panose="020B0604020202020204" pitchFamily="34" charset="0"/>
-                        </a:rPr>
-                        <a:t>Hello</a:t>
-                      </a:r>
-                      <a:endParaRPr lang="en-US" sz="1100" b="1" dirty="0">
-                        <a:solidFill>
-                          <a:schemeClr val="bg1"/>
-                        </a:solidFill>
-                        <a:latin typeface="Arial" panose="020B0604020202020204" pitchFamily="34" charset="0"/>
-                        <a:cs typeface="Arial" panose="020B0604020202020204" pitchFamily="34" charset="0"/>
-                      </a:endParaRPr>
-                    </a:p>
-                  </p:txBody>
-                </p:sp>
-              </p:grpSp>
-            </p:grpSp>
-          </p:grpSp>
-        </p:grpSp>
+            <a:prstGeom prst="rect">
+              <a:avLst/>
+            </a:prstGeom>
+          </p:spPr>
+        </p:pic>
         <p:sp>
           <p:nvSpPr>
-            <p:cNvPr id="2" name="Rectangle 1">
+            <p:cNvPr id="56" name="Oval 55">
               <a:extLst>
                 <a:ext uri="{FF2B5EF4-FFF2-40B4-BE49-F238E27FC236}">
-                  <a16:creationId xmlns:a16="http://schemas.microsoft.com/office/drawing/2014/main" id="{3D597B18-15D0-CE49-8921-55C8EFB43235}"/>
+                  <a16:creationId xmlns:a16="http://schemas.microsoft.com/office/drawing/2014/main" id="{29DAC5E5-0C5A-264D-A948-7C425672456C}"/>
                 </a:ext>
               </a:extLst>
             </p:cNvPr>
-            <p:cNvSpPr/>
+            <p:cNvSpPr>
+              <a:spLocks noChangeAspect="1"/>
+            </p:cNvSpPr>
             <p:nvPr/>
           </p:nvSpPr>
           <p:spPr>
             <a:xfrm>
-              <a:off x="4708502" y="5265390"/>
-              <a:ext cx="2744787" cy="714597"/>
+              <a:off x="5570217" y="617220"/>
+              <a:ext cx="1051560" cy="1051560"/>
             </a:xfrm>
-            <a:prstGeom prst="rect">
+            <a:prstGeom prst="ellipse">
               <a:avLst/>
             </a:prstGeom>
             <a:noFill/>
-            <a:ln>
-              <a:noFill/>
+            <a:ln w="127000" cmpd="sng">
+              <a:solidFill>
+                <a:schemeClr val="tx1"/>
+              </a:solidFill>
             </a:ln>
           </p:spPr>
           <p:style>
@@ -7129,16 +7202,7 @@
             <a:lstStyle/>
             <a:p>
               <a:pPr algn="ctr"/>
-              <a:r>
-                <a:rPr lang="en-US" sz="5400" b="1" dirty="0">
-                  <a:solidFill>
-                    <a:schemeClr val="tx1"/>
-                  </a:solidFill>
-                  <a:latin typeface="Courier" pitchFamily="2" charset="0"/>
-                </a:rPr>
-                <a:t>names</a:t>
-              </a:r>
-              <a:endParaRPr lang="en-US" sz="6600" b="1" dirty="0">
+              <a:endParaRPr lang="en-US" sz="2000" b="1" dirty="0">
                 <a:solidFill>
                   <a:schemeClr val="tx1"/>
                 </a:solidFill>
@@ -7161,7 +7225,7 @@
           </p:nvGrpSpPr>
           <p:grpSpPr>
             <a:xfrm>
-              <a:off x="2952079" y="1541850"/>
+              <a:off x="2967181" y="1391474"/>
               <a:ext cx="6257633" cy="742496"/>
               <a:chOff x="3036375" y="1025684"/>
               <a:chExt cx="6013819" cy="742496"/>
@@ -7214,7 +7278,7 @@
               <a:p>
                 <a:pPr algn="ctr"/>
                 <a:r>
-                  <a:rPr lang="en-US" sz="5400" b="1" dirty="0">
+                  <a:rPr lang="en-US" sz="6600" b="1" dirty="0">
                     <a:solidFill>
                       <a:schemeClr val="tx1"/>
                     </a:solidFill>
@@ -7272,7 +7336,7 @@
               <a:p>
                 <a:pPr algn="ctr"/>
                 <a:r>
-                  <a:rPr lang="en-US" sz="5400" b="1" dirty="0">
+                  <a:rPr lang="en-US" sz="6600" b="1" dirty="0">
                     <a:solidFill>
                       <a:schemeClr val="tx1"/>
                     </a:solidFill>
@@ -7284,6 +7348,395 @@
             </p:txBody>
           </p:sp>
         </p:grpSp>
+        <p:grpSp>
+          <p:nvGrpSpPr>
+            <p:cNvPr id="32" name="Group 31">
+              <a:extLst>
+                <a:ext uri="{FF2B5EF4-FFF2-40B4-BE49-F238E27FC236}">
+                  <a16:creationId xmlns:a16="http://schemas.microsoft.com/office/drawing/2014/main" id="{0A2700E4-0F64-C744-AF70-B86684BCA28B}"/>
+                </a:ext>
+              </a:extLst>
+            </p:cNvPr>
+            <p:cNvGrpSpPr>
+              <a:grpSpLocks noChangeAspect="1"/>
+            </p:cNvGrpSpPr>
+            <p:nvPr/>
+          </p:nvGrpSpPr>
+          <p:grpSpPr>
+            <a:xfrm>
+              <a:off x="3809997" y="1143000"/>
+              <a:ext cx="4572000" cy="4572000"/>
+              <a:chOff x="3808841" y="1398846"/>
+              <a:chExt cx="4574309" cy="4574309"/>
+            </a:xfrm>
+          </p:grpSpPr>
+          <p:pic>
+            <p:nvPicPr>
+              <p:cNvPr id="42" name="Graphic 41" descr="Suit">
+                <a:extLst>
+                  <a:ext uri="{FF2B5EF4-FFF2-40B4-BE49-F238E27FC236}">
+                    <a16:creationId xmlns:a16="http://schemas.microsoft.com/office/drawing/2014/main" id="{AA38583C-16C4-1D41-B2EA-5B5B919D9A31}"/>
+                  </a:ext>
+                </a:extLst>
+              </p:cNvPr>
+              <p:cNvPicPr>
+                <a:picLocks noChangeAspect="1"/>
+              </p:cNvPicPr>
+              <p:nvPr/>
+            </p:nvPicPr>
+            <p:blipFill>
+              <a:blip r:embed="rId5">
+                <a:extLst>
+                  <a:ext uri="{96DAC541-7B7A-43D3-8B79-37D633B846F1}">
+                    <asvg:svgBlip xmlns:asvg="http://schemas.microsoft.com/office/drawing/2016/SVG/main" r:embed="rId6"/>
+                  </a:ext>
+                </a:extLst>
+              </a:blip>
+              <a:stretch>
+                <a:fillRect/>
+              </a:stretch>
+            </p:blipFill>
+            <p:spPr>
+              <a:xfrm>
+                <a:off x="3808841" y="1398846"/>
+                <a:ext cx="4574309" cy="4574309"/>
+              </a:xfrm>
+              <a:prstGeom prst="rect">
+                <a:avLst/>
+              </a:prstGeom>
+            </p:spPr>
+          </p:pic>
+          <p:grpSp>
+            <p:nvGrpSpPr>
+              <p:cNvPr id="9" name="Group 8">
+                <a:extLst>
+                  <a:ext uri="{FF2B5EF4-FFF2-40B4-BE49-F238E27FC236}">
+                    <a16:creationId xmlns:a16="http://schemas.microsoft.com/office/drawing/2014/main" id="{8470CCBD-A67E-CF4A-86EA-A7B69B9C4E1A}"/>
+                  </a:ext>
+                </a:extLst>
+              </p:cNvPr>
+              <p:cNvGrpSpPr/>
+              <p:nvPr/>
+            </p:nvGrpSpPr>
+            <p:grpSpPr>
+              <a:xfrm>
+                <a:off x="6185143" y="2391734"/>
+                <a:ext cx="914400" cy="613497"/>
+                <a:chOff x="6291640" y="2218014"/>
+                <a:chExt cx="914400" cy="613497"/>
+              </a:xfrm>
+            </p:grpSpPr>
+            <p:sp>
+              <p:nvSpPr>
+                <p:cNvPr id="44" name="Rounded Rectangle 43">
+                  <a:extLst>
+                    <a:ext uri="{FF2B5EF4-FFF2-40B4-BE49-F238E27FC236}">
+                      <a16:creationId xmlns:a16="http://schemas.microsoft.com/office/drawing/2014/main" id="{C582140C-FDB0-B84D-B35E-64582B570A90}"/>
+                    </a:ext>
+                  </a:extLst>
+                </p:cNvPr>
+                <p:cNvSpPr/>
+                <p:nvPr/>
+              </p:nvSpPr>
+              <p:spPr>
+                <a:xfrm>
+                  <a:off x="6291640" y="2218014"/>
+                  <a:ext cx="914400" cy="613497"/>
+                </a:xfrm>
+                <a:prstGeom prst="roundRect">
+                  <a:avLst/>
+                </a:prstGeom>
+                <a:solidFill>
+                  <a:srgbClr val="C00000"/>
+                </a:solidFill>
+                <a:ln>
+                  <a:noFill/>
+                </a:ln>
+              </p:spPr>
+              <p:style>
+                <a:lnRef idx="2">
+                  <a:schemeClr val="accent1">
+                    <a:shade val="50000"/>
+                  </a:schemeClr>
+                </a:lnRef>
+                <a:fillRef idx="1">
+                  <a:schemeClr val="accent1"/>
+                </a:fillRef>
+                <a:effectRef idx="0">
+                  <a:schemeClr val="accent1"/>
+                </a:effectRef>
+                <a:fontRef idx="minor">
+                  <a:schemeClr val="lt1"/>
+                </a:fontRef>
+              </p:style>
+              <p:txBody>
+                <a:bodyPr rtlCol="0" anchor="ctr"/>
+                <a:lstStyle/>
+                <a:p>
+                  <a:pPr algn="ctr"/>
+                  <a:endParaRPr lang="en-US" sz="600" i="1" dirty="0"/>
+                </a:p>
+              </p:txBody>
+            </p:sp>
+            <p:sp>
+              <p:nvSpPr>
+                <p:cNvPr id="45" name="Rectangle 44">
+                  <a:extLst>
+                    <a:ext uri="{FF2B5EF4-FFF2-40B4-BE49-F238E27FC236}">
+                      <a16:creationId xmlns:a16="http://schemas.microsoft.com/office/drawing/2014/main" id="{07630879-C065-0243-AA6C-664B62D4C3E2}"/>
+                    </a:ext>
+                  </a:extLst>
+                </p:cNvPr>
+                <p:cNvSpPr/>
+                <p:nvPr/>
+              </p:nvSpPr>
+              <p:spPr>
+                <a:xfrm>
+                  <a:off x="6291640" y="2436852"/>
+                  <a:ext cx="914400" cy="320040"/>
+                </a:xfrm>
+                <a:prstGeom prst="rect">
+                  <a:avLst/>
+                </a:prstGeom>
+                <a:solidFill>
+                  <a:schemeClr val="bg1"/>
+                </a:solidFill>
+                <a:ln>
+                  <a:noFill/>
+                </a:ln>
+              </p:spPr>
+              <p:style>
+                <a:lnRef idx="2">
+                  <a:schemeClr val="accent1">
+                    <a:shade val="50000"/>
+                  </a:schemeClr>
+                </a:lnRef>
+                <a:fillRef idx="1">
+                  <a:schemeClr val="accent1"/>
+                </a:fillRef>
+                <a:effectRef idx="0">
+                  <a:schemeClr val="accent1"/>
+                </a:effectRef>
+                <a:fontRef idx="minor">
+                  <a:schemeClr val="lt1"/>
+                </a:fontRef>
+              </p:style>
+              <p:txBody>
+                <a:bodyPr wrap="none" rtlCol="0" anchor="ctr"/>
+                <a:lstStyle/>
+                <a:p>
+                  <a:pPr algn="ctr"/>
+                  <a:r>
+                    <a:rPr lang="en-US" sz="1200" b="1" dirty="0">
+                      <a:solidFill>
+                        <a:schemeClr val="tx1"/>
+                      </a:solidFill>
+                      <a:latin typeface="Courier" pitchFamily="2" charset="0"/>
+                    </a:rPr>
+                    <a:t>US.VA.059</a:t>
+                  </a:r>
+                </a:p>
+              </p:txBody>
+            </p:sp>
+            <p:grpSp>
+              <p:nvGrpSpPr>
+                <p:cNvPr id="49" name="Group 48">
+                  <a:extLst>
+                    <a:ext uri="{FF2B5EF4-FFF2-40B4-BE49-F238E27FC236}">
+                      <a16:creationId xmlns:a16="http://schemas.microsoft.com/office/drawing/2014/main" id="{E8D62279-8BEB-EF46-B13C-78BEAAE1D0F2}"/>
+                    </a:ext>
+                  </a:extLst>
+                </p:cNvPr>
+                <p:cNvGrpSpPr/>
+                <p:nvPr/>
+              </p:nvGrpSpPr>
+              <p:grpSpPr>
+                <a:xfrm>
+                  <a:off x="6467384" y="2234948"/>
+                  <a:ext cx="562912" cy="184970"/>
+                  <a:chOff x="10527402" y="4432299"/>
+                  <a:chExt cx="587793" cy="193146"/>
+                </a:xfrm>
+              </p:grpSpPr>
+              <p:sp>
+                <p:nvSpPr>
+                  <p:cNvPr id="47" name="Rectangle 46">
+                    <a:extLst>
+                      <a:ext uri="{FF2B5EF4-FFF2-40B4-BE49-F238E27FC236}">
+                        <a16:creationId xmlns:a16="http://schemas.microsoft.com/office/drawing/2014/main" id="{2B8F79B4-38E0-224D-9914-DAE4EAC71AA7}"/>
+                      </a:ext>
+                    </a:extLst>
+                  </p:cNvPr>
+                  <p:cNvSpPr/>
+                  <p:nvPr/>
+                </p:nvSpPr>
+                <p:spPr>
+                  <a:xfrm>
+                    <a:off x="10527402" y="4537030"/>
+                    <a:ext cx="587793" cy="88415"/>
+                  </a:xfrm>
+                  <a:prstGeom prst="rect">
+                    <a:avLst/>
+                  </a:prstGeom>
+                  <a:solidFill>
+                    <a:srgbClr val="C00000"/>
+                  </a:solidFill>
+                </p:spPr>
+                <p:txBody>
+                  <a:bodyPr wrap="square" lIns="0" tIns="0" rIns="0" bIns="0">
+                    <a:spAutoFit/>
+                  </a:bodyPr>
+                  <a:lstStyle/>
+                  <a:p>
+                    <a:pPr lvl="0" algn="ctr"/>
+                    <a:r>
+                      <a:rPr lang="en-US" sz="500" dirty="0">
+                        <a:solidFill>
+                          <a:prstClr val="white"/>
+                        </a:solidFill>
+                        <a:latin typeface="Arial" panose="020B0604020202020204" pitchFamily="34" charset="0"/>
+                        <a:cs typeface="Arial" panose="020B0604020202020204" pitchFamily="34" charset="0"/>
+                      </a:rPr>
+                      <a:t>my name is</a:t>
+                    </a:r>
+                  </a:p>
+                </p:txBody>
+              </p:sp>
+              <p:sp>
+                <p:nvSpPr>
+                  <p:cNvPr id="48" name="Rectangle 47">
+                    <a:extLst>
+                      <a:ext uri="{FF2B5EF4-FFF2-40B4-BE49-F238E27FC236}">
+                        <a16:creationId xmlns:a16="http://schemas.microsoft.com/office/drawing/2014/main" id="{8194BA9E-EFC5-9244-969C-9319F8BB5EBF}"/>
+                      </a:ext>
+                    </a:extLst>
+                  </p:cNvPr>
+                  <p:cNvSpPr/>
+                  <p:nvPr/>
+                </p:nvSpPr>
+                <p:spPr>
+                  <a:xfrm>
+                    <a:off x="10527402" y="4432299"/>
+                    <a:ext cx="587793" cy="117431"/>
+                  </a:xfrm>
+                  <a:prstGeom prst="rect">
+                    <a:avLst/>
+                  </a:prstGeom>
+                  <a:solidFill>
+                    <a:srgbClr val="C00000"/>
+                  </a:solidFill>
+                  <a:ln>
+                    <a:noFill/>
+                  </a:ln>
+                </p:spPr>
+                <p:style>
+                  <a:lnRef idx="2">
+                    <a:schemeClr val="accent1">
+                      <a:shade val="50000"/>
+                    </a:schemeClr>
+                  </a:lnRef>
+                  <a:fillRef idx="1">
+                    <a:schemeClr val="accent1"/>
+                  </a:fillRef>
+                  <a:effectRef idx="0">
+                    <a:schemeClr val="accent1"/>
+                  </a:effectRef>
+                  <a:fontRef idx="minor">
+                    <a:schemeClr val="lt1"/>
+                  </a:fontRef>
+                </p:style>
+                <p:txBody>
+                  <a:bodyPr tIns="0" bIns="0" rtlCol="0" anchor="ctr"/>
+                  <a:lstStyle/>
+                  <a:p>
+                    <a:pPr algn="ctr"/>
+                    <a:r>
+                      <a:rPr lang="en-US" sz="1050" b="1" dirty="0">
+                        <a:solidFill>
+                          <a:schemeClr val="bg1"/>
+                        </a:solidFill>
+                        <a:latin typeface="Arial" panose="020B0604020202020204" pitchFamily="34" charset="0"/>
+                        <a:cs typeface="Arial" panose="020B0604020202020204" pitchFamily="34" charset="0"/>
+                      </a:rPr>
+                      <a:t>Hello</a:t>
+                    </a:r>
+                    <a:endParaRPr lang="en-US" sz="1100" b="1" dirty="0">
+                      <a:solidFill>
+                        <a:schemeClr val="bg1"/>
+                      </a:solidFill>
+                      <a:latin typeface="Arial" panose="020B0604020202020204" pitchFamily="34" charset="0"/>
+                      <a:cs typeface="Arial" panose="020B0604020202020204" pitchFamily="34" charset="0"/>
+                    </a:endParaRPr>
+                  </a:p>
+                </p:txBody>
+              </p:sp>
+            </p:grpSp>
+          </p:grpSp>
+        </p:grpSp>
+        <p:sp>
+          <p:nvSpPr>
+            <p:cNvPr id="2" name="Rectangle 1">
+              <a:extLst>
+                <a:ext uri="{FF2B5EF4-FFF2-40B4-BE49-F238E27FC236}">
+                  <a16:creationId xmlns:a16="http://schemas.microsoft.com/office/drawing/2014/main" id="{3D597B18-15D0-CE49-8921-55C8EFB43235}"/>
+                </a:ext>
+              </a:extLst>
+            </p:cNvPr>
+            <p:cNvSpPr/>
+            <p:nvPr/>
+          </p:nvSpPr>
+          <p:spPr>
+            <a:xfrm>
+              <a:off x="4723604" y="5000403"/>
+              <a:ext cx="2744787" cy="714597"/>
+            </a:xfrm>
+            <a:prstGeom prst="rect">
+              <a:avLst/>
+            </a:prstGeom>
+            <a:noFill/>
+            <a:ln>
+              <a:noFill/>
+            </a:ln>
+          </p:spPr>
+          <p:style>
+            <a:lnRef idx="2">
+              <a:schemeClr val="accent1">
+                <a:shade val="50000"/>
+              </a:schemeClr>
+            </a:lnRef>
+            <a:fillRef idx="1">
+              <a:schemeClr val="accent1"/>
+            </a:fillRef>
+            <a:effectRef idx="0">
+              <a:schemeClr val="accent1"/>
+            </a:effectRef>
+            <a:fontRef idx="minor">
+              <a:schemeClr val="lt1"/>
+            </a:fontRef>
+          </p:style>
+          <p:txBody>
+            <a:bodyPr wrap="none" lIns="0" tIns="0" rIns="0" bIns="0" rtlCol="0" anchor="ctr"/>
+            <a:lstStyle/>
+            <a:p>
+              <a:pPr algn="ctr"/>
+              <a:r>
+                <a:rPr lang="en-US" sz="6600" b="1" dirty="0">
+                  <a:solidFill>
+                    <a:schemeClr val="tx1"/>
+                  </a:solidFill>
+                  <a:latin typeface="Courier" pitchFamily="2" charset="0"/>
+                </a:rPr>
+                <a:t>names</a:t>
+              </a:r>
+              <a:endParaRPr lang="en-US" sz="8000" b="1" dirty="0">
+                <a:solidFill>
+                  <a:schemeClr val="tx1"/>
+                </a:solidFill>
+                <a:latin typeface="Courier" pitchFamily="2" charset="0"/>
+              </a:endParaRPr>
+            </a:p>
+          </p:txBody>
+        </p:sp>
       </p:grpSp>
     </p:spTree>
     <p:extLst>
@@ -7591,4 +8044,299 @@
     </a:ext>
   </a:extLst>
 </a:theme>
+</file>
+
+<file path=ppt/theme/theme2.xml><?xml version="1.0" encoding="utf-8"?>
+<a:theme xmlns:a="http://schemas.openxmlformats.org/drawingml/2006/main" name="Office Theme">
+  <a:themeElements>
+    <a:clrScheme name="Office">
+      <a:dk1>
+        <a:sysClr val="windowText" lastClr="000000"/>
+      </a:dk1>
+      <a:lt1>
+        <a:sysClr val="window" lastClr="FFFFFF"/>
+      </a:lt1>
+      <a:dk2>
+        <a:srgbClr val="44546A"/>
+      </a:dk2>
+      <a:lt2>
+        <a:srgbClr val="E7E6E6"/>
+      </a:lt2>
+      <a:accent1>
+        <a:srgbClr val="4472C4"/>
+      </a:accent1>
+      <a:accent2>
+        <a:srgbClr val="ED7D31"/>
+      </a:accent2>
+      <a:accent3>
+        <a:srgbClr val="A5A5A5"/>
+      </a:accent3>
+      <a:accent4>
+        <a:srgbClr val="FFC000"/>
+      </a:accent4>
+      <a:accent5>
+        <a:srgbClr val="5B9BD5"/>
+      </a:accent5>
+      <a:accent6>
+        <a:srgbClr val="70AD47"/>
+      </a:accent6>
+      <a:hlink>
+        <a:srgbClr val="0563C1"/>
+      </a:hlink>
+      <a:folHlink>
+        <a:srgbClr val="954F72"/>
+      </a:folHlink>
+    </a:clrScheme>
+    <a:fontScheme name="Office">
+      <a:majorFont>
+        <a:latin typeface="Calibri Light" panose="020F0302020204030204"/>
+        <a:ea typeface=""/>
+        <a:cs typeface=""/>
+        <a:font script="Jpan" typeface="游ゴシック Light"/>
+        <a:font script="Hang" typeface="맑은 고딕"/>
+        <a:font script="Hans" typeface="等线 Light"/>
+        <a:font script="Hant" typeface="新細明體"/>
+        <a:font script="Arab" typeface="Times New Roman"/>
+        <a:font script="Hebr" typeface="Times New Roman"/>
+        <a:font script="Thai" typeface="Angsana New"/>
+        <a:font script="Ethi" typeface="Nyala"/>
+        <a:font script="Beng" typeface="Vrinda"/>
+        <a:font script="Gujr" typeface="Shruti"/>
+        <a:font script="Khmr" typeface="MoolBoran"/>
+        <a:font script="Knda" typeface="Tunga"/>
+        <a:font script="Guru" typeface="Raavi"/>
+        <a:font script="Cans" typeface="Euphemia"/>
+        <a:font script="Cher" typeface="Plantagenet Cherokee"/>
+        <a:font script="Yiii" typeface="Microsoft Yi Baiti"/>
+        <a:font script="Tibt" typeface="Microsoft Himalaya"/>
+        <a:font script="Thaa" typeface="MV Boli"/>
+        <a:font script="Deva" typeface="Mangal"/>
+        <a:font script="Telu" typeface="Gautami"/>
+        <a:font script="Taml" typeface="Latha"/>
+        <a:font script="Syrc" typeface="Estrangelo Edessa"/>
+        <a:font script="Orya" typeface="Kalinga"/>
+        <a:font script="Mlym" typeface="Kartika"/>
+        <a:font script="Laoo" typeface="DokChampa"/>
+        <a:font script="Sinh" typeface="Iskoola Pota"/>
+        <a:font script="Mong" typeface="Mongolian Baiti"/>
+        <a:font script="Viet" typeface="Times New Roman"/>
+        <a:font script="Uigh" typeface="Microsoft Uighur"/>
+        <a:font script="Geor" typeface="Sylfaen"/>
+        <a:font script="Armn" typeface="Arial"/>
+        <a:font script="Bugi" typeface="Leelawadee UI"/>
+        <a:font script="Bopo" typeface="Microsoft JhengHei"/>
+        <a:font script="Java" typeface="Javanese Text"/>
+        <a:font script="Lisu" typeface="Segoe UI"/>
+        <a:font script="Mymr" typeface="Myanmar Text"/>
+        <a:font script="Nkoo" typeface="Ebrima"/>
+        <a:font script="Olck" typeface="Nirmala UI"/>
+        <a:font script="Osma" typeface="Ebrima"/>
+        <a:font script="Phag" typeface="Phagspa"/>
+        <a:font script="Syrn" typeface="Estrangelo Edessa"/>
+        <a:font script="Syrj" typeface="Estrangelo Edessa"/>
+        <a:font script="Syre" typeface="Estrangelo Edessa"/>
+        <a:font script="Sora" typeface="Nirmala UI"/>
+        <a:font script="Tale" typeface="Microsoft Tai Le"/>
+        <a:font script="Talu" typeface="Microsoft New Tai Lue"/>
+        <a:font script="Tfng" typeface="Ebrima"/>
+      </a:majorFont>
+      <a:minorFont>
+        <a:latin typeface="Calibri" panose="020F0502020204030204"/>
+        <a:ea typeface=""/>
+        <a:cs typeface=""/>
+        <a:font script="Jpan" typeface="游ゴシック"/>
+        <a:font script="Hang" typeface="맑은 고딕"/>
+        <a:font script="Hans" typeface="等线"/>
+        <a:font script="Hant" typeface="新細明體"/>
+        <a:font script="Arab" typeface="Arial"/>
+        <a:font script="Hebr" typeface="Arial"/>
+        <a:font script="Thai" typeface="Cordia New"/>
+        <a:font script="Ethi" typeface="Nyala"/>
+        <a:font script="Beng" typeface="Vrinda"/>
+        <a:font script="Gujr" typeface="Shruti"/>
+        <a:font script="Khmr" typeface="DaunPenh"/>
+        <a:font script="Knda" typeface="Tunga"/>
+        <a:font script="Guru" typeface="Raavi"/>
+        <a:font script="Cans" typeface="Euphemia"/>
+        <a:font script="Cher" typeface="Plantagenet Cherokee"/>
+        <a:font script="Yiii" typeface="Microsoft Yi Baiti"/>
+        <a:font script="Tibt" typeface="Microsoft Himalaya"/>
+        <a:font script="Thaa" typeface="MV Boli"/>
+        <a:font script="Deva" typeface="Mangal"/>
+        <a:font script="Telu" typeface="Gautami"/>
+        <a:font script="Taml" typeface="Latha"/>
+        <a:font script="Syrc" typeface="Estrangelo Edessa"/>
+        <a:font script="Orya" typeface="Kalinga"/>
+        <a:font script="Mlym" typeface="Kartika"/>
+        <a:font script="Laoo" typeface="DokChampa"/>
+        <a:font script="Sinh" typeface="Iskoola Pota"/>
+        <a:font script="Mong" typeface="Mongolian Baiti"/>
+        <a:font script="Viet" typeface="Arial"/>
+        <a:font script="Uigh" typeface="Microsoft Uighur"/>
+        <a:font script="Geor" typeface="Sylfaen"/>
+        <a:font script="Armn" typeface="Arial"/>
+        <a:font script="Bugi" typeface="Leelawadee UI"/>
+        <a:font script="Bopo" typeface="Microsoft JhengHei"/>
+        <a:font script="Java" typeface="Javanese Text"/>
+        <a:font script="Lisu" typeface="Segoe UI"/>
+        <a:font script="Mymr" typeface="Myanmar Text"/>
+        <a:font script="Nkoo" typeface="Ebrima"/>
+        <a:font script="Olck" typeface="Nirmala UI"/>
+        <a:font script="Osma" typeface="Ebrima"/>
+        <a:font script="Phag" typeface="Phagspa"/>
+        <a:font script="Syrn" typeface="Estrangelo Edessa"/>
+        <a:font script="Syrj" typeface="Estrangelo Edessa"/>
+        <a:font script="Syre" typeface="Estrangelo Edessa"/>
+        <a:font script="Sora" typeface="Nirmala UI"/>
+        <a:font script="Tale" typeface="Microsoft Tai Le"/>
+        <a:font script="Talu" typeface="Microsoft New Tai Lue"/>
+        <a:font script="Tfng" typeface="Ebrima"/>
+      </a:minorFont>
+    </a:fontScheme>
+    <a:fmtScheme name="Office">
+      <a:fillStyleLst>
+        <a:solidFill>
+          <a:schemeClr val="phClr"/>
+        </a:solidFill>
+        <a:gradFill rotWithShape="1">
+          <a:gsLst>
+            <a:gs pos="0">
+              <a:schemeClr val="phClr">
+                <a:lumMod val="110000"/>
+                <a:satMod val="105000"/>
+                <a:tint val="67000"/>
+              </a:schemeClr>
+            </a:gs>
+            <a:gs pos="50000">
+              <a:schemeClr val="phClr">
+                <a:lumMod val="105000"/>
+                <a:satMod val="103000"/>
+                <a:tint val="73000"/>
+              </a:schemeClr>
+            </a:gs>
+            <a:gs pos="100000">
+              <a:schemeClr val="phClr">
+                <a:lumMod val="105000"/>
+                <a:satMod val="109000"/>
+                <a:tint val="81000"/>
+              </a:schemeClr>
+            </a:gs>
+          </a:gsLst>
+          <a:lin ang="5400000" scaled="0"/>
+        </a:gradFill>
+        <a:gradFill rotWithShape="1">
+          <a:gsLst>
+            <a:gs pos="0">
+              <a:schemeClr val="phClr">
+                <a:satMod val="103000"/>
+                <a:lumMod val="102000"/>
+                <a:tint val="94000"/>
+              </a:schemeClr>
+            </a:gs>
+            <a:gs pos="50000">
+              <a:schemeClr val="phClr">
+                <a:satMod val="110000"/>
+                <a:lumMod val="100000"/>
+                <a:shade val="100000"/>
+              </a:schemeClr>
+            </a:gs>
+            <a:gs pos="100000">
+              <a:schemeClr val="phClr">
+                <a:lumMod val="99000"/>
+                <a:satMod val="120000"/>
+                <a:shade val="78000"/>
+              </a:schemeClr>
+            </a:gs>
+          </a:gsLst>
+          <a:lin ang="5400000" scaled="0"/>
+        </a:gradFill>
+      </a:fillStyleLst>
+      <a:lnStyleLst>
+        <a:ln w="6350" cap="flat" cmpd="sng" algn="ctr">
+          <a:solidFill>
+            <a:schemeClr val="phClr"/>
+          </a:solidFill>
+          <a:prstDash val="solid"/>
+          <a:miter lim="800000"/>
+        </a:ln>
+        <a:ln w="12700" cap="flat" cmpd="sng" algn="ctr">
+          <a:solidFill>
+            <a:schemeClr val="phClr"/>
+          </a:solidFill>
+          <a:prstDash val="solid"/>
+          <a:miter lim="800000"/>
+        </a:ln>
+        <a:ln w="19050" cap="flat" cmpd="sng" algn="ctr">
+          <a:solidFill>
+            <a:schemeClr val="phClr"/>
+          </a:solidFill>
+          <a:prstDash val="solid"/>
+          <a:miter lim="800000"/>
+        </a:ln>
+      </a:lnStyleLst>
+      <a:effectStyleLst>
+        <a:effectStyle>
+          <a:effectLst/>
+        </a:effectStyle>
+        <a:effectStyle>
+          <a:effectLst/>
+        </a:effectStyle>
+        <a:effectStyle>
+          <a:effectLst>
+            <a:outerShdw blurRad="57150" dist="19050" dir="5400000" algn="ctr" rotWithShape="0">
+              <a:srgbClr val="000000">
+                <a:alpha val="63000"/>
+              </a:srgbClr>
+            </a:outerShdw>
+          </a:effectLst>
+        </a:effectStyle>
+      </a:effectStyleLst>
+      <a:bgFillStyleLst>
+        <a:solidFill>
+          <a:schemeClr val="phClr"/>
+        </a:solidFill>
+        <a:solidFill>
+          <a:schemeClr val="phClr">
+            <a:tint val="95000"/>
+            <a:satMod val="170000"/>
+          </a:schemeClr>
+        </a:solidFill>
+        <a:gradFill rotWithShape="1">
+          <a:gsLst>
+            <a:gs pos="0">
+              <a:schemeClr val="phClr">
+                <a:tint val="93000"/>
+                <a:satMod val="150000"/>
+                <a:shade val="98000"/>
+                <a:lumMod val="102000"/>
+              </a:schemeClr>
+            </a:gs>
+            <a:gs pos="50000">
+              <a:schemeClr val="phClr">
+                <a:tint val="98000"/>
+                <a:satMod val="130000"/>
+                <a:shade val="90000"/>
+                <a:lumMod val="103000"/>
+              </a:schemeClr>
+            </a:gs>
+            <a:gs pos="100000">
+              <a:schemeClr val="phClr">
+                <a:shade val="63000"/>
+                <a:satMod val="120000"/>
+              </a:schemeClr>
+            </a:gs>
+          </a:gsLst>
+          <a:lin ang="5400000" scaled="0"/>
+        </a:gradFill>
+      </a:bgFillStyleLst>
+    </a:fmtScheme>
+  </a:themeElements>
+  <a:objectDefaults/>
+  <a:extraClrSchemeLst/>
+  <a:extLst>
+    <a:ext uri="{05A4C25C-085E-4340-85A3-A5531E510DB2}">
+      <thm15:themeFamily xmlns:thm15="http://schemas.microsoft.com/office/thememl/2012/main" name="Office Theme" id="{62F939B6-93AF-4DB8-9C6B-D6C7DFDC589F}" vid="{4A3C46E8-61CC-4603-A589-7422A47A8E4A}"/>
+    </a:ext>
+  </a:extLst>
+</a:theme>
 </file>
--- a/man/figures/logo.pptx
+++ b/man/figures/logo.pptx
@@ -5,16 +5,14 @@
     <p:sldMasterId id="2147483648" r:id="rId1"/>
   </p:sldMasterIdLst>
   <p:notesMasterIdLst>
-    <p:notesMasterId r:id="rId9"/>
+    <p:notesMasterId r:id="rId7"/>
   </p:notesMasterIdLst>
   <p:sldIdLst>
     <p:sldId id="257" r:id="rId2"/>
     <p:sldId id="256" r:id="rId3"/>
     <p:sldId id="258" r:id="rId4"/>
     <p:sldId id="260" r:id="rId5"/>
-    <p:sldId id="259" r:id="rId6"/>
-    <p:sldId id="261" r:id="rId7"/>
-    <p:sldId id="262" r:id="rId8"/>
+    <p:sldId id="262" r:id="rId6"/>
   </p:sldIdLst>
   <p:sldSz cx="12192000" cy="6858000"/>
   <p:notesSz cx="6858000" cy="9144000"/>
@@ -546,7 +544,7 @@
           <a:p>
             <a:fld id="{C476D97D-7C02-874C-B5FA-CC2928F4B0D6}" type="slidenum">
               <a:rPr lang="en-US" smtClean="0"/>
-              <a:t>7</a:t>
+              <a:t>5</a:t>
             </a:fld>
             <a:endParaRPr lang="en-US"/>
           </a:p>
@@ -6081,72 +6079,61 @@
           <a:chExt cx="0" cy="0"/>
         </a:xfrm>
       </p:grpSpPr>
-      <p:pic>
-        <p:nvPicPr>
-          <p:cNvPr id="5" name="Graphic 4" descr="Suit">
+      <p:sp>
+        <p:nvSpPr>
+          <p:cNvPr id="20" name="Hexagon 19">
             <a:extLst>
               <a:ext uri="{FF2B5EF4-FFF2-40B4-BE49-F238E27FC236}">
-                <a16:creationId xmlns:a16="http://schemas.microsoft.com/office/drawing/2014/main" id="{7BC367A0-55A2-E94F-8425-18A750F79766}"/>
+                <a16:creationId xmlns:a16="http://schemas.microsoft.com/office/drawing/2014/main" id="{78E1EC13-CD08-3143-840D-413B72FEFB64}"/>
               </a:ext>
             </a:extLst>
           </p:cNvPr>
-          <p:cNvPicPr>
-            <a:picLocks noChangeAspect="1"/>
-          </p:cNvPicPr>
+          <p:cNvSpPr/>
           <p:nvPr/>
-        </p:nvPicPr>
-        <p:blipFill>
-          <a:blip r:embed="rId2">
-            <a:extLst>
-              <a:ext uri="{96DAC541-7B7A-43D3-8B79-37D633B846F1}">
-                <asvg:svgBlip xmlns:asvg="http://schemas.microsoft.com/office/drawing/2016/SVG/main" r:embed="rId3"/>
-              </a:ext>
-            </a:extLst>
-          </a:blip>
-          <a:stretch>
-            <a:fillRect/>
-          </a:stretch>
-        </p:blipFill>
+        </p:nvSpPr>
         <p:spPr>
-          <a:xfrm>
-            <a:off x="4403691" y="2413000"/>
-            <a:ext cx="2438936" cy="2438936"/>
+          <a:xfrm rot="5400000">
+            <a:off x="2717725" y="611909"/>
+            <a:ext cx="6756539" cy="5634182"/>
           </a:xfrm>
-          <a:prstGeom prst="rect">
-            <a:avLst/>
+          <a:prstGeom prst="hexagon">
+            <a:avLst>
+              <a:gd name="adj" fmla="val 29215"/>
+              <a:gd name="vf" fmla="val 115470"/>
+            </a:avLst>
           </a:prstGeom>
+          <a:solidFill>
+            <a:schemeClr val="bg1"/>
+          </a:solidFill>
+          <a:ln>
+            <a:noFill/>
+          </a:ln>
         </p:spPr>
-      </p:pic>
-    </p:spTree>
-    <p:extLst>
-      <p:ext uri="{BB962C8B-B14F-4D97-AF65-F5344CB8AC3E}">
-        <p14:creationId xmlns:p14="http://schemas.microsoft.com/office/powerpoint/2010/main" val="1260557308"/>
-      </p:ext>
-    </p:extLst>
-  </p:cSld>
-  <p:clrMapOvr>
-    <a:masterClrMapping/>
-  </p:clrMapOvr>
-</p:sld>
-</file>
-
-<file path=ppt/slides/slide6.xml><?xml version="1.0" encoding="utf-8"?>
-<p:sld xmlns:a="http://schemas.openxmlformats.org/drawingml/2006/main" xmlns:r="http://schemas.openxmlformats.org/officeDocument/2006/relationships" xmlns:p="http://schemas.openxmlformats.org/presentationml/2006/main">
-  <p:cSld>
-    <p:spTree>
-      <p:nvGrpSpPr>
-        <p:cNvPr id="1" name=""/>
-        <p:cNvGrpSpPr/>
-        <p:nvPr/>
-      </p:nvGrpSpPr>
-      <p:grpSpPr>
-        <a:xfrm>
-          <a:off x="0" y="0"/>
-          <a:ext cx="0" cy="0"/>
-          <a:chOff x="0" y="0"/>
-          <a:chExt cx="0" cy="0"/>
-        </a:xfrm>
-      </p:grpSpPr>
+        <p:style>
+          <a:lnRef idx="2">
+            <a:schemeClr val="accent1">
+              <a:shade val="50000"/>
+            </a:schemeClr>
+          </a:lnRef>
+          <a:fillRef idx="1">
+            <a:schemeClr val="accent1"/>
+          </a:fillRef>
+          <a:effectRef idx="0">
+            <a:schemeClr val="accent1"/>
+          </a:effectRef>
+          <a:fontRef idx="minor">
+            <a:schemeClr val="lt1"/>
+          </a:fontRef>
+        </p:style>
+        <p:txBody>
+          <a:bodyPr rtlCol="0" anchor="ctr"/>
+          <a:lstStyle/>
+          <a:p>
+            <a:pPr algn="ctr"/>
+            <a:endParaRPr lang="en-US"/>
+          </a:p>
+        </p:txBody>
+      </p:sp>
       <p:sp>
         <p:nvSpPr>
           <p:cNvPr id="24" name="Freeform 23">
@@ -6161,7 +6148,7 @@
         </p:nvSpPr>
         <p:spPr>
           <a:xfrm>
-            <a:off x="3139950" y="14046"/>
+            <a:off x="3139944" y="14046"/>
             <a:ext cx="5912100" cy="6829908"/>
           </a:xfrm>
           <a:custGeom>
@@ -6390,10 +6377,10 @@
       </p:sp>
       <p:grpSp>
         <p:nvGrpSpPr>
-          <p:cNvPr id="59" name="Group 58">
+          <p:cNvPr id="17" name="Group 16">
             <a:extLst>
               <a:ext uri="{FF2B5EF4-FFF2-40B4-BE49-F238E27FC236}">
-                <a16:creationId xmlns:a16="http://schemas.microsoft.com/office/drawing/2014/main" id="{F0FFF977-9B1F-CB47-9DC6-B3267976E646}"/>
+                <a16:creationId xmlns:a16="http://schemas.microsoft.com/office/drawing/2014/main" id="{AA1F9F77-E577-DD4A-8326-F0ADE79EF3D9}"/>
               </a:ext>
             </a:extLst>
           </p:cNvPr>
@@ -6402,113 +6389,18 @@
         </p:nvGrpSpPr>
         <p:grpSpPr>
           <a:xfrm>
-            <a:off x="3467100" y="528174"/>
-            <a:ext cx="5257800" cy="5974008"/>
-            <a:chOff x="3467100" y="537052"/>
-            <a:chExt cx="5257800" cy="5974008"/>
+            <a:off x="4483507" y="366572"/>
+            <a:ext cx="3224942" cy="4825916"/>
+            <a:chOff x="4483523" y="222334"/>
+            <a:chExt cx="3224942" cy="4825916"/>
           </a:xfrm>
         </p:grpSpPr>
-        <p:pic>
-          <p:nvPicPr>
-            <p:cNvPr id="42" name="Graphic 41" descr="Suit">
+        <p:grpSp>
+          <p:nvGrpSpPr>
+            <p:cNvPr id="12" name="Group 11">
               <a:extLst>
                 <a:ext uri="{FF2B5EF4-FFF2-40B4-BE49-F238E27FC236}">
-                  <a16:creationId xmlns:a16="http://schemas.microsoft.com/office/drawing/2014/main" id="{AA38583C-16C4-1D41-B2EA-5B5B919D9A31}"/>
-                </a:ext>
-              </a:extLst>
-            </p:cNvPr>
-            <p:cNvPicPr>
-              <a:picLocks noChangeAspect="1"/>
-            </p:cNvPicPr>
-            <p:nvPr/>
-          </p:nvPicPr>
-          <p:blipFill>
-            <a:blip r:embed="rId2">
-              <a:extLst>
-                <a:ext uri="{96DAC541-7B7A-43D3-8B79-37D633B846F1}">
-                  <asvg:svgBlip xmlns:asvg="http://schemas.microsoft.com/office/drawing/2016/SVG/main" r:embed="rId3"/>
-                </a:ext>
-              </a:extLst>
-            </a:blip>
-            <a:stretch>
-              <a:fillRect/>
-            </a:stretch>
-          </p:blipFill>
-          <p:spPr>
-            <a:xfrm>
-              <a:off x="3467100" y="1253260"/>
-              <a:ext cx="5257800" cy="5257800"/>
-            </a:xfrm>
-            <a:prstGeom prst="rect">
-              <a:avLst/>
-            </a:prstGeom>
-          </p:spPr>
-        </p:pic>
-        <p:sp>
-          <p:nvSpPr>
-            <p:cNvPr id="56" name="Oval 55">
-              <a:extLst>
-                <a:ext uri="{FF2B5EF4-FFF2-40B4-BE49-F238E27FC236}">
-                  <a16:creationId xmlns:a16="http://schemas.microsoft.com/office/drawing/2014/main" id="{29DAC5E5-0C5A-264D-A948-7C425672456C}"/>
-                </a:ext>
-              </a:extLst>
-            </p:cNvPr>
-            <p:cNvSpPr>
-              <a:spLocks noChangeAspect="1"/>
-            </p:cNvSpPr>
-            <p:nvPr/>
-          </p:nvSpPr>
-          <p:spPr>
-            <a:xfrm>
-              <a:off x="5433060" y="537052"/>
-              <a:ext cx="1325880" cy="1325880"/>
-            </a:xfrm>
-            <a:prstGeom prst="ellipse">
-              <a:avLst/>
-            </a:prstGeom>
-            <a:noFill/>
-            <a:ln w="139700" cmpd="dbl">
-              <a:solidFill>
-                <a:schemeClr val="tx1"/>
-              </a:solidFill>
-            </a:ln>
-          </p:spPr>
-          <p:style>
-            <a:lnRef idx="2">
-              <a:schemeClr val="accent1">
-                <a:shade val="50000"/>
-              </a:schemeClr>
-            </a:lnRef>
-            <a:fillRef idx="1">
-              <a:schemeClr val="accent1"/>
-            </a:fillRef>
-            <a:effectRef idx="0">
-              <a:schemeClr val="accent1"/>
-            </a:effectRef>
-            <a:fontRef idx="minor">
-              <a:schemeClr val="lt1"/>
-            </a:fontRef>
-          </p:style>
-          <p:txBody>
-            <a:bodyPr wrap="none" lIns="0" tIns="0" rIns="0" bIns="0" rtlCol="0" anchor="ctr"/>
-            <a:lstStyle/>
-            <a:p>
-              <a:pPr algn="ctr"/>
-              <a:endParaRPr lang="en-US" sz="2000" b="1" dirty="0">
-                <a:solidFill>
-                  <a:schemeClr val="tx1"/>
-                </a:solidFill>
-                <a:latin typeface="Courier" pitchFamily="2" charset="0"/>
-              </a:endParaRPr>
-            </a:p>
-          </p:txBody>
-        </p:sp>
-        <p:grpSp>
-          <p:nvGrpSpPr>
-            <p:cNvPr id="57" name="Group 56">
-              <a:extLst>
-                <a:ext uri="{FF2B5EF4-FFF2-40B4-BE49-F238E27FC236}">
-                  <a16:creationId xmlns:a16="http://schemas.microsoft.com/office/drawing/2014/main" id="{4C92C984-F797-9B4D-A371-690BB0AABAF1}"/>
+                  <a16:creationId xmlns:a16="http://schemas.microsoft.com/office/drawing/2014/main" id="{0DA54FE9-271A-7742-B0C9-FC5BF95358AF}"/>
                 </a:ext>
               </a:extLst>
             </p:cNvPr>
@@ -6517,130 +6409,18 @@
           </p:nvGrpSpPr>
           <p:grpSpPr>
             <a:xfrm>
-              <a:off x="6324600" y="2208141"/>
-              <a:ext cx="914400" cy="613497"/>
-              <a:chOff x="6381398" y="2197631"/>
-              <a:chExt cx="914400" cy="613497"/>
+              <a:off x="4483523" y="1809751"/>
+              <a:ext cx="3224942" cy="3238499"/>
+              <a:chOff x="4480777" y="1809750"/>
+              <a:chExt cx="3224942" cy="3238499"/>
             </a:xfrm>
           </p:grpSpPr>
-          <p:sp>
-            <p:nvSpPr>
-              <p:cNvPr id="44" name="Rounded Rectangle 43">
+          <p:grpSp>
+            <p:nvGrpSpPr>
+              <p:cNvPr id="5" name="Graphic 41" descr="Suit">
                 <a:extLst>
                   <a:ext uri="{FF2B5EF4-FFF2-40B4-BE49-F238E27FC236}">
-                    <a16:creationId xmlns:a16="http://schemas.microsoft.com/office/drawing/2014/main" id="{C582140C-FDB0-B84D-B35E-64582B570A90}"/>
-                  </a:ext>
-                </a:extLst>
-              </p:cNvPr>
-              <p:cNvSpPr/>
-              <p:nvPr/>
-            </p:nvSpPr>
-            <p:spPr>
-              <a:xfrm>
-                <a:off x="6381398" y="2197631"/>
-                <a:ext cx="914400" cy="613497"/>
-              </a:xfrm>
-              <a:prstGeom prst="roundRect">
-                <a:avLst/>
-              </a:prstGeom>
-              <a:solidFill>
-                <a:srgbClr val="FF0000"/>
-              </a:solidFill>
-              <a:ln>
-                <a:noFill/>
-              </a:ln>
-            </p:spPr>
-            <p:style>
-              <a:lnRef idx="2">
-                <a:schemeClr val="accent1">
-                  <a:shade val="50000"/>
-                </a:schemeClr>
-              </a:lnRef>
-              <a:fillRef idx="1">
-                <a:schemeClr val="accent1"/>
-              </a:fillRef>
-              <a:effectRef idx="0">
-                <a:schemeClr val="accent1"/>
-              </a:effectRef>
-              <a:fontRef idx="minor">
-                <a:schemeClr val="lt1"/>
-              </a:fontRef>
-            </p:style>
-            <p:txBody>
-              <a:bodyPr rtlCol="0" anchor="ctr"/>
-              <a:lstStyle/>
-              <a:p>
-                <a:pPr algn="ctr"/>
-                <a:endParaRPr lang="en-US" sz="600" i="1" dirty="0"/>
-              </a:p>
-            </p:txBody>
-          </p:sp>
-          <p:sp>
-            <p:nvSpPr>
-              <p:cNvPr id="45" name="Rectangle 44">
-                <a:extLst>
-                  <a:ext uri="{FF2B5EF4-FFF2-40B4-BE49-F238E27FC236}">
-                    <a16:creationId xmlns:a16="http://schemas.microsoft.com/office/drawing/2014/main" id="{07630879-C065-0243-AA6C-664B62D4C3E2}"/>
-                  </a:ext>
-                </a:extLst>
-              </p:cNvPr>
-              <p:cNvSpPr/>
-              <p:nvPr/>
-            </p:nvSpPr>
-            <p:spPr>
-              <a:xfrm>
-                <a:off x="6381398" y="2416469"/>
-                <a:ext cx="914400" cy="320040"/>
-              </a:xfrm>
-              <a:prstGeom prst="rect">
-                <a:avLst/>
-              </a:prstGeom>
-              <a:solidFill>
-                <a:schemeClr val="bg1"/>
-              </a:solidFill>
-              <a:ln>
-                <a:noFill/>
-              </a:ln>
-            </p:spPr>
-            <p:style>
-              <a:lnRef idx="2">
-                <a:schemeClr val="accent1">
-                  <a:shade val="50000"/>
-                </a:schemeClr>
-              </a:lnRef>
-              <a:fillRef idx="1">
-                <a:schemeClr val="accent1"/>
-              </a:fillRef>
-              <a:effectRef idx="0">
-                <a:schemeClr val="accent1"/>
-              </a:effectRef>
-              <a:fontRef idx="minor">
-                <a:schemeClr val="lt1"/>
-              </a:fontRef>
-            </p:style>
-            <p:txBody>
-              <a:bodyPr wrap="none" rtlCol="0" anchor="ctr"/>
-              <a:lstStyle/>
-              <a:p>
-                <a:pPr algn="ctr"/>
-                <a:r>
-                  <a:rPr lang="en-US" sz="1050" b="1" dirty="0">
-                    <a:solidFill>
-                      <a:schemeClr val="tx1"/>
-                    </a:solidFill>
-                    <a:latin typeface="Courier" pitchFamily="2" charset="0"/>
-                  </a:rPr>
-                  <a:t>US.VA.059</a:t>
-                </a:r>
-              </a:p>
-            </p:txBody>
-          </p:sp>
-          <p:grpSp>
-            <p:nvGrpSpPr>
-              <p:cNvPr id="49" name="Group 48">
-                <a:extLst>
-                  <a:ext uri="{FF2B5EF4-FFF2-40B4-BE49-F238E27FC236}">
-                    <a16:creationId xmlns:a16="http://schemas.microsoft.com/office/drawing/2014/main" id="{E8D62279-8BEB-EF46-B13C-78BEAAE1D0F2}"/>
+                    <a16:creationId xmlns:a16="http://schemas.microsoft.com/office/drawing/2014/main" id="{AA38583C-16C4-1D41-B2EA-5B5B919D9A31}"/>
                   </a:ext>
                 </a:extLst>
               </p:cNvPr>
@@ -6649,18 +6429,18 @@
             </p:nvGrpSpPr>
             <p:grpSpPr>
               <a:xfrm>
-                <a:off x="6557142" y="2214565"/>
-                <a:ext cx="562912" cy="184970"/>
-                <a:chOff x="10527402" y="4432299"/>
-                <a:chExt cx="587793" cy="193146"/>
+                <a:off x="4480777" y="1809750"/>
+                <a:ext cx="3224942" cy="3238499"/>
+                <a:chOff x="4480777" y="1809750"/>
+                <a:chExt cx="3224942" cy="3238499"/>
               </a:xfrm>
             </p:grpSpPr>
             <p:sp>
               <p:nvSpPr>
-                <p:cNvPr id="47" name="Rectangle 46">
+                <p:cNvPr id="6" name="Freeform 5">
                   <a:extLst>
                     <a:ext uri="{FF2B5EF4-FFF2-40B4-BE49-F238E27FC236}">
-                      <a16:creationId xmlns:a16="http://schemas.microsoft.com/office/drawing/2014/main" id="{2B8F79B4-38E0-224D-9914-DAE4EAC71AA7}"/>
+                      <a16:creationId xmlns:a16="http://schemas.microsoft.com/office/drawing/2014/main" id="{CCDB3509-309D-734E-8B90-4BDF1BCF5572}"/>
                     </a:ext>
                   </a:extLst>
                 </p:cNvPr>
@@ -6669,42 +6449,258 @@
               </p:nvSpPr>
               <p:spPr>
                 <a:xfrm>
-                  <a:off x="10527402" y="4537030"/>
-                  <a:ext cx="587793" cy="88415"/>
+                  <a:off x="5857869" y="1819274"/>
+                  <a:ext cx="1847850" cy="3228975"/>
                 </a:xfrm>
-                <a:prstGeom prst="rect">
+                <a:custGeom>
                   <a:avLst/>
-                </a:prstGeom>
+                  <a:gdLst>
+                    <a:gd name="connsiteX0" fmla="*/ 238125 w 1847850"/>
+                    <a:gd name="connsiteY0" fmla="*/ 2609850 h 3228975"/>
+                    <a:gd name="connsiteX1" fmla="*/ 142875 w 1847850"/>
+                    <a:gd name="connsiteY1" fmla="*/ 2514600 h 3228975"/>
+                    <a:gd name="connsiteX2" fmla="*/ 238125 w 1847850"/>
+                    <a:gd name="connsiteY2" fmla="*/ 2419350 h 3228975"/>
+                    <a:gd name="connsiteX3" fmla="*/ 333375 w 1847850"/>
+                    <a:gd name="connsiteY3" fmla="*/ 2514600 h 3228975"/>
+                    <a:gd name="connsiteX4" fmla="*/ 238125 w 1847850"/>
+                    <a:gd name="connsiteY4" fmla="*/ 2609850 h 3228975"/>
+                    <a:gd name="connsiteX5" fmla="*/ 238125 w 1847850"/>
+                    <a:gd name="connsiteY5" fmla="*/ 2943225 h 3228975"/>
+                    <a:gd name="connsiteX6" fmla="*/ 142875 w 1847850"/>
+                    <a:gd name="connsiteY6" fmla="*/ 2847975 h 3228975"/>
+                    <a:gd name="connsiteX7" fmla="*/ 238125 w 1847850"/>
+                    <a:gd name="connsiteY7" fmla="*/ 2752725 h 3228975"/>
+                    <a:gd name="connsiteX8" fmla="*/ 333375 w 1847850"/>
+                    <a:gd name="connsiteY8" fmla="*/ 2847975 h 3228975"/>
+                    <a:gd name="connsiteX9" fmla="*/ 238125 w 1847850"/>
+                    <a:gd name="connsiteY9" fmla="*/ 2943225 h 3228975"/>
+                    <a:gd name="connsiteX10" fmla="*/ 1614488 w 1847850"/>
+                    <a:gd name="connsiteY10" fmla="*/ 676275 h 3228975"/>
+                    <a:gd name="connsiteX11" fmla="*/ 966787 w 1847850"/>
+                    <a:gd name="connsiteY11" fmla="*/ 0 h 3228975"/>
+                    <a:gd name="connsiteX12" fmla="*/ 1181100 w 1847850"/>
+                    <a:gd name="connsiteY12" fmla="*/ 423863 h 3228975"/>
+                    <a:gd name="connsiteX13" fmla="*/ 1176337 w 1847850"/>
+                    <a:gd name="connsiteY13" fmla="*/ 519113 h 3228975"/>
+                    <a:gd name="connsiteX14" fmla="*/ 0 w 1847850"/>
+                    <a:gd name="connsiteY14" fmla="*/ 2400300 h 3228975"/>
+                    <a:gd name="connsiteX15" fmla="*/ 0 w 1847850"/>
+                    <a:gd name="connsiteY15" fmla="*/ 3228975 h 3228975"/>
+                    <a:gd name="connsiteX16" fmla="*/ 1143000 w 1847850"/>
+                    <a:gd name="connsiteY16" fmla="*/ 3228975 h 3228975"/>
+                    <a:gd name="connsiteX17" fmla="*/ 1143000 w 1847850"/>
+                    <a:gd name="connsiteY17" fmla="*/ 1671638 h 3228975"/>
+                    <a:gd name="connsiteX18" fmla="*/ 1281113 w 1847850"/>
+                    <a:gd name="connsiteY18" fmla="*/ 3019425 h 3228975"/>
+                    <a:gd name="connsiteX19" fmla="*/ 1333500 w 1847850"/>
+                    <a:gd name="connsiteY19" fmla="*/ 3062288 h 3228975"/>
+                    <a:gd name="connsiteX20" fmla="*/ 1804988 w 1847850"/>
+                    <a:gd name="connsiteY20" fmla="*/ 3014663 h 3228975"/>
+                    <a:gd name="connsiteX21" fmla="*/ 1847850 w 1847850"/>
+                    <a:gd name="connsiteY21" fmla="*/ 2962275 h 3228975"/>
+                    <a:gd name="connsiteX22" fmla="*/ 1614488 w 1847850"/>
+                    <a:gd name="connsiteY22" fmla="*/ 676275 h 3228975"/>
+                  </a:gdLst>
+                  <a:ahLst/>
+                  <a:cxnLst>
+                    <a:cxn ang="0">
+                      <a:pos x="connsiteX0" y="connsiteY0"/>
+                    </a:cxn>
+                    <a:cxn ang="0">
+                      <a:pos x="connsiteX1" y="connsiteY1"/>
+                    </a:cxn>
+                    <a:cxn ang="0">
+                      <a:pos x="connsiteX2" y="connsiteY2"/>
+                    </a:cxn>
+                    <a:cxn ang="0">
+                      <a:pos x="connsiteX3" y="connsiteY3"/>
+                    </a:cxn>
+                    <a:cxn ang="0">
+                      <a:pos x="connsiteX4" y="connsiteY4"/>
+                    </a:cxn>
+                    <a:cxn ang="0">
+                      <a:pos x="connsiteX5" y="connsiteY5"/>
+                    </a:cxn>
+                    <a:cxn ang="0">
+                      <a:pos x="connsiteX6" y="connsiteY6"/>
+                    </a:cxn>
+                    <a:cxn ang="0">
+                      <a:pos x="connsiteX7" y="connsiteY7"/>
+                    </a:cxn>
+                    <a:cxn ang="0">
+                      <a:pos x="connsiteX8" y="connsiteY8"/>
+                    </a:cxn>
+                    <a:cxn ang="0">
+                      <a:pos x="connsiteX9" y="connsiteY9"/>
+                    </a:cxn>
+                    <a:cxn ang="0">
+                      <a:pos x="connsiteX10" y="connsiteY10"/>
+                    </a:cxn>
+                    <a:cxn ang="0">
+                      <a:pos x="connsiteX11" y="connsiteY11"/>
+                    </a:cxn>
+                    <a:cxn ang="0">
+                      <a:pos x="connsiteX12" y="connsiteY12"/>
+                    </a:cxn>
+                    <a:cxn ang="0">
+                      <a:pos x="connsiteX13" y="connsiteY13"/>
+                    </a:cxn>
+                    <a:cxn ang="0">
+                      <a:pos x="connsiteX14" y="connsiteY14"/>
+                    </a:cxn>
+                    <a:cxn ang="0">
+                      <a:pos x="connsiteX15" y="connsiteY15"/>
+                    </a:cxn>
+                    <a:cxn ang="0">
+                      <a:pos x="connsiteX16" y="connsiteY16"/>
+                    </a:cxn>
+                    <a:cxn ang="0">
+                      <a:pos x="connsiteX17" y="connsiteY17"/>
+                    </a:cxn>
+                    <a:cxn ang="0">
+                      <a:pos x="connsiteX18" y="connsiteY18"/>
+                    </a:cxn>
+                    <a:cxn ang="0">
+                      <a:pos x="connsiteX19" y="connsiteY19"/>
+                    </a:cxn>
+                    <a:cxn ang="0">
+                      <a:pos x="connsiteX20" y="connsiteY20"/>
+                    </a:cxn>
+                    <a:cxn ang="0">
+                      <a:pos x="connsiteX21" y="connsiteY21"/>
+                    </a:cxn>
+                    <a:cxn ang="0">
+                      <a:pos x="connsiteX22" y="connsiteY22"/>
+                    </a:cxn>
+                  </a:cxnLst>
+                  <a:rect l="l" t="t" r="r" b="b"/>
+                  <a:pathLst>
+                    <a:path w="1847850" h="3228975">
+                      <a:moveTo>
+                        <a:pt x="238125" y="2609850"/>
+                      </a:moveTo>
+                      <a:cubicBezTo>
+                        <a:pt x="185738" y="2609850"/>
+                        <a:pt x="142875" y="2566988"/>
+                        <a:pt x="142875" y="2514600"/>
+                      </a:cubicBezTo>
+                      <a:cubicBezTo>
+                        <a:pt x="142875" y="2462213"/>
+                        <a:pt x="185738" y="2419350"/>
+                        <a:pt x="238125" y="2419350"/>
+                      </a:cubicBezTo>
+                      <a:cubicBezTo>
+                        <a:pt x="290512" y="2419350"/>
+                        <a:pt x="333375" y="2462213"/>
+                        <a:pt x="333375" y="2514600"/>
+                      </a:cubicBezTo>
+                      <a:cubicBezTo>
+                        <a:pt x="333375" y="2566988"/>
+                        <a:pt x="290512" y="2609850"/>
+                        <a:pt x="238125" y="2609850"/>
+                      </a:cubicBezTo>
+                      <a:close/>
+                      <a:moveTo>
+                        <a:pt x="238125" y="2943225"/>
+                      </a:moveTo>
+                      <a:cubicBezTo>
+                        <a:pt x="185738" y="2943225"/>
+                        <a:pt x="142875" y="2900363"/>
+                        <a:pt x="142875" y="2847975"/>
+                      </a:cubicBezTo>
+                      <a:cubicBezTo>
+                        <a:pt x="142875" y="2795588"/>
+                        <a:pt x="185738" y="2752725"/>
+                        <a:pt x="238125" y="2752725"/>
+                      </a:cubicBezTo>
+                      <a:cubicBezTo>
+                        <a:pt x="290512" y="2752725"/>
+                        <a:pt x="333375" y="2795588"/>
+                        <a:pt x="333375" y="2847975"/>
+                      </a:cubicBezTo>
+                      <a:cubicBezTo>
+                        <a:pt x="333375" y="2900363"/>
+                        <a:pt x="290512" y="2943225"/>
+                        <a:pt x="238125" y="2943225"/>
+                      </a:cubicBezTo>
+                      <a:close/>
+                      <a:moveTo>
+                        <a:pt x="1614488" y="676275"/>
+                      </a:moveTo>
+                      <a:cubicBezTo>
+                        <a:pt x="1576387" y="323850"/>
+                        <a:pt x="1309688" y="52388"/>
+                        <a:pt x="966787" y="0"/>
+                      </a:cubicBezTo>
+                      <a:lnTo>
+                        <a:pt x="1181100" y="423863"/>
+                      </a:lnTo>
+                      <a:cubicBezTo>
+                        <a:pt x="1195387" y="452438"/>
+                        <a:pt x="1195387" y="490538"/>
+                        <a:pt x="1176337" y="519113"/>
+                      </a:cubicBezTo>
+                      <a:lnTo>
+                        <a:pt x="0" y="2400300"/>
+                      </a:lnTo>
+                      <a:lnTo>
+                        <a:pt x="0" y="3228975"/>
+                      </a:lnTo>
+                      <a:lnTo>
+                        <a:pt x="1143000" y="3228975"/>
+                      </a:lnTo>
+                      <a:lnTo>
+                        <a:pt x="1143000" y="1671638"/>
+                      </a:lnTo>
+                      <a:lnTo>
+                        <a:pt x="1281113" y="3019425"/>
+                      </a:lnTo>
+                      <a:cubicBezTo>
+                        <a:pt x="1285875" y="3043238"/>
+                        <a:pt x="1304925" y="3062288"/>
+                        <a:pt x="1333500" y="3062288"/>
+                      </a:cubicBezTo>
+                      <a:lnTo>
+                        <a:pt x="1804988" y="3014663"/>
+                      </a:lnTo>
+                      <a:cubicBezTo>
+                        <a:pt x="1828800" y="3009900"/>
+                        <a:pt x="1847850" y="2990850"/>
+                        <a:pt x="1847850" y="2962275"/>
+                      </a:cubicBezTo>
+                      <a:lnTo>
+                        <a:pt x="1614488" y="676275"/>
+                      </a:lnTo>
+                      <a:close/>
+                    </a:path>
+                  </a:pathLst>
+                </a:custGeom>
                 <a:solidFill>
-                  <a:srgbClr val="FF0000"/>
+                  <a:schemeClr val="tx2">
+                    <a:lumMod val="50000"/>
+                  </a:schemeClr>
                 </a:solidFill>
+                <a:ln w="47625" cap="flat">
+                  <a:noFill/>
+                  <a:prstDash val="solid"/>
+                  <a:miter/>
+                </a:ln>
               </p:spPr>
               <p:txBody>
-                <a:bodyPr wrap="square" lIns="0" tIns="0" rIns="0" bIns="0">
-                  <a:spAutoFit/>
-                </a:bodyPr>
+                <a:bodyPr rtlCol="0" anchor="ctr"/>
                 <a:lstStyle/>
                 <a:p>
-                  <a:pPr lvl="0" algn="ctr"/>
-                  <a:r>
-                    <a:rPr lang="en-US" sz="500" dirty="0">
-                      <a:solidFill>
-                        <a:prstClr val="white"/>
-                      </a:solidFill>
-                      <a:latin typeface="Arial" panose="020B0604020202020204" pitchFamily="34" charset="0"/>
-                      <a:cs typeface="Arial" panose="020B0604020202020204" pitchFamily="34" charset="0"/>
-                    </a:rPr>
-                    <a:t>my name is</a:t>
-                  </a:r>
+                  <a:endParaRPr lang="en-US"/>
                 </a:p>
               </p:txBody>
             </p:sp>
             <p:sp>
               <p:nvSpPr>
-                <p:cNvPr id="48" name="Rectangle 47">
+                <p:cNvPr id="7" name="Freeform 6">
                   <a:extLst>
                     <a:ext uri="{FF2B5EF4-FFF2-40B4-BE49-F238E27FC236}">
-                      <a16:creationId xmlns:a16="http://schemas.microsoft.com/office/drawing/2014/main" id="{8194BA9E-EFC5-9244-969C-9319F8BB5EBF}"/>
+                      <a16:creationId xmlns:a16="http://schemas.microsoft.com/office/drawing/2014/main" id="{6708F668-04E2-D149-B261-B24292BA5224}"/>
                     </a:ext>
                   </a:extLst>
                 </p:cNvPr>
@@ -6713,699 +6709,395 @@
               </p:nvSpPr>
               <p:spPr>
                 <a:xfrm>
-                  <a:off x="10527402" y="4432299"/>
-                  <a:ext cx="587793" cy="117431"/>
+                  <a:off x="5348281" y="1971674"/>
+                  <a:ext cx="476250" cy="1071562"/>
                 </a:xfrm>
-                <a:prstGeom prst="rect">
+                <a:custGeom>
                   <a:avLst/>
-                </a:prstGeom>
+                  <a:gdLst>
+                    <a:gd name="connsiteX0" fmla="*/ 476250 w 476250"/>
+                    <a:gd name="connsiteY0" fmla="*/ 1071563 h 1071562"/>
+                    <a:gd name="connsiteX1" fmla="*/ 152400 w 476250"/>
+                    <a:gd name="connsiteY1" fmla="*/ 0 h 1071562"/>
+                    <a:gd name="connsiteX2" fmla="*/ 0 w 476250"/>
+                    <a:gd name="connsiteY2" fmla="*/ 309563 h 1071562"/>
+                  </a:gdLst>
+                  <a:ahLst/>
+                  <a:cxnLst>
+                    <a:cxn ang="0">
+                      <a:pos x="connsiteX0" y="connsiteY0"/>
+                    </a:cxn>
+                    <a:cxn ang="0">
+                      <a:pos x="connsiteX1" y="connsiteY1"/>
+                    </a:cxn>
+                    <a:cxn ang="0">
+                      <a:pos x="connsiteX2" y="connsiteY2"/>
+                    </a:cxn>
+                  </a:cxnLst>
+                  <a:rect l="l" t="t" r="r" b="b"/>
+                  <a:pathLst>
+                    <a:path w="476250" h="1071562">
+                      <a:moveTo>
+                        <a:pt x="476250" y="1071563"/>
+                      </a:moveTo>
+                      <a:lnTo>
+                        <a:pt x="152400" y="0"/>
+                      </a:lnTo>
+                      <a:lnTo>
+                        <a:pt x="0" y="309563"/>
+                      </a:lnTo>
+                      <a:close/>
+                    </a:path>
+                  </a:pathLst>
+                </a:custGeom>
                 <a:solidFill>
-                  <a:srgbClr val="FF0000"/>
+                  <a:schemeClr val="tx2">
+                    <a:lumMod val="50000"/>
+                  </a:schemeClr>
                 </a:solidFill>
-                <a:ln>
+                <a:ln w="47625" cap="flat">
                   <a:noFill/>
+                  <a:prstDash val="solid"/>
+                  <a:miter/>
                 </a:ln>
               </p:spPr>
-              <p:style>
-                <a:lnRef idx="2">
-                  <a:schemeClr val="accent1">
-                    <a:shade val="50000"/>
-                  </a:schemeClr>
-                </a:lnRef>
-                <a:fillRef idx="1">
-                  <a:schemeClr val="accent1"/>
-                </a:fillRef>
-                <a:effectRef idx="0">
-                  <a:schemeClr val="accent1"/>
-                </a:effectRef>
-                <a:fontRef idx="minor">
-                  <a:schemeClr val="lt1"/>
-                </a:fontRef>
-              </p:style>
               <p:txBody>
-                <a:bodyPr tIns="0" bIns="0" rtlCol="0" anchor="ctr"/>
+                <a:bodyPr rtlCol="0" anchor="ctr"/>
                 <a:lstStyle/>
                 <a:p>
-                  <a:pPr algn="ctr"/>
-                  <a:r>
-                    <a:rPr lang="en-US" sz="1050" b="1" dirty="0">
-                      <a:solidFill>
-                        <a:schemeClr val="bg1"/>
-                      </a:solidFill>
-                      <a:latin typeface="Arial" panose="020B0604020202020204" pitchFamily="34" charset="0"/>
-                      <a:cs typeface="Arial" panose="020B0604020202020204" pitchFamily="34" charset="0"/>
-                    </a:rPr>
-                    <a:t>Hello</a:t>
-                  </a:r>
-                  <a:endParaRPr lang="en-US" sz="1100" b="1" dirty="0">
-                    <a:solidFill>
-                      <a:schemeClr val="bg1"/>
-                    </a:solidFill>
-                    <a:latin typeface="Arial" panose="020B0604020202020204" pitchFamily="34" charset="0"/>
-                    <a:cs typeface="Arial" panose="020B0604020202020204" pitchFamily="34" charset="0"/>
-                  </a:endParaRPr>
+                  <a:endParaRPr lang="en-US"/>
+                </a:p>
+              </p:txBody>
+            </p:sp>
+            <p:sp>
+              <p:nvSpPr>
+                <p:cNvPr id="8" name="Freeform 7">
+                  <a:extLst>
+                    <a:ext uri="{FF2B5EF4-FFF2-40B4-BE49-F238E27FC236}">
+                      <a16:creationId xmlns:a16="http://schemas.microsoft.com/office/drawing/2014/main" id="{881762D0-117B-4D4C-A018-93CF48578DE8}"/>
+                    </a:ext>
+                  </a:extLst>
+                </p:cNvPr>
+                <p:cNvSpPr/>
+                <p:nvPr/>
+              </p:nvSpPr>
+              <p:spPr>
+                <a:xfrm>
+                  <a:off x="6367456" y="1971674"/>
+                  <a:ext cx="476250" cy="1071562"/>
+                </a:xfrm>
+                <a:custGeom>
+                  <a:avLst/>
+                  <a:gdLst>
+                    <a:gd name="connsiteX0" fmla="*/ 476250 w 476250"/>
+                    <a:gd name="connsiteY0" fmla="*/ 309563 h 1071562"/>
+                    <a:gd name="connsiteX1" fmla="*/ 323850 w 476250"/>
+                    <a:gd name="connsiteY1" fmla="*/ 0 h 1071562"/>
+                    <a:gd name="connsiteX2" fmla="*/ 0 w 476250"/>
+                    <a:gd name="connsiteY2" fmla="*/ 1071563 h 1071562"/>
+                  </a:gdLst>
+                  <a:ahLst/>
+                  <a:cxnLst>
+                    <a:cxn ang="0">
+                      <a:pos x="connsiteX0" y="connsiteY0"/>
+                    </a:cxn>
+                    <a:cxn ang="0">
+                      <a:pos x="connsiteX1" y="connsiteY1"/>
+                    </a:cxn>
+                    <a:cxn ang="0">
+                      <a:pos x="connsiteX2" y="connsiteY2"/>
+                    </a:cxn>
+                  </a:cxnLst>
+                  <a:rect l="l" t="t" r="r" b="b"/>
+                  <a:pathLst>
+                    <a:path w="476250" h="1071562">
+                      <a:moveTo>
+                        <a:pt x="476250" y="309563"/>
+                      </a:moveTo>
+                      <a:lnTo>
+                        <a:pt x="323850" y="0"/>
+                      </a:lnTo>
+                      <a:lnTo>
+                        <a:pt x="0" y="1071563"/>
+                      </a:lnTo>
+                      <a:close/>
+                    </a:path>
+                  </a:pathLst>
+                </a:custGeom>
+                <a:solidFill>
+                  <a:schemeClr val="tx2">
+                    <a:lumMod val="50000"/>
+                  </a:schemeClr>
+                </a:solidFill>
+                <a:ln w="47625" cap="flat">
+                  <a:noFill/>
+                  <a:prstDash val="solid"/>
+                  <a:miter/>
+                </a:ln>
+              </p:spPr>
+              <p:txBody>
+                <a:bodyPr rtlCol="0" anchor="ctr"/>
+                <a:lstStyle/>
+                <a:p>
+                  <a:endParaRPr lang="en-US"/>
+                </a:p>
+              </p:txBody>
+            </p:sp>
+            <p:sp>
+              <p:nvSpPr>
+                <p:cNvPr id="10" name="Freeform 9">
+                  <a:extLst>
+                    <a:ext uri="{FF2B5EF4-FFF2-40B4-BE49-F238E27FC236}">
+                      <a16:creationId xmlns:a16="http://schemas.microsoft.com/office/drawing/2014/main" id="{0B417BB4-A50F-BB41-A5EA-1F2B75C8B660}"/>
+                    </a:ext>
+                  </a:extLst>
+                </p:cNvPr>
+                <p:cNvSpPr/>
+                <p:nvPr/>
+              </p:nvSpPr>
+              <p:spPr>
+                <a:xfrm>
+                  <a:off x="4480777" y="1819274"/>
+                  <a:ext cx="1500916" cy="3228975"/>
+                </a:xfrm>
+                <a:custGeom>
+                  <a:avLst/>
+                  <a:gdLst>
+                    <a:gd name="connsiteX0" fmla="*/ 677004 w 1500916"/>
+                    <a:gd name="connsiteY0" fmla="*/ 519113 h 3228975"/>
+                    <a:gd name="connsiteX1" fmla="*/ 672242 w 1500916"/>
+                    <a:gd name="connsiteY1" fmla="*/ 423863 h 3228975"/>
+                    <a:gd name="connsiteX2" fmla="*/ 886554 w 1500916"/>
+                    <a:gd name="connsiteY2" fmla="*/ 0 h 3228975"/>
+                    <a:gd name="connsiteX3" fmla="*/ 238854 w 1500916"/>
+                    <a:gd name="connsiteY3" fmla="*/ 676275 h 3228975"/>
+                    <a:gd name="connsiteX4" fmla="*/ 729 w 1500916"/>
+                    <a:gd name="connsiteY4" fmla="*/ 2962275 h 3228975"/>
+                    <a:gd name="connsiteX5" fmla="*/ 43592 w 1500916"/>
+                    <a:gd name="connsiteY5" fmla="*/ 3014663 h 3228975"/>
+                    <a:gd name="connsiteX6" fmla="*/ 515079 w 1500916"/>
+                    <a:gd name="connsiteY6" fmla="*/ 3062288 h 3228975"/>
+                    <a:gd name="connsiteX7" fmla="*/ 567467 w 1500916"/>
+                    <a:gd name="connsiteY7" fmla="*/ 3019425 h 3228975"/>
+                    <a:gd name="connsiteX8" fmla="*/ 710342 w 1500916"/>
+                    <a:gd name="connsiteY8" fmla="*/ 1671638 h 3228975"/>
+                    <a:gd name="connsiteX9" fmla="*/ 710342 w 1500916"/>
+                    <a:gd name="connsiteY9" fmla="*/ 3228975 h 3228975"/>
+                    <a:gd name="connsiteX10" fmla="*/ 1186592 w 1500916"/>
+                    <a:gd name="connsiteY10" fmla="*/ 3228975 h 3228975"/>
+                    <a:gd name="connsiteX11" fmla="*/ 1186592 w 1500916"/>
+                    <a:gd name="connsiteY11" fmla="*/ 2371725 h 3228975"/>
+                    <a:gd name="connsiteX12" fmla="*/ 1200879 w 1500916"/>
+                    <a:gd name="connsiteY12" fmla="*/ 2319338 h 3228975"/>
+                    <a:gd name="connsiteX13" fmla="*/ 1500917 w 1500916"/>
+                    <a:gd name="connsiteY13" fmla="*/ 1838325 h 3228975"/>
+                    <a:gd name="connsiteX14" fmla="*/ 677004 w 1500916"/>
+                    <a:gd name="connsiteY14" fmla="*/ 519113 h 3228975"/>
+                  </a:gdLst>
+                  <a:ahLst/>
+                  <a:cxnLst>
+                    <a:cxn ang="0">
+                      <a:pos x="connsiteX0" y="connsiteY0"/>
+                    </a:cxn>
+                    <a:cxn ang="0">
+                      <a:pos x="connsiteX1" y="connsiteY1"/>
+                    </a:cxn>
+                    <a:cxn ang="0">
+                      <a:pos x="connsiteX2" y="connsiteY2"/>
+                    </a:cxn>
+                    <a:cxn ang="0">
+                      <a:pos x="connsiteX3" y="connsiteY3"/>
+                    </a:cxn>
+                    <a:cxn ang="0">
+                      <a:pos x="connsiteX4" y="connsiteY4"/>
+                    </a:cxn>
+                    <a:cxn ang="0">
+                      <a:pos x="connsiteX5" y="connsiteY5"/>
+                    </a:cxn>
+                    <a:cxn ang="0">
+                      <a:pos x="connsiteX6" y="connsiteY6"/>
+                    </a:cxn>
+                    <a:cxn ang="0">
+                      <a:pos x="connsiteX7" y="connsiteY7"/>
+                    </a:cxn>
+                    <a:cxn ang="0">
+                      <a:pos x="connsiteX8" y="connsiteY8"/>
+                    </a:cxn>
+                    <a:cxn ang="0">
+                      <a:pos x="connsiteX9" y="connsiteY9"/>
+                    </a:cxn>
+                    <a:cxn ang="0">
+                      <a:pos x="connsiteX10" y="connsiteY10"/>
+                    </a:cxn>
+                    <a:cxn ang="0">
+                      <a:pos x="connsiteX11" y="connsiteY11"/>
+                    </a:cxn>
+                    <a:cxn ang="0">
+                      <a:pos x="connsiteX12" y="connsiteY12"/>
+                    </a:cxn>
+                    <a:cxn ang="0">
+                      <a:pos x="connsiteX13" y="connsiteY13"/>
+                    </a:cxn>
+                    <a:cxn ang="0">
+                      <a:pos x="connsiteX14" y="connsiteY14"/>
+                    </a:cxn>
+                  </a:cxnLst>
+                  <a:rect l="l" t="t" r="r" b="b"/>
+                  <a:pathLst>
+                    <a:path w="1500916" h="3228975">
+                      <a:moveTo>
+                        <a:pt x="677004" y="519113"/>
+                      </a:moveTo>
+                      <a:cubicBezTo>
+                        <a:pt x="657954" y="490538"/>
+                        <a:pt x="657954" y="457200"/>
+                        <a:pt x="672242" y="423863"/>
+                      </a:cubicBezTo>
+                      <a:lnTo>
+                        <a:pt x="886554" y="0"/>
+                      </a:lnTo>
+                      <a:cubicBezTo>
+                        <a:pt x="548417" y="52388"/>
+                        <a:pt x="276954" y="323850"/>
+                        <a:pt x="238854" y="676275"/>
+                      </a:cubicBezTo>
+                      <a:lnTo>
+                        <a:pt x="729" y="2962275"/>
+                      </a:lnTo>
+                      <a:cubicBezTo>
+                        <a:pt x="-4033" y="2986088"/>
+                        <a:pt x="15017" y="3009900"/>
+                        <a:pt x="43592" y="3014663"/>
+                      </a:cubicBezTo>
+                      <a:lnTo>
+                        <a:pt x="515079" y="3062288"/>
+                      </a:lnTo>
+                      <a:cubicBezTo>
+                        <a:pt x="538892" y="3067050"/>
+                        <a:pt x="562704" y="3048000"/>
+                        <a:pt x="567467" y="3019425"/>
+                      </a:cubicBezTo>
+                      <a:lnTo>
+                        <a:pt x="710342" y="1671638"/>
+                      </a:lnTo>
+                      <a:lnTo>
+                        <a:pt x="710342" y="3228975"/>
+                      </a:lnTo>
+                      <a:lnTo>
+                        <a:pt x="1186592" y="3228975"/>
+                      </a:lnTo>
+                      <a:lnTo>
+                        <a:pt x="1186592" y="2371725"/>
+                      </a:lnTo>
+                      <a:cubicBezTo>
+                        <a:pt x="1186592" y="2352675"/>
+                        <a:pt x="1191354" y="2338388"/>
+                        <a:pt x="1200879" y="2319338"/>
+                      </a:cubicBezTo>
+                      <a:lnTo>
+                        <a:pt x="1500917" y="1838325"/>
+                      </a:lnTo>
+                      <a:lnTo>
+                        <a:pt x="677004" y="519113"/>
+                      </a:lnTo>
+                      <a:close/>
+                    </a:path>
+                  </a:pathLst>
+                </a:custGeom>
+                <a:solidFill>
+                  <a:schemeClr val="tx2">
+                    <a:lumMod val="50000"/>
+                  </a:schemeClr>
+                </a:solidFill>
+                <a:ln w="47625" cap="flat">
+                  <a:noFill/>
+                  <a:prstDash val="solid"/>
+                  <a:miter/>
+                </a:ln>
+              </p:spPr>
+              <p:txBody>
+                <a:bodyPr rtlCol="0" anchor="ctr"/>
+                <a:lstStyle/>
+                <a:p>
+                  <a:endParaRPr lang="en-US"/>
+                </a:p>
+              </p:txBody>
+            </p:sp>
+            <p:sp>
+              <p:nvSpPr>
+                <p:cNvPr id="11" name="Freeform 10">
+                  <a:extLst>
+                    <a:ext uri="{FF2B5EF4-FFF2-40B4-BE49-F238E27FC236}">
+                      <a16:creationId xmlns:a16="http://schemas.microsoft.com/office/drawing/2014/main" id="{3FC1AAAE-A90D-3B42-ACEC-65622A71E705}"/>
+                    </a:ext>
+                  </a:extLst>
+                </p:cNvPr>
+                <p:cNvSpPr/>
+                <p:nvPr/>
+              </p:nvSpPr>
+              <p:spPr>
+                <a:xfrm>
+                  <a:off x="5653081" y="1809750"/>
+                  <a:ext cx="885824" cy="1476375"/>
+                </a:xfrm>
+                <a:custGeom>
+                  <a:avLst/>
+                  <a:gdLst>
+                    <a:gd name="connsiteX0" fmla="*/ 885825 w 885824"/>
+                    <a:gd name="connsiteY0" fmla="*/ 0 h 1476375"/>
+                    <a:gd name="connsiteX1" fmla="*/ 0 w 885824"/>
+                    <a:gd name="connsiteY1" fmla="*/ 0 h 1476375"/>
+                    <a:gd name="connsiteX2" fmla="*/ 442912 w 885824"/>
+                    <a:gd name="connsiteY2" fmla="*/ 1476375 h 1476375"/>
+                  </a:gdLst>
+                  <a:ahLst/>
+                  <a:cxnLst>
+                    <a:cxn ang="0">
+                      <a:pos x="connsiteX0" y="connsiteY0"/>
+                    </a:cxn>
+                    <a:cxn ang="0">
+                      <a:pos x="connsiteX1" y="connsiteY1"/>
+                    </a:cxn>
+                    <a:cxn ang="0">
+                      <a:pos x="connsiteX2" y="connsiteY2"/>
+                    </a:cxn>
+                  </a:cxnLst>
+                  <a:rect l="l" t="t" r="r" b="b"/>
+                  <a:pathLst>
+                    <a:path w="885824" h="1476375">
+                      <a:moveTo>
+                        <a:pt x="885825" y="0"/>
+                      </a:moveTo>
+                      <a:lnTo>
+                        <a:pt x="0" y="0"/>
+                      </a:lnTo>
+                      <a:lnTo>
+                        <a:pt x="442912" y="1476375"/>
+                      </a:lnTo>
+                      <a:close/>
+                    </a:path>
+                  </a:pathLst>
+                </a:custGeom>
+                <a:solidFill>
+                  <a:schemeClr val="tx2">
+                    <a:lumMod val="50000"/>
+                  </a:schemeClr>
+                </a:solidFill>
+                <a:ln w="47625" cap="flat">
+                  <a:noFill/>
+                  <a:prstDash val="solid"/>
+                  <a:miter/>
+                </a:ln>
+              </p:spPr>
+              <p:txBody>
+                <a:bodyPr rtlCol="0" anchor="ctr"/>
+                <a:lstStyle/>
+                <a:p>
+                  <a:endParaRPr lang="en-US"/>
                 </a:p>
               </p:txBody>
             </p:sp>
           </p:grpSp>
-        </p:grpSp>
-      </p:grpSp>
-    </p:spTree>
-    <p:extLst>
-      <p:ext uri="{BB962C8B-B14F-4D97-AF65-F5344CB8AC3E}">
-        <p14:creationId xmlns:p14="http://schemas.microsoft.com/office/powerpoint/2010/main" val="3795377240"/>
-      </p:ext>
-    </p:extLst>
-  </p:cSld>
-  <p:clrMapOvr>
-    <a:masterClrMapping/>
-  </p:clrMapOvr>
-</p:sld>
-</file>
-
-<file path=ppt/slides/slide7.xml><?xml version="1.0" encoding="utf-8"?>
-<p:sld xmlns:a="http://schemas.openxmlformats.org/drawingml/2006/main" xmlns:r="http://schemas.openxmlformats.org/officeDocument/2006/relationships" xmlns:p="http://schemas.openxmlformats.org/presentationml/2006/main">
-  <p:cSld>
-    <p:spTree>
-      <p:nvGrpSpPr>
-        <p:cNvPr id="1" name=""/>
-        <p:cNvGrpSpPr/>
-        <p:nvPr/>
-      </p:nvGrpSpPr>
-      <p:grpSpPr>
-        <a:xfrm>
-          <a:off x="0" y="0"/>
-          <a:ext cx="0" cy="0"/>
-          <a:chOff x="0" y="0"/>
-          <a:chExt cx="0" cy="0"/>
-        </a:xfrm>
-      </p:grpSpPr>
-      <p:grpSp>
-        <p:nvGrpSpPr>
-          <p:cNvPr id="16" name="Group 15">
-            <a:extLst>
-              <a:ext uri="{FF2B5EF4-FFF2-40B4-BE49-F238E27FC236}">
-                <a16:creationId xmlns:a16="http://schemas.microsoft.com/office/drawing/2014/main" id="{3235E4ED-18C8-6B40-BACB-462B9237588A}"/>
-              </a:ext>
-            </a:extLst>
-          </p:cNvPr>
-          <p:cNvGrpSpPr/>
-          <p:nvPr/>
-        </p:nvGrpSpPr>
-        <p:grpSpPr>
-          <a:xfrm>
-            <a:off x="2967181" y="14046"/>
-            <a:ext cx="6257633" cy="6829908"/>
-            <a:chOff x="2967181" y="14046"/>
-            <a:chExt cx="6257633" cy="6829908"/>
-          </a:xfrm>
-        </p:grpSpPr>
-        <p:sp>
-          <p:nvSpPr>
-            <p:cNvPr id="20" name="Hexagon 19">
-              <a:extLst>
-                <a:ext uri="{FF2B5EF4-FFF2-40B4-BE49-F238E27FC236}">
-                  <a16:creationId xmlns:a16="http://schemas.microsoft.com/office/drawing/2014/main" id="{78E1EC13-CD08-3143-840D-413B72FEFB64}"/>
-                </a:ext>
-              </a:extLst>
-            </p:cNvPr>
-            <p:cNvSpPr/>
-            <p:nvPr/>
-          </p:nvSpPr>
-          <p:spPr>
-            <a:xfrm rot="5400000">
-              <a:off x="2717728" y="611909"/>
-              <a:ext cx="6756539" cy="5634182"/>
-            </a:xfrm>
-            <a:prstGeom prst="hexagon">
-              <a:avLst>
-                <a:gd name="adj" fmla="val 29215"/>
-                <a:gd name="vf" fmla="val 115470"/>
-              </a:avLst>
-            </a:prstGeom>
-            <a:solidFill>
-              <a:schemeClr val="bg1"/>
-            </a:solidFill>
-            <a:ln>
-              <a:noFill/>
-            </a:ln>
-          </p:spPr>
-          <p:style>
-            <a:lnRef idx="2">
-              <a:schemeClr val="accent1">
-                <a:shade val="50000"/>
-              </a:schemeClr>
-            </a:lnRef>
-            <a:fillRef idx="1">
-              <a:schemeClr val="accent1"/>
-            </a:fillRef>
-            <a:effectRef idx="0">
-              <a:schemeClr val="accent1"/>
-            </a:effectRef>
-            <a:fontRef idx="minor">
-              <a:schemeClr val="lt1"/>
-            </a:fontRef>
-          </p:style>
-          <p:txBody>
-            <a:bodyPr rtlCol="0" anchor="ctr"/>
-            <a:lstStyle/>
-            <a:p>
-              <a:pPr algn="ctr"/>
-              <a:endParaRPr lang="en-US"/>
-            </a:p>
-          </p:txBody>
-        </p:sp>
-        <p:sp>
-          <p:nvSpPr>
-            <p:cNvPr id="24" name="Freeform 23">
-              <a:extLst>
-                <a:ext uri="{FF2B5EF4-FFF2-40B4-BE49-F238E27FC236}">
-                  <a16:creationId xmlns:a16="http://schemas.microsoft.com/office/drawing/2014/main" id="{C3D1C56F-33B1-D943-A2BC-5D1C366943A2}"/>
-                </a:ext>
-              </a:extLst>
-            </p:cNvPr>
-            <p:cNvSpPr/>
-            <p:nvPr/>
-          </p:nvSpPr>
-          <p:spPr>
-            <a:xfrm>
-              <a:off x="3139947" y="14046"/>
-              <a:ext cx="5912100" cy="6829908"/>
-            </a:xfrm>
-            <a:custGeom>
-              <a:avLst/>
-              <a:gdLst>
-                <a:gd name="connsiteX0" fmla="*/ 5912101 w 5912100"/>
-                <a:gd name="connsiteY0" fmla="*/ 5122411 h 6829908"/>
-                <a:gd name="connsiteX1" fmla="*/ 5912101 w 5912100"/>
-                <a:gd name="connsiteY1" fmla="*/ 1707497 h 6829908"/>
-                <a:gd name="connsiteX2" fmla="*/ 5676364 w 5912100"/>
-                <a:gd name="connsiteY2" fmla="*/ 1571303 h 6829908"/>
-                <a:gd name="connsiteX3" fmla="*/ 3441283 w 5912100"/>
-                <a:gd name="connsiteY3" fmla="*/ 280276 h 6829908"/>
-                <a:gd name="connsiteX4" fmla="*/ 2956051 w 5912100"/>
-                <a:gd name="connsiteY4" fmla="*/ 0 h 6829908"/>
-                <a:gd name="connsiteX5" fmla="*/ 2470818 w 5912100"/>
-                <a:gd name="connsiteY5" fmla="*/ 280276 h 6829908"/>
-                <a:gd name="connsiteX6" fmla="*/ 235576 w 5912100"/>
-                <a:gd name="connsiteY6" fmla="*/ 1571384 h 6829908"/>
-                <a:gd name="connsiteX7" fmla="*/ 0 w 5912100"/>
-                <a:gd name="connsiteY7" fmla="*/ 1707497 h 6829908"/>
-                <a:gd name="connsiteX8" fmla="*/ 0 w 5912100"/>
-                <a:gd name="connsiteY8" fmla="*/ 5122411 h 6829908"/>
-                <a:gd name="connsiteX9" fmla="*/ 235576 w 5912100"/>
-                <a:gd name="connsiteY9" fmla="*/ 5258525 h 6829908"/>
-                <a:gd name="connsiteX10" fmla="*/ 2498656 w 5912100"/>
-                <a:gd name="connsiteY10" fmla="*/ 6565650 h 6829908"/>
-                <a:gd name="connsiteX11" fmla="*/ 2956051 w 5912100"/>
-                <a:gd name="connsiteY11" fmla="*/ 6829908 h 6829908"/>
-                <a:gd name="connsiteX12" fmla="*/ 3413445 w 5912100"/>
-                <a:gd name="connsiteY12" fmla="*/ 6565650 h 6829908"/>
-                <a:gd name="connsiteX13" fmla="*/ 5676364 w 5912100"/>
-                <a:gd name="connsiteY13" fmla="*/ 5258605 h 6829908"/>
-                <a:gd name="connsiteX14" fmla="*/ 235576 w 5912100"/>
-                <a:gd name="connsiteY14" fmla="*/ 4994347 h 6829908"/>
-                <a:gd name="connsiteX15" fmla="*/ 235576 w 5912100"/>
-                <a:gd name="connsiteY15" fmla="*/ 1851338 h 6829908"/>
-                <a:gd name="connsiteX16" fmla="*/ 637859 w 5912100"/>
-                <a:gd name="connsiteY16" fmla="*/ 1618874 h 6829908"/>
-                <a:gd name="connsiteX17" fmla="*/ 2955970 w 5912100"/>
-                <a:gd name="connsiteY17" fmla="*/ 280276 h 6829908"/>
-                <a:gd name="connsiteX18" fmla="*/ 2955970 w 5912100"/>
-                <a:gd name="connsiteY18" fmla="*/ 280276 h 6829908"/>
-                <a:gd name="connsiteX19" fmla="*/ 5266840 w 5912100"/>
-                <a:gd name="connsiteY19" fmla="*/ 1615091 h 6829908"/>
-                <a:gd name="connsiteX20" fmla="*/ 5676364 w 5912100"/>
-                <a:gd name="connsiteY20" fmla="*/ 1851338 h 6829908"/>
-                <a:gd name="connsiteX21" fmla="*/ 5676364 w 5912100"/>
-                <a:gd name="connsiteY21" fmla="*/ 4994347 h 6829908"/>
-                <a:gd name="connsiteX22" fmla="*/ 2955970 w 5912100"/>
-                <a:gd name="connsiteY22" fmla="*/ 6565650 h 6829908"/>
-              </a:gdLst>
-              <a:ahLst/>
-              <a:cxnLst>
-                <a:cxn ang="0">
-                  <a:pos x="connsiteX0" y="connsiteY0"/>
-                </a:cxn>
-                <a:cxn ang="0">
-                  <a:pos x="connsiteX1" y="connsiteY1"/>
-                </a:cxn>
-                <a:cxn ang="0">
-                  <a:pos x="connsiteX2" y="connsiteY2"/>
-                </a:cxn>
-                <a:cxn ang="0">
-                  <a:pos x="connsiteX3" y="connsiteY3"/>
-                </a:cxn>
-                <a:cxn ang="0">
-                  <a:pos x="connsiteX4" y="connsiteY4"/>
-                </a:cxn>
-                <a:cxn ang="0">
-                  <a:pos x="connsiteX5" y="connsiteY5"/>
-                </a:cxn>
-                <a:cxn ang="0">
-                  <a:pos x="connsiteX6" y="connsiteY6"/>
-                </a:cxn>
-                <a:cxn ang="0">
-                  <a:pos x="connsiteX7" y="connsiteY7"/>
-                </a:cxn>
-                <a:cxn ang="0">
-                  <a:pos x="connsiteX8" y="connsiteY8"/>
-                </a:cxn>
-                <a:cxn ang="0">
-                  <a:pos x="connsiteX9" y="connsiteY9"/>
-                </a:cxn>
-                <a:cxn ang="0">
-                  <a:pos x="connsiteX10" y="connsiteY10"/>
-                </a:cxn>
-                <a:cxn ang="0">
-                  <a:pos x="connsiteX11" y="connsiteY11"/>
-                </a:cxn>
-                <a:cxn ang="0">
-                  <a:pos x="connsiteX12" y="connsiteY12"/>
-                </a:cxn>
-                <a:cxn ang="0">
-                  <a:pos x="connsiteX13" y="connsiteY13"/>
-                </a:cxn>
-                <a:cxn ang="0">
-                  <a:pos x="connsiteX14" y="connsiteY14"/>
-                </a:cxn>
-                <a:cxn ang="0">
-                  <a:pos x="connsiteX15" y="connsiteY15"/>
-                </a:cxn>
-                <a:cxn ang="0">
-                  <a:pos x="connsiteX16" y="connsiteY16"/>
-                </a:cxn>
-                <a:cxn ang="0">
-                  <a:pos x="connsiteX17" y="connsiteY17"/>
-                </a:cxn>
-                <a:cxn ang="0">
-                  <a:pos x="connsiteX18" y="connsiteY18"/>
-                </a:cxn>
-                <a:cxn ang="0">
-                  <a:pos x="connsiteX19" y="connsiteY19"/>
-                </a:cxn>
-                <a:cxn ang="0">
-                  <a:pos x="connsiteX20" y="connsiteY20"/>
-                </a:cxn>
-                <a:cxn ang="0">
-                  <a:pos x="connsiteX21" y="connsiteY21"/>
-                </a:cxn>
-                <a:cxn ang="0">
-                  <a:pos x="connsiteX22" y="connsiteY22"/>
-                </a:cxn>
-              </a:cxnLst>
-              <a:rect l="l" t="t" r="r" b="b"/>
-              <a:pathLst>
-                <a:path w="5912100" h="6829908">
-                  <a:moveTo>
-                    <a:pt x="5912101" y="5122411"/>
-                  </a:moveTo>
-                  <a:lnTo>
-                    <a:pt x="5912101" y="1707497"/>
-                  </a:lnTo>
-                  <a:lnTo>
-                    <a:pt x="5676364" y="1571303"/>
-                  </a:lnTo>
-                  <a:lnTo>
-                    <a:pt x="3441283" y="280276"/>
-                  </a:lnTo>
-                  <a:lnTo>
-                    <a:pt x="2956051" y="0"/>
-                  </a:lnTo>
-                  <a:lnTo>
-                    <a:pt x="2470818" y="280276"/>
-                  </a:lnTo>
-                  <a:lnTo>
-                    <a:pt x="235576" y="1571384"/>
-                  </a:lnTo>
-                  <a:lnTo>
-                    <a:pt x="0" y="1707497"/>
-                  </a:lnTo>
-                  <a:lnTo>
-                    <a:pt x="0" y="5122411"/>
-                  </a:lnTo>
-                  <a:lnTo>
-                    <a:pt x="235576" y="5258525"/>
-                  </a:lnTo>
-                  <a:lnTo>
-                    <a:pt x="2498656" y="6565650"/>
-                  </a:lnTo>
-                  <a:lnTo>
-                    <a:pt x="2956051" y="6829908"/>
-                  </a:lnTo>
-                  <a:lnTo>
-                    <a:pt x="3413445" y="6565650"/>
-                  </a:lnTo>
-                  <a:lnTo>
-                    <a:pt x="5676364" y="5258605"/>
-                  </a:lnTo>
-                  <a:close/>
-                  <a:moveTo>
-                    <a:pt x="235576" y="4994347"/>
-                  </a:moveTo>
-                  <a:lnTo>
-                    <a:pt x="235576" y="1851338"/>
-                  </a:lnTo>
-                  <a:lnTo>
-                    <a:pt x="637859" y="1618874"/>
-                  </a:lnTo>
-                  <a:lnTo>
-                    <a:pt x="2955970" y="280276"/>
-                  </a:lnTo>
-                  <a:lnTo>
-                    <a:pt x="2955970" y="280276"/>
-                  </a:lnTo>
-                  <a:lnTo>
-                    <a:pt x="5266840" y="1615091"/>
-                  </a:lnTo>
-                  <a:lnTo>
-                    <a:pt x="5676364" y="1851338"/>
-                  </a:lnTo>
-                  <a:lnTo>
-                    <a:pt x="5676364" y="4994347"/>
-                  </a:lnTo>
-                  <a:lnTo>
-                    <a:pt x="2955970" y="6565650"/>
-                  </a:lnTo>
-                  <a:close/>
-                </a:path>
-              </a:pathLst>
-            </a:custGeom>
-            <a:solidFill>
-              <a:schemeClr val="bg1">
-                <a:lumMod val="50000"/>
-              </a:schemeClr>
-            </a:solidFill>
-            <a:ln w="8035" cap="flat">
-              <a:noFill/>
-              <a:prstDash val="solid"/>
-              <a:miter/>
-            </a:ln>
-          </p:spPr>
-          <p:txBody>
-            <a:bodyPr rtlCol="0" anchor="ctr"/>
-            <a:lstStyle/>
-            <a:p>
-              <a:endParaRPr lang="en-US" sz="1600">
-                <a:solidFill>
-                  <a:schemeClr val="accent6">
-                    <a:lumMod val="50000"/>
-                  </a:schemeClr>
-                </a:solidFill>
-              </a:endParaRPr>
-            </a:p>
-          </p:txBody>
-        </p:sp>
-        <p:pic>
-          <p:nvPicPr>
-            <p:cNvPr id="15" name="Graphic 14">
-              <a:extLst>
-                <a:ext uri="{FF2B5EF4-FFF2-40B4-BE49-F238E27FC236}">
-                  <a16:creationId xmlns:a16="http://schemas.microsoft.com/office/drawing/2014/main" id="{547FE64B-C65A-834D-9FDE-14298A176060}"/>
-                </a:ext>
-              </a:extLst>
-            </p:cNvPr>
-            <p:cNvPicPr>
-              <a:picLocks noChangeAspect="1"/>
-            </p:cNvPicPr>
-            <p:nvPr/>
-          </p:nvPicPr>
-          <p:blipFill>
-            <a:blip r:embed="rId3">
-              <a:extLst>
-                <a:ext uri="{96DAC541-7B7A-43D3-8B79-37D633B846F1}">
-                  <asvg:svgBlip xmlns:asvg="http://schemas.microsoft.com/office/drawing/2016/SVG/main" r:embed="rId4"/>
-                </a:ext>
-              </a:extLst>
-            </a:blip>
-            <a:stretch>
-              <a:fillRect/>
-            </a:stretch>
-          </p:blipFill>
-          <p:spPr>
-            <a:xfrm>
-              <a:off x="5638797" y="738708"/>
-              <a:ext cx="914400" cy="808585"/>
-            </a:xfrm>
-            <a:prstGeom prst="rect">
-              <a:avLst/>
-            </a:prstGeom>
-          </p:spPr>
-        </p:pic>
-        <p:sp>
-          <p:nvSpPr>
-            <p:cNvPr id="56" name="Oval 55">
-              <a:extLst>
-                <a:ext uri="{FF2B5EF4-FFF2-40B4-BE49-F238E27FC236}">
-                  <a16:creationId xmlns:a16="http://schemas.microsoft.com/office/drawing/2014/main" id="{29DAC5E5-0C5A-264D-A948-7C425672456C}"/>
-                </a:ext>
-              </a:extLst>
-            </p:cNvPr>
-            <p:cNvSpPr>
-              <a:spLocks noChangeAspect="1"/>
-            </p:cNvSpPr>
-            <p:nvPr/>
-          </p:nvSpPr>
-          <p:spPr>
-            <a:xfrm>
-              <a:off x="5570217" y="617220"/>
-              <a:ext cx="1051560" cy="1051560"/>
-            </a:xfrm>
-            <a:prstGeom prst="ellipse">
-              <a:avLst/>
-            </a:prstGeom>
-            <a:noFill/>
-            <a:ln w="127000" cmpd="sng">
-              <a:solidFill>
-                <a:schemeClr val="tx1"/>
-              </a:solidFill>
-            </a:ln>
-          </p:spPr>
-          <p:style>
-            <a:lnRef idx="2">
-              <a:schemeClr val="accent1">
-                <a:shade val="50000"/>
-              </a:schemeClr>
-            </a:lnRef>
-            <a:fillRef idx="1">
-              <a:schemeClr val="accent1"/>
-            </a:fillRef>
-            <a:effectRef idx="0">
-              <a:schemeClr val="accent1"/>
-            </a:effectRef>
-            <a:fontRef idx="minor">
-              <a:schemeClr val="lt1"/>
-            </a:fontRef>
-          </p:style>
-          <p:txBody>
-            <a:bodyPr wrap="none" lIns="0" tIns="0" rIns="0" bIns="0" rtlCol="0" anchor="ctr"/>
-            <a:lstStyle/>
-            <a:p>
-              <a:pPr algn="ctr"/>
-              <a:endParaRPr lang="en-US" sz="2000" b="1" dirty="0">
-                <a:solidFill>
-                  <a:schemeClr val="tx1"/>
-                </a:solidFill>
-                <a:latin typeface="Courier" pitchFamily="2" charset="0"/>
-              </a:endParaRPr>
-            </a:p>
-          </p:txBody>
-        </p:sp>
-        <p:grpSp>
-          <p:nvGrpSpPr>
-            <p:cNvPr id="3" name="Group 2">
-              <a:extLst>
-                <a:ext uri="{FF2B5EF4-FFF2-40B4-BE49-F238E27FC236}">
-                  <a16:creationId xmlns:a16="http://schemas.microsoft.com/office/drawing/2014/main" id="{6DD23E6C-B4CC-8A43-9C77-8FF8DCD975B1}"/>
-                </a:ext>
-              </a:extLst>
-            </p:cNvPr>
-            <p:cNvGrpSpPr/>
-            <p:nvPr/>
-          </p:nvGrpSpPr>
-          <p:grpSpPr>
-            <a:xfrm>
-              <a:off x="2967181" y="1391474"/>
-              <a:ext cx="6257633" cy="742496"/>
-              <a:chOff x="3036375" y="1025684"/>
-              <a:chExt cx="6013819" cy="742496"/>
-            </a:xfrm>
-          </p:grpSpPr>
-          <p:sp>
-            <p:nvSpPr>
-              <p:cNvPr id="13" name="Rectangle 12">
-                <a:extLst>
-                  <a:ext uri="{FF2B5EF4-FFF2-40B4-BE49-F238E27FC236}">
-                    <a16:creationId xmlns:a16="http://schemas.microsoft.com/office/drawing/2014/main" id="{013BCA9E-17D0-8446-8357-6E3E368D381C}"/>
-                  </a:ext>
-                </a:extLst>
-              </p:cNvPr>
-              <p:cNvSpPr/>
-              <p:nvPr/>
-            </p:nvSpPr>
-            <p:spPr>
-              <a:xfrm rot="19799829">
-                <a:off x="3036375" y="1025767"/>
-                <a:ext cx="2743200" cy="742413"/>
-              </a:xfrm>
-              <a:prstGeom prst="rect">
-                <a:avLst/>
-              </a:prstGeom>
-              <a:noFill/>
-              <a:ln>
-                <a:noFill/>
-              </a:ln>
-            </p:spPr>
-            <p:style>
-              <a:lnRef idx="2">
-                <a:schemeClr val="accent1">
-                  <a:shade val="50000"/>
-                </a:schemeClr>
-              </a:lnRef>
-              <a:fillRef idx="1">
-                <a:schemeClr val="accent1"/>
-              </a:fillRef>
-              <a:effectRef idx="0">
-                <a:schemeClr val="accent1"/>
-              </a:effectRef>
-              <a:fontRef idx="minor">
-                <a:schemeClr val="lt1"/>
-              </a:fontRef>
-            </p:style>
-            <p:txBody>
-              <a:bodyPr wrap="none" lIns="0" tIns="0" rIns="0" bIns="0" rtlCol="0" anchor="ctr"/>
-              <a:lstStyle/>
-              <a:p>
-                <a:pPr algn="ctr"/>
-                <a:r>
-                  <a:rPr lang="en-US" sz="6600" b="1" dirty="0">
-                    <a:solidFill>
-                      <a:schemeClr val="tx1"/>
-                    </a:solidFill>
-                    <a:latin typeface="Courier" pitchFamily="2" charset="0"/>
-                  </a:rPr>
-                  <a:t>neo</a:t>
-                </a:r>
-              </a:p>
-            </p:txBody>
-          </p:sp>
-          <p:sp>
-            <p:nvSpPr>
-              <p:cNvPr id="14" name="Rectangle 13">
-                <a:extLst>
-                  <a:ext uri="{FF2B5EF4-FFF2-40B4-BE49-F238E27FC236}">
-                    <a16:creationId xmlns:a16="http://schemas.microsoft.com/office/drawing/2014/main" id="{1EF8C4A7-970A-4548-83D0-0EFFCE2D8CA2}"/>
-                  </a:ext>
-                </a:extLst>
-              </p:cNvPr>
-              <p:cNvSpPr/>
-              <p:nvPr/>
-            </p:nvSpPr>
-            <p:spPr>
-              <a:xfrm rot="1799886">
-                <a:off x="6306994" y="1025684"/>
-                <a:ext cx="2743200" cy="742413"/>
-              </a:xfrm>
-              <a:prstGeom prst="rect">
-                <a:avLst/>
-              </a:prstGeom>
-              <a:noFill/>
-              <a:ln>
-                <a:noFill/>
-              </a:ln>
-            </p:spPr>
-            <p:style>
-              <a:lnRef idx="2">
-                <a:schemeClr val="accent1">
-                  <a:shade val="50000"/>
-                </a:schemeClr>
-              </a:lnRef>
-              <a:fillRef idx="1">
-                <a:schemeClr val="accent1"/>
-              </a:fillRef>
-              <a:effectRef idx="0">
-                <a:schemeClr val="accent1"/>
-              </a:effectRef>
-              <a:fontRef idx="minor">
-                <a:schemeClr val="lt1"/>
-              </a:fontRef>
-            </p:style>
-            <p:txBody>
-              <a:bodyPr wrap="none" lIns="0" tIns="0" rIns="0" bIns="0" rtlCol="0" anchor="ctr"/>
-              <a:lstStyle/>
-              <a:p>
-                <a:pPr algn="ctr"/>
-                <a:r>
-                  <a:rPr lang="en-US" sz="6600" b="1" dirty="0">
-                    <a:solidFill>
-                      <a:schemeClr val="tx1"/>
-                    </a:solidFill>
-                    <a:latin typeface="Courier" pitchFamily="2" charset="0"/>
-                  </a:rPr>
-                  <a:t>geo</a:t>
-                </a:r>
-              </a:p>
-            </p:txBody>
-          </p:sp>
-        </p:grpSp>
-        <p:grpSp>
-          <p:nvGrpSpPr>
-            <p:cNvPr id="32" name="Group 31">
-              <a:extLst>
-                <a:ext uri="{FF2B5EF4-FFF2-40B4-BE49-F238E27FC236}">
-                  <a16:creationId xmlns:a16="http://schemas.microsoft.com/office/drawing/2014/main" id="{0A2700E4-0F64-C744-AF70-B86684BCA28B}"/>
-                </a:ext>
-              </a:extLst>
-            </p:cNvPr>
-            <p:cNvGrpSpPr>
-              <a:grpSpLocks noChangeAspect="1"/>
-            </p:cNvGrpSpPr>
-            <p:nvPr/>
-          </p:nvGrpSpPr>
-          <p:grpSpPr>
-            <a:xfrm>
-              <a:off x="3809997" y="1143000"/>
-              <a:ext cx="4572000" cy="4572000"/>
-              <a:chOff x="3808841" y="1398846"/>
-              <a:chExt cx="4574309" cy="4574309"/>
-            </a:xfrm>
-          </p:grpSpPr>
-          <p:pic>
-            <p:nvPicPr>
-              <p:cNvPr id="42" name="Graphic 41" descr="Suit">
-                <a:extLst>
-                  <a:ext uri="{FF2B5EF4-FFF2-40B4-BE49-F238E27FC236}">
-                    <a16:creationId xmlns:a16="http://schemas.microsoft.com/office/drawing/2014/main" id="{AA38583C-16C4-1D41-B2EA-5B5B919D9A31}"/>
-                  </a:ext>
-                </a:extLst>
-              </p:cNvPr>
-              <p:cNvPicPr>
-                <a:picLocks noChangeAspect="1"/>
-              </p:cNvPicPr>
-              <p:nvPr/>
-            </p:nvPicPr>
-            <p:blipFill>
-              <a:blip r:embed="rId5">
-                <a:extLst>
-                  <a:ext uri="{96DAC541-7B7A-43D3-8B79-37D633B846F1}">
-                    <asvg:svgBlip xmlns:asvg="http://schemas.microsoft.com/office/drawing/2016/SVG/main" r:embed="rId6"/>
-                  </a:ext>
-                </a:extLst>
-              </a:blip>
-              <a:stretch>
-                <a:fillRect/>
-              </a:stretch>
-            </p:blipFill>
-            <p:spPr>
-              <a:xfrm>
-                <a:off x="3808841" y="1398846"/>
-                <a:ext cx="4574309" cy="4574309"/>
-              </a:xfrm>
-              <a:prstGeom prst="rect">
-                <a:avLst/>
-              </a:prstGeom>
-            </p:spPr>
-          </p:pic>
           <p:grpSp>
             <p:nvGrpSpPr>
               <p:cNvPr id="9" name="Group 8">
@@ -7420,8 +7112,8 @@
             </p:nvGrpSpPr>
             <p:grpSpPr>
               <a:xfrm>
-                <a:off x="6185143" y="2391734"/>
-                <a:ext cx="914400" cy="613497"/>
+                <a:off x="6185094" y="2135386"/>
+                <a:ext cx="913938" cy="613187"/>
                 <a:chOff x="6291640" y="2218014"/>
                 <a:chExt cx="914400" cy="613497"/>
               </a:xfrm>
@@ -7675,10 +7367,420 @@
         </p:grpSp>
         <p:sp>
           <p:nvSpPr>
-            <p:cNvPr id="2" name="Rectangle 1">
+            <p:cNvPr id="31" name="Oval 30">
               <a:extLst>
                 <a:ext uri="{FF2B5EF4-FFF2-40B4-BE49-F238E27FC236}">
-                  <a16:creationId xmlns:a16="http://schemas.microsoft.com/office/drawing/2014/main" id="{3D597B18-15D0-CE49-8921-55C8EFB43235}"/>
+                  <a16:creationId xmlns:a16="http://schemas.microsoft.com/office/drawing/2014/main" id="{514D8C65-5816-024A-929A-36CAE821599B}"/>
+                </a:ext>
+              </a:extLst>
+            </p:cNvPr>
+            <p:cNvSpPr>
+              <a:spLocks noChangeAspect="1"/>
+            </p:cNvSpPr>
+            <p:nvPr/>
+          </p:nvSpPr>
+          <p:spPr>
+            <a:xfrm>
+              <a:off x="5570214" y="586319"/>
+              <a:ext cx="1051560" cy="1051560"/>
+            </a:xfrm>
+            <a:prstGeom prst="ellipse">
+              <a:avLst/>
+            </a:prstGeom>
+            <a:noFill/>
+            <a:ln w="127000" cmpd="sng">
+              <a:solidFill>
+                <a:schemeClr val="tx1"/>
+              </a:solidFill>
+            </a:ln>
+          </p:spPr>
+          <p:style>
+            <a:lnRef idx="2">
+              <a:schemeClr val="accent1">
+                <a:shade val="50000"/>
+              </a:schemeClr>
+            </a:lnRef>
+            <a:fillRef idx="1">
+              <a:schemeClr val="accent1"/>
+            </a:fillRef>
+            <a:effectRef idx="0">
+              <a:schemeClr val="accent1"/>
+            </a:effectRef>
+            <a:fontRef idx="minor">
+              <a:schemeClr val="lt1"/>
+            </a:fontRef>
+          </p:style>
+          <p:txBody>
+            <a:bodyPr wrap="none" lIns="0" tIns="0" rIns="0" bIns="0" rtlCol="0" anchor="ctr"/>
+            <a:lstStyle/>
+            <a:p>
+              <a:pPr algn="ctr"/>
+              <a:endParaRPr lang="en-US" sz="2000" b="1" dirty="0">
+                <a:solidFill>
+                  <a:schemeClr val="tx1"/>
+                </a:solidFill>
+                <a:latin typeface="Courier" pitchFamily="2" charset="0"/>
+              </a:endParaRPr>
+            </a:p>
+          </p:txBody>
+        </p:sp>
+        <p:sp>
+          <p:nvSpPr>
+            <p:cNvPr id="33" name="Freeform 32">
+              <a:extLst>
+                <a:ext uri="{FF2B5EF4-FFF2-40B4-BE49-F238E27FC236}">
+                  <a16:creationId xmlns:a16="http://schemas.microsoft.com/office/drawing/2014/main" id="{F74BF236-12BB-D340-9C38-28D2B2D4D687}"/>
+                </a:ext>
+              </a:extLst>
+            </p:cNvPr>
+            <p:cNvSpPr>
+              <a:spLocks noChangeAspect="1"/>
+            </p:cNvSpPr>
+            <p:nvPr/>
+          </p:nvSpPr>
+          <p:spPr>
+            <a:xfrm>
+              <a:off x="5654994" y="222334"/>
+              <a:ext cx="1097280" cy="1095153"/>
+            </a:xfrm>
+            <a:custGeom>
+              <a:avLst/>
+              <a:gdLst>
+                <a:gd name="connsiteX0" fmla="*/ 0 w 1368943"/>
+                <a:gd name="connsiteY0" fmla="*/ 623813 h 1368943"/>
+                <a:gd name="connsiteX1" fmla="*/ 541195 w 1368943"/>
+                <a:gd name="connsiteY1" fmla="*/ 0 h 1368943"/>
+                <a:gd name="connsiteX2" fmla="*/ 716290 w 1368943"/>
+                <a:gd name="connsiteY2" fmla="*/ 69289 h 1368943"/>
+                <a:gd name="connsiteX3" fmla="*/ 779959 w 1368943"/>
+                <a:gd name="connsiteY3" fmla="*/ 173283 h 1368943"/>
+                <a:gd name="connsiteX4" fmla="*/ 811808 w 1368943"/>
+                <a:gd name="connsiteY4" fmla="*/ 225250 h 1368943"/>
+                <a:gd name="connsiteX5" fmla="*/ 891416 w 1368943"/>
+                <a:gd name="connsiteY5" fmla="*/ 259925 h 1368943"/>
+                <a:gd name="connsiteX6" fmla="*/ 1002843 w 1368943"/>
+                <a:gd name="connsiteY6" fmla="*/ 277247 h 1368943"/>
+                <a:gd name="connsiteX7" fmla="*/ 1130180 w 1368943"/>
+                <a:gd name="connsiteY7" fmla="*/ 346566 h 1368943"/>
+                <a:gd name="connsiteX8" fmla="*/ 986903 w 1368943"/>
+                <a:gd name="connsiteY8" fmla="*/ 467852 h 1368943"/>
+                <a:gd name="connsiteX9" fmla="*/ 1209757 w 1368943"/>
+                <a:gd name="connsiteY9" fmla="*/ 675811 h 1368943"/>
+                <a:gd name="connsiteX10" fmla="*/ 1368943 w 1368943"/>
+                <a:gd name="connsiteY10" fmla="*/ 762452 h 1368943"/>
+                <a:gd name="connsiteX11" fmla="*/ 1337094 w 1368943"/>
+                <a:gd name="connsiteY11" fmla="*/ 849094 h 1368943"/>
+                <a:gd name="connsiteX12" fmla="*/ 1353034 w 1368943"/>
+                <a:gd name="connsiteY12" fmla="*/ 970380 h 1368943"/>
+                <a:gd name="connsiteX13" fmla="*/ 1353034 w 1368943"/>
+                <a:gd name="connsiteY13" fmla="*/ 1022377 h 1368943"/>
+                <a:gd name="connsiteX14" fmla="*/ 1289366 w 1368943"/>
+                <a:gd name="connsiteY14" fmla="*/ 1074374 h 1368943"/>
+                <a:gd name="connsiteX15" fmla="*/ 1257516 w 1368943"/>
+                <a:gd name="connsiteY15" fmla="*/ 1091696 h 1368943"/>
+                <a:gd name="connsiteX16" fmla="*/ 1130180 w 1368943"/>
+                <a:gd name="connsiteY16" fmla="*/ 1143694 h 1368943"/>
+                <a:gd name="connsiteX17" fmla="*/ 1098330 w 1368943"/>
+                <a:gd name="connsiteY17" fmla="*/ 1178338 h 1368943"/>
+                <a:gd name="connsiteX18" fmla="*/ 1082390 w 1368943"/>
+                <a:gd name="connsiteY18" fmla="*/ 1264980 h 1368943"/>
+                <a:gd name="connsiteX19" fmla="*/ 1018753 w 1368943"/>
+                <a:gd name="connsiteY19" fmla="*/ 1316977 h 1368943"/>
+                <a:gd name="connsiteX20" fmla="*/ 875476 w 1368943"/>
+                <a:gd name="connsiteY20" fmla="*/ 1368943 h 1368943"/>
+                <a:gd name="connsiteX21" fmla="*/ 891416 w 1368943"/>
+                <a:gd name="connsiteY21" fmla="*/ 1247657 h 1368943"/>
+                <a:gd name="connsiteX22" fmla="*/ 859567 w 1368943"/>
+                <a:gd name="connsiteY22" fmla="*/ 1212982 h 1368943"/>
+                <a:gd name="connsiteX23" fmla="*/ 795899 w 1368943"/>
+                <a:gd name="connsiteY23" fmla="*/ 1195691 h 1368943"/>
+                <a:gd name="connsiteX24" fmla="*/ 716290 w 1368943"/>
+                <a:gd name="connsiteY24" fmla="*/ 1091696 h 1368943"/>
+                <a:gd name="connsiteX25" fmla="*/ 604894 w 1368943"/>
+                <a:gd name="connsiteY25" fmla="*/ 1057052 h 1368943"/>
+                <a:gd name="connsiteX26" fmla="*/ 509346 w 1368943"/>
+                <a:gd name="connsiteY26" fmla="*/ 1022377 h 1368943"/>
+                <a:gd name="connsiteX27" fmla="*/ 445677 w 1368943"/>
+                <a:gd name="connsiteY27" fmla="*/ 1022377 h 1368943"/>
+                <a:gd name="connsiteX28" fmla="*/ 366100 w 1368943"/>
+                <a:gd name="connsiteY28" fmla="*/ 935735 h 1368943"/>
+                <a:gd name="connsiteX29" fmla="*/ 286492 w 1368943"/>
+                <a:gd name="connsiteY29" fmla="*/ 762452 h 1368943"/>
+                <a:gd name="connsiteX30" fmla="*/ 222854 w 1368943"/>
+                <a:gd name="connsiteY30" fmla="*/ 762452 h 1368943"/>
+                <a:gd name="connsiteX31" fmla="*/ 143246 w 1368943"/>
+                <a:gd name="connsiteY31" fmla="*/ 762452 h 1368943"/>
+                <a:gd name="connsiteX32" fmla="*/ 111427 w 1368943"/>
+                <a:gd name="connsiteY32" fmla="*/ 745130 h 1368943"/>
+                <a:gd name="connsiteX33" fmla="*/ 63637 w 1368943"/>
+                <a:gd name="connsiteY33" fmla="*/ 641135 h 1368943"/>
+                <a:gd name="connsiteX34" fmla="*/ 0 w 1368943"/>
+                <a:gd name="connsiteY34" fmla="*/ 623813 h 1368943"/>
+              </a:gdLst>
+              <a:ahLst/>
+              <a:cxnLst>
+                <a:cxn ang="0">
+                  <a:pos x="connsiteX0" y="connsiteY0"/>
+                </a:cxn>
+                <a:cxn ang="0">
+                  <a:pos x="connsiteX1" y="connsiteY1"/>
+                </a:cxn>
+                <a:cxn ang="0">
+                  <a:pos x="connsiteX2" y="connsiteY2"/>
+                </a:cxn>
+                <a:cxn ang="0">
+                  <a:pos x="connsiteX3" y="connsiteY3"/>
+                </a:cxn>
+                <a:cxn ang="0">
+                  <a:pos x="connsiteX4" y="connsiteY4"/>
+                </a:cxn>
+                <a:cxn ang="0">
+                  <a:pos x="connsiteX5" y="connsiteY5"/>
+                </a:cxn>
+                <a:cxn ang="0">
+                  <a:pos x="connsiteX6" y="connsiteY6"/>
+                </a:cxn>
+                <a:cxn ang="0">
+                  <a:pos x="connsiteX7" y="connsiteY7"/>
+                </a:cxn>
+                <a:cxn ang="0">
+                  <a:pos x="connsiteX8" y="connsiteY8"/>
+                </a:cxn>
+                <a:cxn ang="0">
+                  <a:pos x="connsiteX9" y="connsiteY9"/>
+                </a:cxn>
+                <a:cxn ang="0">
+                  <a:pos x="connsiteX10" y="connsiteY10"/>
+                </a:cxn>
+                <a:cxn ang="0">
+                  <a:pos x="connsiteX11" y="connsiteY11"/>
+                </a:cxn>
+                <a:cxn ang="0">
+                  <a:pos x="connsiteX12" y="connsiteY12"/>
+                </a:cxn>
+                <a:cxn ang="0">
+                  <a:pos x="connsiteX13" y="connsiteY13"/>
+                </a:cxn>
+                <a:cxn ang="0">
+                  <a:pos x="connsiteX14" y="connsiteY14"/>
+                </a:cxn>
+                <a:cxn ang="0">
+                  <a:pos x="connsiteX15" y="connsiteY15"/>
+                </a:cxn>
+                <a:cxn ang="0">
+                  <a:pos x="connsiteX16" y="connsiteY16"/>
+                </a:cxn>
+                <a:cxn ang="0">
+                  <a:pos x="connsiteX17" y="connsiteY17"/>
+                </a:cxn>
+                <a:cxn ang="0">
+                  <a:pos x="connsiteX18" y="connsiteY18"/>
+                </a:cxn>
+                <a:cxn ang="0">
+                  <a:pos x="connsiteX19" y="connsiteY19"/>
+                </a:cxn>
+                <a:cxn ang="0">
+                  <a:pos x="connsiteX20" y="connsiteY20"/>
+                </a:cxn>
+                <a:cxn ang="0">
+                  <a:pos x="connsiteX21" y="connsiteY21"/>
+                </a:cxn>
+                <a:cxn ang="0">
+                  <a:pos x="connsiteX22" y="connsiteY22"/>
+                </a:cxn>
+                <a:cxn ang="0">
+                  <a:pos x="connsiteX23" y="connsiteY23"/>
+                </a:cxn>
+                <a:cxn ang="0">
+                  <a:pos x="connsiteX24" y="connsiteY24"/>
+                </a:cxn>
+                <a:cxn ang="0">
+                  <a:pos x="connsiteX25" y="connsiteY25"/>
+                </a:cxn>
+                <a:cxn ang="0">
+                  <a:pos x="connsiteX26" y="connsiteY26"/>
+                </a:cxn>
+                <a:cxn ang="0">
+                  <a:pos x="connsiteX27" y="connsiteY27"/>
+                </a:cxn>
+                <a:cxn ang="0">
+                  <a:pos x="connsiteX28" y="connsiteY28"/>
+                </a:cxn>
+                <a:cxn ang="0">
+                  <a:pos x="connsiteX29" y="connsiteY29"/>
+                </a:cxn>
+                <a:cxn ang="0">
+                  <a:pos x="connsiteX30" y="connsiteY30"/>
+                </a:cxn>
+                <a:cxn ang="0">
+                  <a:pos x="connsiteX31" y="connsiteY31"/>
+                </a:cxn>
+                <a:cxn ang="0">
+                  <a:pos x="connsiteX32" y="connsiteY32"/>
+                </a:cxn>
+                <a:cxn ang="0">
+                  <a:pos x="connsiteX33" y="connsiteY33"/>
+                </a:cxn>
+                <a:cxn ang="0">
+                  <a:pos x="connsiteX34" y="connsiteY34"/>
+                </a:cxn>
+              </a:cxnLst>
+              <a:rect l="l" t="t" r="r" b="b"/>
+              <a:pathLst>
+                <a:path w="1368943" h="1368943">
+                  <a:moveTo>
+                    <a:pt x="0" y="623813"/>
+                  </a:moveTo>
+                  <a:lnTo>
+                    <a:pt x="541195" y="0"/>
+                  </a:lnTo>
+                  <a:lnTo>
+                    <a:pt x="716290" y="69289"/>
+                  </a:lnTo>
+                  <a:lnTo>
+                    <a:pt x="779959" y="173283"/>
+                  </a:lnTo>
+                  <a:lnTo>
+                    <a:pt x="811808" y="225250"/>
+                  </a:lnTo>
+                  <a:lnTo>
+                    <a:pt x="891416" y="259925"/>
+                  </a:lnTo>
+                  <a:lnTo>
+                    <a:pt x="1002843" y="277247"/>
+                  </a:lnTo>
+                  <a:lnTo>
+                    <a:pt x="1130180" y="346566"/>
+                  </a:lnTo>
+                  <a:lnTo>
+                    <a:pt x="986903" y="467852"/>
+                  </a:lnTo>
+                  <a:lnTo>
+                    <a:pt x="1209757" y="675811"/>
+                  </a:lnTo>
+                  <a:lnTo>
+                    <a:pt x="1368943" y="762452"/>
+                  </a:lnTo>
+                  <a:lnTo>
+                    <a:pt x="1337094" y="849094"/>
+                  </a:lnTo>
+                  <a:lnTo>
+                    <a:pt x="1353034" y="970380"/>
+                  </a:lnTo>
+                  <a:lnTo>
+                    <a:pt x="1353034" y="1022377"/>
+                  </a:lnTo>
+                  <a:lnTo>
+                    <a:pt x="1289366" y="1074374"/>
+                  </a:lnTo>
+                  <a:lnTo>
+                    <a:pt x="1257516" y="1091696"/>
+                  </a:lnTo>
+                  <a:lnTo>
+                    <a:pt x="1130180" y="1143694"/>
+                  </a:lnTo>
+                  <a:lnTo>
+                    <a:pt x="1098330" y="1178338"/>
+                  </a:lnTo>
+                  <a:lnTo>
+                    <a:pt x="1082390" y="1264980"/>
+                  </a:lnTo>
+                  <a:lnTo>
+                    <a:pt x="1018753" y="1316977"/>
+                  </a:lnTo>
+                  <a:lnTo>
+                    <a:pt x="875476" y="1368943"/>
+                  </a:lnTo>
+                  <a:lnTo>
+                    <a:pt x="891416" y="1247657"/>
+                  </a:lnTo>
+                  <a:lnTo>
+                    <a:pt x="859567" y="1212982"/>
+                  </a:lnTo>
+                  <a:lnTo>
+                    <a:pt x="795899" y="1195691"/>
+                  </a:lnTo>
+                  <a:lnTo>
+                    <a:pt x="716290" y="1091696"/>
+                  </a:lnTo>
+                  <a:lnTo>
+                    <a:pt x="604894" y="1057052"/>
+                  </a:lnTo>
+                  <a:lnTo>
+                    <a:pt x="509346" y="1022377"/>
+                  </a:lnTo>
+                  <a:lnTo>
+                    <a:pt x="445677" y="1022377"/>
+                  </a:lnTo>
+                  <a:lnTo>
+                    <a:pt x="366100" y="935735"/>
+                  </a:lnTo>
+                  <a:lnTo>
+                    <a:pt x="286492" y="762452"/>
+                  </a:lnTo>
+                  <a:lnTo>
+                    <a:pt x="222854" y="762452"/>
+                  </a:lnTo>
+                  <a:lnTo>
+                    <a:pt x="143246" y="762452"/>
+                  </a:lnTo>
+                  <a:lnTo>
+                    <a:pt x="111427" y="745130"/>
+                  </a:lnTo>
+                  <a:lnTo>
+                    <a:pt x="63637" y="641135"/>
+                  </a:lnTo>
+                  <a:lnTo>
+                    <a:pt x="0" y="623813"/>
+                  </a:lnTo>
+                  <a:close/>
+                </a:path>
+              </a:pathLst>
+            </a:custGeom>
+            <a:solidFill>
+              <a:srgbClr val="A53A2B"/>
+            </a:solidFill>
+            <a:ln w="3276" cap="rnd">
+              <a:noFill/>
+              <a:prstDash val="solid"/>
+              <a:round/>
+            </a:ln>
+          </p:spPr>
+          <p:txBody>
+            <a:bodyPr rtlCol="0" anchor="ctr"/>
+            <a:lstStyle/>
+            <a:p>
+              <a:endParaRPr lang="en-US"/>
+            </a:p>
+          </p:txBody>
+        </p:sp>
+      </p:grpSp>
+      <p:grpSp>
+        <p:nvGrpSpPr>
+          <p:cNvPr id="34" name="Group 33">
+            <a:extLst>
+              <a:ext uri="{FF2B5EF4-FFF2-40B4-BE49-F238E27FC236}">
+                <a16:creationId xmlns:a16="http://schemas.microsoft.com/office/drawing/2014/main" id="{3E1A857E-0757-FD4F-805F-B6BE1865A651}"/>
+              </a:ext>
+            </a:extLst>
+          </p:cNvPr>
+          <p:cNvGrpSpPr/>
+          <p:nvPr/>
+        </p:nvGrpSpPr>
+        <p:grpSpPr>
+          <a:xfrm>
+            <a:off x="2967160" y="1460929"/>
+            <a:ext cx="6257633" cy="742496"/>
+            <a:chOff x="3036375" y="1025684"/>
+            <a:chExt cx="6013819" cy="742496"/>
+          </a:xfrm>
+        </p:grpSpPr>
+        <p:sp>
+          <p:nvSpPr>
+            <p:cNvPr id="35" name="Rectangle 34">
+              <a:extLst>
+                <a:ext uri="{FF2B5EF4-FFF2-40B4-BE49-F238E27FC236}">
+                  <a16:creationId xmlns:a16="http://schemas.microsoft.com/office/drawing/2014/main" id="{1DB2FAE7-8002-8346-9967-0827D3426495}"/>
                 </a:ext>
               </a:extLst>
             </p:cNvPr>
@@ -7686,9 +7788,9 @@
             <p:nvPr/>
           </p:nvSpPr>
           <p:spPr>
-            <a:xfrm>
-              <a:off x="4723604" y="5000403"/>
-              <a:ext cx="2744787" cy="714597"/>
+            <a:xfrm rot="19799829">
+              <a:off x="3036375" y="1025767"/>
+              <a:ext cx="2743200" cy="742413"/>
             </a:xfrm>
             <a:prstGeom prst="rect">
               <a:avLst/>
@@ -7726,18 +7828,134 @@
                   </a:solidFill>
                   <a:latin typeface="Courier" pitchFamily="2" charset="0"/>
                 </a:rPr>
-                <a:t>names</a:t>
+                <a:t>neo</a:t>
               </a:r>
-              <a:endParaRPr lang="en-US" sz="8000" b="1" dirty="0">
+            </a:p>
+          </p:txBody>
+        </p:sp>
+        <p:sp>
+          <p:nvSpPr>
+            <p:cNvPr id="36" name="Rectangle 35">
+              <a:extLst>
+                <a:ext uri="{FF2B5EF4-FFF2-40B4-BE49-F238E27FC236}">
+                  <a16:creationId xmlns:a16="http://schemas.microsoft.com/office/drawing/2014/main" id="{F6FE2889-7B88-2047-82E7-4E6DF3948888}"/>
+                </a:ext>
+              </a:extLst>
+            </p:cNvPr>
+            <p:cNvSpPr/>
+            <p:nvPr/>
+          </p:nvSpPr>
+          <p:spPr>
+            <a:xfrm rot="1799886">
+              <a:off x="6306994" y="1025684"/>
+              <a:ext cx="2743200" cy="742413"/>
+            </a:xfrm>
+            <a:prstGeom prst="rect">
+              <a:avLst/>
+            </a:prstGeom>
+            <a:noFill/>
+            <a:ln>
+              <a:noFill/>
+            </a:ln>
+          </p:spPr>
+          <p:style>
+            <a:lnRef idx="2">
+              <a:schemeClr val="accent1">
+                <a:shade val="50000"/>
+              </a:schemeClr>
+            </a:lnRef>
+            <a:fillRef idx="1">
+              <a:schemeClr val="accent1"/>
+            </a:fillRef>
+            <a:effectRef idx="0">
+              <a:schemeClr val="accent1"/>
+            </a:effectRef>
+            <a:fontRef idx="minor">
+              <a:schemeClr val="lt1"/>
+            </a:fontRef>
+          </p:style>
+          <p:txBody>
+            <a:bodyPr wrap="none" lIns="0" tIns="0" rIns="0" bIns="0" rtlCol="0" anchor="ctr"/>
+            <a:lstStyle/>
+            <a:p>
+              <a:pPr algn="ctr"/>
+              <a:r>
+                <a:rPr lang="en-US" sz="6600" b="1" dirty="0">
+                  <a:solidFill>
+                    <a:schemeClr val="tx1"/>
+                  </a:solidFill>
+                  <a:latin typeface="Courier" pitchFamily="2" charset="0"/>
+                </a:rPr>
+                <a:t>geo</a:t>
+              </a:r>
+            </a:p>
+          </p:txBody>
+        </p:sp>
+      </p:grpSp>
+      <p:sp>
+        <p:nvSpPr>
+          <p:cNvPr id="37" name="Rectangle 36">
+            <a:extLst>
+              <a:ext uri="{FF2B5EF4-FFF2-40B4-BE49-F238E27FC236}">
+                <a16:creationId xmlns:a16="http://schemas.microsoft.com/office/drawing/2014/main" id="{4C6B2E9B-489E-FB44-B5DA-B553770A1935}"/>
+              </a:ext>
+            </a:extLst>
+          </p:cNvPr>
+          <p:cNvSpPr/>
+          <p:nvPr/>
+        </p:nvSpPr>
+        <p:spPr>
+          <a:xfrm>
+            <a:off x="4723584" y="5103966"/>
+            <a:ext cx="2744787" cy="714597"/>
+          </a:xfrm>
+          <a:prstGeom prst="rect">
+            <a:avLst/>
+          </a:prstGeom>
+          <a:noFill/>
+          <a:ln>
+            <a:noFill/>
+          </a:ln>
+        </p:spPr>
+        <p:style>
+          <a:lnRef idx="2">
+            <a:schemeClr val="accent1">
+              <a:shade val="50000"/>
+            </a:schemeClr>
+          </a:lnRef>
+          <a:fillRef idx="1">
+            <a:schemeClr val="accent1"/>
+          </a:fillRef>
+          <a:effectRef idx="0">
+            <a:schemeClr val="accent1"/>
+          </a:effectRef>
+          <a:fontRef idx="minor">
+            <a:schemeClr val="lt1"/>
+          </a:fontRef>
+        </p:style>
+        <p:txBody>
+          <a:bodyPr wrap="none" lIns="0" tIns="0" rIns="0" bIns="0" rtlCol="0" anchor="ctr"/>
+          <a:lstStyle/>
+          <a:p>
+            <a:pPr algn="ctr"/>
+            <a:r>
+              <a:rPr lang="en-US" sz="6600" b="1" dirty="0">
                 <a:solidFill>
                   <a:schemeClr val="tx1"/>
                 </a:solidFill>
                 <a:latin typeface="Courier" pitchFamily="2" charset="0"/>
-              </a:endParaRPr>
-            </a:p>
-          </p:txBody>
-        </p:sp>
-      </p:grpSp>
+              </a:rPr>
+              <a:t>names</a:t>
+            </a:r>
+            <a:endParaRPr lang="en-US" sz="8800" b="1" dirty="0">
+              <a:solidFill>
+                <a:schemeClr val="tx1"/>
+              </a:solidFill>
+              <a:latin typeface="Courier" pitchFamily="2" charset="0"/>
+            </a:endParaRPr>
+          </a:p>
+        </p:txBody>
+      </p:sp>
     </p:spTree>
     <p:extLst>
       <p:ext uri="{BB962C8B-B14F-4D97-AF65-F5344CB8AC3E}">
